--- a/articles/201706/figure-20170616.pptx
+++ b/articles/201706/figure-20170616.pptx
@@ -6,6 +6,8 @@
   </p:sldMasterIdLst>
   <p:sldIdLst>
     <p:sldId id="256" r:id="rId2"/>
+    <p:sldId id="258" r:id="rId3"/>
+    <p:sldId id="257" r:id="rId4"/>
   </p:sldIdLst>
   <p:sldSz cx="9144000" cy="6858000" type="screen4x3"/>
   <p:notesSz cx="6858000" cy="9144000"/>
@@ -3419,37 +3421,79 @@
           </a:p>
         </p:txBody>
       </p:sp>
+      <p:sp>
+        <p:nvSpPr>
+          <p:cNvPr id="6" name="円弧 5"/>
+          <p:cNvSpPr/>
+          <p:nvPr/>
+        </p:nvSpPr>
+        <p:spPr>
+          <a:xfrm>
+            <a:off x="1895620" y="1798840"/>
+            <a:ext cx="1052069" cy="1070933"/>
+          </a:xfrm>
+          <a:prstGeom prst="arc">
+            <a:avLst>
+              <a:gd name="adj1" fmla="val 10801580"/>
+              <a:gd name="adj2" fmla="val 0"/>
+            </a:avLst>
+          </a:prstGeom>
+        </p:spPr>
+        <p:style>
+          <a:lnRef idx="2">
+            <a:schemeClr val="accent1"/>
+          </a:lnRef>
+          <a:fillRef idx="0">
+            <a:schemeClr val="accent1"/>
+          </a:fillRef>
+          <a:effectRef idx="1">
+            <a:schemeClr val="accent1"/>
+          </a:effectRef>
+          <a:fontRef idx="minor">
+            <a:schemeClr val="tx1"/>
+          </a:fontRef>
+        </p:style>
+        <p:txBody>
+          <a:bodyPr rtlCol="0" anchor="ctr"/>
+          <a:lstStyle/>
+          <a:p>
+            <a:pPr algn="ctr"/>
+            <a:endParaRPr kumimoji="1" lang="ja-JP" altLang="en-US"/>
+          </a:p>
+        </p:txBody>
+      </p:sp>
       <p:grpSp>
         <p:nvGrpSpPr>
-          <p:cNvPr id="41" name="図形グループ 40"/>
+          <p:cNvPr id="31" name="図形グループ 30"/>
           <p:cNvGrpSpPr/>
           <p:nvPr/>
         </p:nvGrpSpPr>
         <p:grpSpPr>
           <a:xfrm>
             <a:off x="1497540" y="1562800"/>
-            <a:ext cx="1867187" cy="1306973"/>
+            <a:ext cx="1867187" cy="771508"/>
             <a:chOff x="1497540" y="1123950"/>
-            <a:chExt cx="1867187" cy="1306973"/>
+            <a:chExt cx="1867187" cy="771508"/>
           </a:xfrm>
         </p:grpSpPr>
-        <p:sp>
-          <p:nvSpPr>
-            <p:cNvPr id="6" name="円弧 5"/>
-            <p:cNvSpPr/>
+        <p:cxnSp>
+          <p:nvCxnSpPr>
+            <p:cNvPr id="13" name="直線矢印コネクタ 12"/>
+            <p:cNvCxnSpPr/>
             <p:nvPr/>
-          </p:nvSpPr>
+          </p:nvCxnSpPr>
           <p:spPr>
-            <a:xfrm>
-              <a:off x="1895620" y="1359990"/>
-              <a:ext cx="1052069" cy="1070933"/>
+            <a:xfrm flipV="1">
+              <a:off x="2409825" y="1708150"/>
+              <a:ext cx="504825" cy="187308"/>
             </a:xfrm>
-            <a:prstGeom prst="arc">
-              <a:avLst>
-                <a:gd name="adj1" fmla="val 10801580"/>
-                <a:gd name="adj2" fmla="val 0"/>
-              </a:avLst>
+            <a:prstGeom prst="straightConnector1">
+              <a:avLst/>
             </a:prstGeom>
+            <a:ln w="12700" cmpd="sng">
+              <a:headEnd type="none"/>
+              <a:tailEnd type="triangle"/>
+            </a:ln>
           </p:spPr>
           <p:style>
             <a:lnRef idx="2">
@@ -3465,308 +3509,251 @@
               <a:schemeClr val="tx1"/>
             </a:fontRef>
           </p:style>
-          <p:txBody>
-            <a:bodyPr rtlCol="0" anchor="ctr"/>
-            <a:lstStyle/>
-            <a:p>
-              <a:pPr algn="ctr"/>
-              <a:endParaRPr kumimoji="1" lang="ja-JP" altLang="en-US"/>
-            </a:p>
-          </p:txBody>
-        </p:sp>
-        <p:grpSp>
-          <p:nvGrpSpPr>
-            <p:cNvPr id="31" name="図形グループ 30"/>
-            <p:cNvGrpSpPr/>
+        </p:cxnSp>
+        <p:cxnSp>
+          <p:nvCxnSpPr>
+            <p:cNvPr id="14" name="直線矢印コネクタ 13"/>
+            <p:cNvCxnSpPr/>
             <p:nvPr/>
-          </p:nvGrpSpPr>
-          <p:grpSpPr>
+          </p:nvCxnSpPr>
+          <p:spPr>
+            <a:xfrm flipV="1">
+              <a:off x="2409825" y="1479550"/>
+              <a:ext cx="346075" cy="415908"/>
+            </a:xfrm>
+            <a:prstGeom prst="straightConnector1">
+              <a:avLst/>
+            </a:prstGeom>
+            <a:ln w="12700" cmpd="sng">
+              <a:headEnd type="none"/>
+              <a:tailEnd type="triangle"/>
+            </a:ln>
+          </p:spPr>
+          <p:style>
+            <a:lnRef idx="2">
+              <a:schemeClr val="accent1"/>
+            </a:lnRef>
+            <a:fillRef idx="0">
+              <a:schemeClr val="accent1"/>
+            </a:fillRef>
+            <a:effectRef idx="1">
+              <a:schemeClr val="accent1"/>
+            </a:effectRef>
+            <a:fontRef idx="minor">
+              <a:schemeClr val="tx1"/>
+            </a:fontRef>
+          </p:style>
+        </p:cxnSp>
+        <p:cxnSp>
+          <p:nvCxnSpPr>
+            <p:cNvPr id="17" name="直線矢印コネクタ 16"/>
+            <p:cNvCxnSpPr/>
+            <p:nvPr/>
+          </p:nvCxnSpPr>
+          <p:spPr>
+            <a:xfrm flipV="1">
+              <a:off x="2409825" y="1403350"/>
+              <a:ext cx="174625" cy="492108"/>
+            </a:xfrm>
+            <a:prstGeom prst="straightConnector1">
+              <a:avLst/>
+            </a:prstGeom>
+            <a:ln w="12700" cmpd="sng">
+              <a:headEnd type="none"/>
+              <a:tailEnd type="triangle"/>
+            </a:ln>
+          </p:spPr>
+          <p:style>
+            <a:lnRef idx="2">
+              <a:schemeClr val="accent1"/>
+            </a:lnRef>
+            <a:fillRef idx="0">
+              <a:schemeClr val="accent1"/>
+            </a:fillRef>
+            <a:effectRef idx="1">
+              <a:schemeClr val="accent1"/>
+            </a:effectRef>
+            <a:fontRef idx="minor">
+              <a:schemeClr val="tx1"/>
+            </a:fontRef>
+          </p:style>
+        </p:cxnSp>
+        <p:cxnSp>
+          <p:nvCxnSpPr>
+            <p:cNvPr id="20" name="直線矢印コネクタ 19"/>
+            <p:cNvCxnSpPr/>
+            <p:nvPr/>
+          </p:nvCxnSpPr>
+          <p:spPr>
+            <a:xfrm flipH="1" flipV="1">
+              <a:off x="2225675" y="1403350"/>
+              <a:ext cx="184150" cy="492108"/>
+            </a:xfrm>
+            <a:prstGeom prst="straightConnector1">
+              <a:avLst/>
+            </a:prstGeom>
+            <a:ln w="12700" cmpd="sng">
+              <a:headEnd type="none"/>
+              <a:tailEnd type="triangle"/>
+            </a:ln>
+          </p:spPr>
+          <p:style>
+            <a:lnRef idx="2">
+              <a:schemeClr val="accent1"/>
+            </a:lnRef>
+            <a:fillRef idx="0">
+              <a:schemeClr val="accent1"/>
+            </a:fillRef>
+            <a:effectRef idx="1">
+              <a:schemeClr val="accent1"/>
+            </a:effectRef>
+            <a:fontRef idx="minor">
+              <a:schemeClr val="tx1"/>
+            </a:fontRef>
+          </p:style>
+        </p:cxnSp>
+        <p:cxnSp>
+          <p:nvCxnSpPr>
+            <p:cNvPr id="23" name="直線矢印コネクタ 22"/>
+            <p:cNvCxnSpPr/>
+            <p:nvPr/>
+          </p:nvCxnSpPr>
+          <p:spPr>
+            <a:xfrm flipH="1" flipV="1">
+              <a:off x="1946275" y="1679575"/>
+              <a:ext cx="463550" cy="215883"/>
+            </a:xfrm>
+            <a:prstGeom prst="straightConnector1">
+              <a:avLst/>
+            </a:prstGeom>
+            <a:ln w="12700" cmpd="sng">
+              <a:headEnd type="none"/>
+              <a:tailEnd type="triangle"/>
+            </a:ln>
+          </p:spPr>
+          <p:style>
+            <a:lnRef idx="2">
+              <a:schemeClr val="accent1"/>
+            </a:lnRef>
+            <a:fillRef idx="0">
+              <a:schemeClr val="accent1"/>
+            </a:fillRef>
+            <a:effectRef idx="1">
+              <a:schemeClr val="accent1"/>
+            </a:effectRef>
+            <a:fontRef idx="minor">
+              <a:schemeClr val="tx1"/>
+            </a:fontRef>
+          </p:style>
+        </p:cxnSp>
+        <p:cxnSp>
+          <p:nvCxnSpPr>
+            <p:cNvPr id="28" name="直線矢印コネクタ 27"/>
+            <p:cNvCxnSpPr/>
+            <p:nvPr/>
+          </p:nvCxnSpPr>
+          <p:spPr>
+            <a:xfrm flipH="1" flipV="1">
+              <a:off x="2041525" y="1514475"/>
+              <a:ext cx="368300" cy="380983"/>
+            </a:xfrm>
+            <a:prstGeom prst="straightConnector1">
+              <a:avLst/>
+            </a:prstGeom>
+            <a:ln>
+              <a:solidFill>
+                <a:srgbClr val="FF0000"/>
+              </a:solidFill>
+              <a:headEnd type="none"/>
+              <a:tailEnd type="triangle"/>
+            </a:ln>
+          </p:spPr>
+          <p:style>
+            <a:lnRef idx="2">
+              <a:schemeClr val="accent1"/>
+            </a:lnRef>
+            <a:fillRef idx="0">
+              <a:schemeClr val="accent1"/>
+            </a:fillRef>
+            <a:effectRef idx="1">
+              <a:schemeClr val="accent1"/>
+            </a:effectRef>
+            <a:fontRef idx="minor">
+              <a:schemeClr val="tx1"/>
+            </a:fontRef>
+          </p:style>
+        </p:cxnSp>
+        <p:cxnSp>
+          <p:nvCxnSpPr>
+            <p:cNvPr id="9" name="直線矢印コネクタ 8"/>
+            <p:cNvCxnSpPr/>
+            <p:nvPr/>
+          </p:nvCxnSpPr>
+          <p:spPr>
+            <a:xfrm flipV="1">
+              <a:off x="2409825" y="1123950"/>
+              <a:ext cx="0" cy="771508"/>
+            </a:xfrm>
+            <a:prstGeom prst="straightConnector1">
+              <a:avLst/>
+            </a:prstGeom>
+            <a:ln>
+              <a:solidFill>
+                <a:srgbClr val="000000"/>
+              </a:solidFill>
+              <a:tailEnd type="arrow"/>
+            </a:ln>
+          </p:spPr>
+          <p:style>
+            <a:lnRef idx="2">
+              <a:schemeClr val="accent1"/>
+            </a:lnRef>
+            <a:fillRef idx="0">
+              <a:schemeClr val="accent1"/>
+            </a:fillRef>
+            <a:effectRef idx="1">
+              <a:schemeClr val="accent1"/>
+            </a:effectRef>
+            <a:fontRef idx="minor">
+              <a:schemeClr val="tx1"/>
+            </a:fontRef>
+          </p:style>
+        </p:cxnSp>
+        <p:cxnSp>
+          <p:nvCxnSpPr>
+            <p:cNvPr id="5" name="直線コネクタ 4"/>
+            <p:cNvCxnSpPr/>
+            <p:nvPr/>
+          </p:nvCxnSpPr>
+          <p:spPr>
             <a:xfrm>
-              <a:off x="1497540" y="1123950"/>
-              <a:ext cx="1867187" cy="771508"/>
-              <a:chOff x="1497540" y="1123950"/>
-              <a:chExt cx="1867187" cy="771508"/>
+              <a:off x="1497540" y="1895457"/>
+              <a:ext cx="1867187" cy="0"/>
             </a:xfrm>
-          </p:grpSpPr>
-          <p:cxnSp>
-            <p:nvCxnSpPr>
-              <p:cNvPr id="13" name="直線矢印コネクタ 12"/>
-              <p:cNvCxnSpPr/>
-              <p:nvPr/>
-            </p:nvCxnSpPr>
-            <p:spPr>
-              <a:xfrm flipV="1">
-                <a:off x="2409825" y="1708150"/>
-                <a:ext cx="504825" cy="187308"/>
-              </a:xfrm>
-              <a:prstGeom prst="straightConnector1">
-                <a:avLst/>
-              </a:prstGeom>
-              <a:ln w="12700" cmpd="sng">
-                <a:headEnd type="none"/>
-                <a:tailEnd type="triangle"/>
-              </a:ln>
-            </p:spPr>
-            <p:style>
-              <a:lnRef idx="2">
-                <a:schemeClr val="accent1"/>
-              </a:lnRef>
-              <a:fillRef idx="0">
-                <a:schemeClr val="accent1"/>
-              </a:fillRef>
-              <a:effectRef idx="1">
-                <a:schemeClr val="accent1"/>
-              </a:effectRef>
-              <a:fontRef idx="minor">
+            <a:prstGeom prst="line">
+              <a:avLst/>
+            </a:prstGeom>
+            <a:ln>
+              <a:solidFill>
                 <a:schemeClr val="tx1"/>
-              </a:fontRef>
-            </p:style>
-          </p:cxnSp>
-          <p:cxnSp>
-            <p:nvCxnSpPr>
-              <p:cNvPr id="14" name="直線矢印コネクタ 13"/>
-              <p:cNvCxnSpPr/>
-              <p:nvPr/>
-            </p:nvCxnSpPr>
-            <p:spPr>
-              <a:xfrm flipV="1">
-                <a:off x="2409825" y="1479550"/>
-                <a:ext cx="346075" cy="415908"/>
-              </a:xfrm>
-              <a:prstGeom prst="straightConnector1">
-                <a:avLst/>
-              </a:prstGeom>
-              <a:ln w="12700" cmpd="sng">
-                <a:headEnd type="none"/>
-                <a:tailEnd type="triangle"/>
-              </a:ln>
-            </p:spPr>
-            <p:style>
-              <a:lnRef idx="2">
-                <a:schemeClr val="accent1"/>
-              </a:lnRef>
-              <a:fillRef idx="0">
-                <a:schemeClr val="accent1"/>
-              </a:fillRef>
-              <a:effectRef idx="1">
-                <a:schemeClr val="accent1"/>
-              </a:effectRef>
-              <a:fontRef idx="minor">
-                <a:schemeClr val="tx1"/>
-              </a:fontRef>
-            </p:style>
-          </p:cxnSp>
-          <p:cxnSp>
-            <p:nvCxnSpPr>
-              <p:cNvPr id="17" name="直線矢印コネクタ 16"/>
-              <p:cNvCxnSpPr/>
-              <p:nvPr/>
-            </p:nvCxnSpPr>
-            <p:spPr>
-              <a:xfrm flipV="1">
-                <a:off x="2409825" y="1403350"/>
-                <a:ext cx="174625" cy="492108"/>
-              </a:xfrm>
-              <a:prstGeom prst="straightConnector1">
-                <a:avLst/>
-              </a:prstGeom>
-              <a:ln w="12700" cmpd="sng">
-                <a:headEnd type="none"/>
-                <a:tailEnd type="triangle"/>
-              </a:ln>
-            </p:spPr>
-            <p:style>
-              <a:lnRef idx="2">
-                <a:schemeClr val="accent1"/>
-              </a:lnRef>
-              <a:fillRef idx="0">
-                <a:schemeClr val="accent1"/>
-              </a:fillRef>
-              <a:effectRef idx="1">
-                <a:schemeClr val="accent1"/>
-              </a:effectRef>
-              <a:fontRef idx="minor">
-                <a:schemeClr val="tx1"/>
-              </a:fontRef>
-            </p:style>
-          </p:cxnSp>
-          <p:cxnSp>
-            <p:nvCxnSpPr>
-              <p:cNvPr id="20" name="直線矢印コネクタ 19"/>
-              <p:cNvCxnSpPr/>
-              <p:nvPr/>
-            </p:nvCxnSpPr>
-            <p:spPr>
-              <a:xfrm flipH="1" flipV="1">
-                <a:off x="2225675" y="1403350"/>
-                <a:ext cx="184150" cy="492108"/>
-              </a:xfrm>
-              <a:prstGeom prst="straightConnector1">
-                <a:avLst/>
-              </a:prstGeom>
-              <a:ln w="12700" cmpd="sng">
-                <a:headEnd type="none"/>
-                <a:tailEnd type="triangle"/>
-              </a:ln>
-            </p:spPr>
-            <p:style>
-              <a:lnRef idx="2">
-                <a:schemeClr val="accent1"/>
-              </a:lnRef>
-              <a:fillRef idx="0">
-                <a:schemeClr val="accent1"/>
-              </a:fillRef>
-              <a:effectRef idx="1">
-                <a:schemeClr val="accent1"/>
-              </a:effectRef>
-              <a:fontRef idx="minor">
-                <a:schemeClr val="tx1"/>
-              </a:fontRef>
-            </p:style>
-          </p:cxnSp>
-          <p:cxnSp>
-            <p:nvCxnSpPr>
-              <p:cNvPr id="23" name="直線矢印コネクタ 22"/>
-              <p:cNvCxnSpPr/>
-              <p:nvPr/>
-            </p:nvCxnSpPr>
-            <p:spPr>
-              <a:xfrm flipH="1" flipV="1">
-                <a:off x="1946275" y="1679575"/>
-                <a:ext cx="463550" cy="215883"/>
-              </a:xfrm>
-              <a:prstGeom prst="straightConnector1">
-                <a:avLst/>
-              </a:prstGeom>
-              <a:ln w="12700" cmpd="sng">
-                <a:headEnd type="none"/>
-                <a:tailEnd type="triangle"/>
-              </a:ln>
-            </p:spPr>
-            <p:style>
-              <a:lnRef idx="2">
-                <a:schemeClr val="accent1"/>
-              </a:lnRef>
-              <a:fillRef idx="0">
-                <a:schemeClr val="accent1"/>
-              </a:fillRef>
-              <a:effectRef idx="1">
-                <a:schemeClr val="accent1"/>
-              </a:effectRef>
-              <a:fontRef idx="minor">
-                <a:schemeClr val="tx1"/>
-              </a:fontRef>
-            </p:style>
-          </p:cxnSp>
-          <p:cxnSp>
-            <p:nvCxnSpPr>
-              <p:cNvPr id="28" name="直線矢印コネクタ 27"/>
-              <p:cNvCxnSpPr/>
-              <p:nvPr/>
-            </p:nvCxnSpPr>
-            <p:spPr>
-              <a:xfrm flipH="1" flipV="1">
-                <a:off x="2041525" y="1514475"/>
-                <a:ext cx="368300" cy="380983"/>
-              </a:xfrm>
-              <a:prstGeom prst="straightConnector1">
-                <a:avLst/>
-              </a:prstGeom>
-              <a:ln>
-                <a:solidFill>
-                  <a:srgbClr val="FF0000"/>
-                </a:solidFill>
-                <a:headEnd type="none"/>
-                <a:tailEnd type="triangle"/>
-              </a:ln>
-            </p:spPr>
-            <p:style>
-              <a:lnRef idx="2">
-                <a:schemeClr val="accent1"/>
-              </a:lnRef>
-              <a:fillRef idx="0">
-                <a:schemeClr val="accent1"/>
-              </a:fillRef>
-              <a:effectRef idx="1">
-                <a:schemeClr val="accent1"/>
-              </a:effectRef>
-              <a:fontRef idx="minor">
-                <a:schemeClr val="tx1"/>
-              </a:fontRef>
-            </p:style>
-          </p:cxnSp>
-          <p:cxnSp>
-            <p:nvCxnSpPr>
-              <p:cNvPr id="9" name="直線矢印コネクタ 8"/>
-              <p:cNvCxnSpPr/>
-              <p:nvPr/>
-            </p:nvCxnSpPr>
-            <p:spPr>
-              <a:xfrm flipV="1">
-                <a:off x="2409825" y="1123950"/>
-                <a:ext cx="0" cy="771508"/>
-              </a:xfrm>
-              <a:prstGeom prst="straightConnector1">
-                <a:avLst/>
-              </a:prstGeom>
-              <a:ln>
-                <a:solidFill>
-                  <a:srgbClr val="000000"/>
-                </a:solidFill>
-                <a:tailEnd type="arrow"/>
-              </a:ln>
-            </p:spPr>
-            <p:style>
-              <a:lnRef idx="2">
-                <a:schemeClr val="accent1"/>
-              </a:lnRef>
-              <a:fillRef idx="0">
-                <a:schemeClr val="accent1"/>
-              </a:fillRef>
-              <a:effectRef idx="1">
-                <a:schemeClr val="accent1"/>
-              </a:effectRef>
-              <a:fontRef idx="minor">
-                <a:schemeClr val="tx1"/>
-              </a:fontRef>
-            </p:style>
-          </p:cxnSp>
-          <p:cxnSp>
-            <p:nvCxnSpPr>
-              <p:cNvPr id="5" name="直線コネクタ 4"/>
-              <p:cNvCxnSpPr/>
-              <p:nvPr/>
-            </p:nvCxnSpPr>
-            <p:spPr>
-              <a:xfrm>
-                <a:off x="1497540" y="1895457"/>
-                <a:ext cx="1867187" cy="0"/>
-              </a:xfrm>
-              <a:prstGeom prst="line">
-                <a:avLst/>
-              </a:prstGeom>
-              <a:ln>
-                <a:solidFill>
-                  <a:schemeClr val="tx1"/>
-                </a:solidFill>
-              </a:ln>
-            </p:spPr>
-            <p:style>
-              <a:lnRef idx="2">
-                <a:schemeClr val="accent1"/>
-              </a:lnRef>
-              <a:fillRef idx="0">
-                <a:schemeClr val="accent1"/>
-              </a:fillRef>
-              <a:effectRef idx="1">
-                <a:schemeClr val="accent1"/>
-              </a:effectRef>
-              <a:fontRef idx="minor">
-                <a:schemeClr val="tx1"/>
-              </a:fontRef>
-            </p:style>
-          </p:cxnSp>
-        </p:grpSp>
+              </a:solidFill>
+            </a:ln>
+          </p:spPr>
+          <p:style>
+            <a:lnRef idx="2">
+              <a:schemeClr val="accent1"/>
+            </a:lnRef>
+            <a:fillRef idx="0">
+              <a:schemeClr val="accent1"/>
+            </a:fillRef>
+            <a:effectRef idx="1">
+              <a:schemeClr val="accent1"/>
+            </a:effectRef>
+            <a:fontRef idx="minor">
+              <a:schemeClr val="tx1"/>
+            </a:fontRef>
+          </p:style>
+        </p:cxnSp>
       </p:grpSp>
       <p:sp>
         <p:nvSpPr>
@@ -5437,6 +5424,2166 @@
     <p:extLst>
       <p:ext uri="{BB962C8B-B14F-4D97-AF65-F5344CB8AC3E}">
         <p14:creationId xmlns:p14="http://schemas.microsoft.com/office/powerpoint/2010/main" val="266291111"/>
+      </p:ext>
+    </p:extLst>
+  </p:cSld>
+  <p:clrMapOvr>
+    <a:masterClrMapping/>
+  </p:clrMapOvr>
+</p:sld>
+</file>
+
+<file path=ppt/slides/slide2.xml><?xml version="1.0" encoding="utf-8"?>
+<p:sld xmlns:a="http://schemas.openxmlformats.org/drawingml/2006/main" xmlns:r="http://schemas.openxmlformats.org/officeDocument/2006/relationships" xmlns:p="http://schemas.openxmlformats.org/presentationml/2006/main">
+  <p:cSld>
+    <p:spTree>
+      <p:nvGrpSpPr>
+        <p:cNvPr id="1" name=""/>
+        <p:cNvGrpSpPr/>
+        <p:nvPr/>
+      </p:nvGrpSpPr>
+      <p:grpSpPr>
+        <a:xfrm>
+          <a:off x="0" y="0"/>
+          <a:ext cx="0" cy="0"/>
+          <a:chOff x="0" y="0"/>
+          <a:chExt cx="0" cy="0"/>
+        </a:xfrm>
+      </p:grpSpPr>
+      <p:cxnSp>
+        <p:nvCxnSpPr>
+          <p:cNvPr id="5" name="直線コネクタ 4"/>
+          <p:cNvCxnSpPr/>
+          <p:nvPr/>
+        </p:nvCxnSpPr>
+        <p:spPr>
+          <a:xfrm>
+            <a:off x="1828800" y="1786467"/>
+            <a:ext cx="2734733" cy="0"/>
+          </a:xfrm>
+          <a:prstGeom prst="line">
+            <a:avLst/>
+          </a:prstGeom>
+          <a:ln>
+            <a:solidFill>
+              <a:schemeClr val="tx1"/>
+            </a:solidFill>
+          </a:ln>
+        </p:spPr>
+        <p:style>
+          <a:lnRef idx="2">
+            <a:schemeClr val="accent1"/>
+          </a:lnRef>
+          <a:fillRef idx="0">
+            <a:schemeClr val="accent1"/>
+          </a:fillRef>
+          <a:effectRef idx="1">
+            <a:schemeClr val="accent1"/>
+          </a:effectRef>
+          <a:fontRef idx="minor">
+            <a:schemeClr val="tx1"/>
+          </a:fontRef>
+        </p:style>
+      </p:cxnSp>
+      <p:cxnSp>
+        <p:nvCxnSpPr>
+          <p:cNvPr id="7" name="直線コネクタ 6"/>
+          <p:cNvCxnSpPr/>
+          <p:nvPr/>
+        </p:nvCxnSpPr>
+        <p:spPr>
+          <a:xfrm>
+            <a:off x="1828800" y="1634067"/>
+            <a:ext cx="0" cy="304800"/>
+          </a:xfrm>
+          <a:prstGeom prst="line">
+            <a:avLst/>
+          </a:prstGeom>
+          <a:ln>
+            <a:solidFill>
+              <a:srgbClr val="000000"/>
+            </a:solidFill>
+          </a:ln>
+        </p:spPr>
+        <p:style>
+          <a:lnRef idx="2">
+            <a:schemeClr val="accent1"/>
+          </a:lnRef>
+          <a:fillRef idx="0">
+            <a:schemeClr val="accent1"/>
+          </a:fillRef>
+          <a:effectRef idx="1">
+            <a:schemeClr val="accent1"/>
+          </a:effectRef>
+          <a:fontRef idx="minor">
+            <a:schemeClr val="tx1"/>
+          </a:fontRef>
+        </p:style>
+      </p:cxnSp>
+      <p:cxnSp>
+        <p:nvCxnSpPr>
+          <p:cNvPr id="8" name="直線コネクタ 7"/>
+          <p:cNvCxnSpPr/>
+          <p:nvPr/>
+        </p:nvCxnSpPr>
+        <p:spPr>
+          <a:xfrm>
+            <a:off x="2599266" y="1642534"/>
+            <a:ext cx="0" cy="304800"/>
+          </a:xfrm>
+          <a:prstGeom prst="line">
+            <a:avLst/>
+          </a:prstGeom>
+          <a:ln>
+            <a:solidFill>
+              <a:srgbClr val="000000"/>
+            </a:solidFill>
+          </a:ln>
+        </p:spPr>
+        <p:style>
+          <a:lnRef idx="2">
+            <a:schemeClr val="accent1"/>
+          </a:lnRef>
+          <a:fillRef idx="0">
+            <a:schemeClr val="accent1"/>
+          </a:fillRef>
+          <a:effectRef idx="1">
+            <a:schemeClr val="accent1"/>
+          </a:effectRef>
+          <a:fontRef idx="minor">
+            <a:schemeClr val="tx1"/>
+          </a:fontRef>
+        </p:style>
+      </p:cxnSp>
+      <p:cxnSp>
+        <p:nvCxnSpPr>
+          <p:cNvPr id="9" name="直線コネクタ 8"/>
+          <p:cNvCxnSpPr/>
+          <p:nvPr/>
+        </p:nvCxnSpPr>
+        <p:spPr>
+          <a:xfrm>
+            <a:off x="4072466" y="1642534"/>
+            <a:ext cx="0" cy="304800"/>
+          </a:xfrm>
+          <a:prstGeom prst="line">
+            <a:avLst/>
+          </a:prstGeom>
+          <a:ln>
+            <a:solidFill>
+              <a:srgbClr val="000000"/>
+            </a:solidFill>
+          </a:ln>
+        </p:spPr>
+        <p:style>
+          <a:lnRef idx="2">
+            <a:schemeClr val="accent1"/>
+          </a:lnRef>
+          <a:fillRef idx="0">
+            <a:schemeClr val="accent1"/>
+          </a:fillRef>
+          <a:effectRef idx="1">
+            <a:schemeClr val="accent1"/>
+          </a:effectRef>
+          <a:fontRef idx="minor">
+            <a:schemeClr val="tx1"/>
+          </a:fontRef>
+        </p:style>
+      </p:cxnSp>
+      <p:cxnSp>
+        <p:nvCxnSpPr>
+          <p:cNvPr id="10" name="直線コネクタ 9"/>
+          <p:cNvCxnSpPr/>
+          <p:nvPr/>
+        </p:nvCxnSpPr>
+        <p:spPr>
+          <a:xfrm>
+            <a:off x="4563533" y="1634067"/>
+            <a:ext cx="0" cy="304800"/>
+          </a:xfrm>
+          <a:prstGeom prst="line">
+            <a:avLst/>
+          </a:prstGeom>
+          <a:ln>
+            <a:solidFill>
+              <a:srgbClr val="000000"/>
+            </a:solidFill>
+          </a:ln>
+        </p:spPr>
+        <p:style>
+          <a:lnRef idx="2">
+            <a:schemeClr val="accent1"/>
+          </a:lnRef>
+          <a:fillRef idx="0">
+            <a:schemeClr val="accent1"/>
+          </a:fillRef>
+          <a:effectRef idx="1">
+            <a:schemeClr val="accent1"/>
+          </a:effectRef>
+          <a:fontRef idx="minor">
+            <a:schemeClr val="tx1"/>
+          </a:fontRef>
+        </p:style>
+      </p:cxnSp>
+      <p:sp>
+        <p:nvSpPr>
+          <p:cNvPr id="17" name="円弧 16"/>
+          <p:cNvSpPr/>
+          <p:nvPr/>
+        </p:nvSpPr>
+        <p:spPr>
+          <a:xfrm>
+            <a:off x="1828800" y="1210732"/>
+            <a:ext cx="2734735" cy="795869"/>
+          </a:xfrm>
+          <a:prstGeom prst="arc">
+            <a:avLst>
+              <a:gd name="adj1" fmla="val 10801580"/>
+              <a:gd name="adj2" fmla="val 0"/>
+            </a:avLst>
+          </a:prstGeom>
+          <a:ln w="9525" cmpd="sng"/>
+          <a:effectLst/>
+        </p:spPr>
+        <p:style>
+          <a:lnRef idx="2">
+            <a:schemeClr val="accent1"/>
+          </a:lnRef>
+          <a:fillRef idx="0">
+            <a:schemeClr val="accent1"/>
+          </a:fillRef>
+          <a:effectRef idx="1">
+            <a:schemeClr val="accent1"/>
+          </a:effectRef>
+          <a:fontRef idx="minor">
+            <a:schemeClr val="tx1"/>
+          </a:fontRef>
+        </p:style>
+        <p:txBody>
+          <a:bodyPr rtlCol="0" anchor="ctr"/>
+          <a:lstStyle/>
+          <a:p>
+            <a:pPr algn="ctr"/>
+            <a:endParaRPr kumimoji="1" lang="ja-JP" altLang="en-US"/>
+          </a:p>
+        </p:txBody>
+      </p:sp>
+      <p:sp>
+        <p:nvSpPr>
+          <p:cNvPr id="18" name="円弧 17"/>
+          <p:cNvSpPr/>
+          <p:nvPr/>
+        </p:nvSpPr>
+        <p:spPr>
+          <a:xfrm rot="10800000">
+            <a:off x="1828799" y="1672166"/>
+            <a:ext cx="770466" cy="668869"/>
+          </a:xfrm>
+          <a:prstGeom prst="arc">
+            <a:avLst>
+              <a:gd name="adj1" fmla="val 10801580"/>
+              <a:gd name="adj2" fmla="val 0"/>
+            </a:avLst>
+          </a:prstGeom>
+          <a:ln w="9525" cmpd="sng"/>
+          <a:effectLst/>
+        </p:spPr>
+        <p:style>
+          <a:lnRef idx="2">
+            <a:schemeClr val="accent1"/>
+          </a:lnRef>
+          <a:fillRef idx="0">
+            <a:schemeClr val="accent1"/>
+          </a:fillRef>
+          <a:effectRef idx="1">
+            <a:schemeClr val="accent1"/>
+          </a:effectRef>
+          <a:fontRef idx="minor">
+            <a:schemeClr val="tx1"/>
+          </a:fontRef>
+        </p:style>
+        <p:txBody>
+          <a:bodyPr rtlCol="0" anchor="ctr"/>
+          <a:lstStyle/>
+          <a:p>
+            <a:pPr algn="ctr"/>
+            <a:endParaRPr kumimoji="1" lang="ja-JP" altLang="en-US"/>
+          </a:p>
+        </p:txBody>
+      </p:sp>
+      <p:sp>
+        <p:nvSpPr>
+          <p:cNvPr id="19" name="円弧 18"/>
+          <p:cNvSpPr/>
+          <p:nvPr/>
+        </p:nvSpPr>
+        <p:spPr>
+          <a:xfrm rot="10800000">
+            <a:off x="2599264" y="1693333"/>
+            <a:ext cx="1473201" cy="668869"/>
+          </a:xfrm>
+          <a:prstGeom prst="arc">
+            <a:avLst>
+              <a:gd name="adj1" fmla="val 10801580"/>
+              <a:gd name="adj2" fmla="val 0"/>
+            </a:avLst>
+          </a:prstGeom>
+          <a:ln w="9525" cmpd="sng"/>
+          <a:effectLst/>
+        </p:spPr>
+        <p:style>
+          <a:lnRef idx="2">
+            <a:schemeClr val="accent1"/>
+          </a:lnRef>
+          <a:fillRef idx="0">
+            <a:schemeClr val="accent1"/>
+          </a:fillRef>
+          <a:effectRef idx="1">
+            <a:schemeClr val="accent1"/>
+          </a:effectRef>
+          <a:fontRef idx="minor">
+            <a:schemeClr val="tx1"/>
+          </a:fontRef>
+        </p:style>
+        <p:txBody>
+          <a:bodyPr rtlCol="0" anchor="ctr"/>
+          <a:lstStyle/>
+          <a:p>
+            <a:pPr algn="ctr"/>
+            <a:endParaRPr kumimoji="1" lang="ja-JP" altLang="en-US"/>
+          </a:p>
+        </p:txBody>
+      </p:sp>
+      <p:sp>
+        <p:nvSpPr>
+          <p:cNvPr id="20" name="円弧 19"/>
+          <p:cNvSpPr/>
+          <p:nvPr/>
+        </p:nvSpPr>
+        <p:spPr>
+          <a:xfrm rot="10800000">
+            <a:off x="4072465" y="1693332"/>
+            <a:ext cx="491070" cy="668869"/>
+          </a:xfrm>
+          <a:prstGeom prst="arc">
+            <a:avLst>
+              <a:gd name="adj1" fmla="val 10801580"/>
+              <a:gd name="adj2" fmla="val 0"/>
+            </a:avLst>
+          </a:prstGeom>
+          <a:ln w="9525" cmpd="sng"/>
+          <a:effectLst/>
+        </p:spPr>
+        <p:style>
+          <a:lnRef idx="2">
+            <a:schemeClr val="accent1"/>
+          </a:lnRef>
+          <a:fillRef idx="0">
+            <a:schemeClr val="accent1"/>
+          </a:fillRef>
+          <a:effectRef idx="1">
+            <a:schemeClr val="accent1"/>
+          </a:effectRef>
+          <a:fontRef idx="minor">
+            <a:schemeClr val="tx1"/>
+          </a:fontRef>
+        </p:style>
+        <p:txBody>
+          <a:bodyPr rtlCol="0" anchor="ctr"/>
+          <a:lstStyle/>
+          <a:p>
+            <a:pPr algn="ctr"/>
+            <a:endParaRPr kumimoji="1" lang="ja-JP" altLang="en-US"/>
+          </a:p>
+        </p:txBody>
+      </p:sp>
+      <p:sp>
+        <p:nvSpPr>
+          <p:cNvPr id="21" name="円/楕円 20"/>
+          <p:cNvSpPr/>
+          <p:nvPr/>
+        </p:nvSpPr>
+        <p:spPr>
+          <a:xfrm>
+            <a:off x="3745877" y="1757892"/>
+            <a:ext cx="63664" cy="57150"/>
+          </a:xfrm>
+          <a:prstGeom prst="ellipse">
+            <a:avLst/>
+          </a:prstGeom>
+        </p:spPr>
+        <p:style>
+          <a:lnRef idx="2">
+            <a:schemeClr val="dk1">
+              <a:shade val="50000"/>
+            </a:schemeClr>
+          </a:lnRef>
+          <a:fillRef idx="1">
+            <a:schemeClr val="dk1"/>
+          </a:fillRef>
+          <a:effectRef idx="0">
+            <a:schemeClr val="dk1"/>
+          </a:effectRef>
+          <a:fontRef idx="minor">
+            <a:schemeClr val="lt1"/>
+          </a:fontRef>
+        </p:style>
+        <p:txBody>
+          <a:bodyPr rtlCol="0" anchor="ctr"/>
+          <a:lstStyle/>
+          <a:p>
+            <a:pPr algn="ctr"/>
+            <a:endParaRPr kumimoji="1" lang="ja-JP" altLang="en-US"/>
+          </a:p>
+        </p:txBody>
+      </p:sp>
+      <p:sp>
+        <p:nvSpPr>
+          <p:cNvPr id="22" name="テキスト ボックス 21"/>
+          <p:cNvSpPr txBox="1"/>
+          <p:nvPr/>
+        </p:nvSpPr>
+        <p:spPr>
+          <a:xfrm>
+            <a:off x="3078706" y="1075263"/>
+            <a:ext cx="389850" cy="246221"/>
+          </a:xfrm>
+          <a:prstGeom prst="rect">
+            <a:avLst/>
+          </a:prstGeom>
+          <a:solidFill>
+            <a:srgbClr val="FFFFFF"/>
+          </a:solidFill>
+        </p:spPr>
+        <p:txBody>
+          <a:bodyPr wrap="none" rtlCol="0">
+            <a:spAutoFit/>
+          </a:bodyPr>
+          <a:lstStyle/>
+          <a:p>
+            <a:r>
+              <a:rPr kumimoji="1" lang="en-US" altLang="ja-JP" sz="1000" dirty="0" smtClean="0">
+                <a:latin typeface="メイリオ"/>
+                <a:ea typeface="メイリオ"/>
+                <a:cs typeface="メイリオ"/>
+              </a:rPr>
+              <a:t>1.0</a:t>
+            </a:r>
+            <a:endParaRPr kumimoji="1" lang="ja-JP" altLang="en-US" sz="1000" dirty="0">
+              <a:latin typeface="メイリオ"/>
+              <a:ea typeface="メイリオ"/>
+              <a:cs typeface="メイリオ"/>
+            </a:endParaRPr>
+          </a:p>
+        </p:txBody>
+      </p:sp>
+      <p:sp>
+        <p:nvSpPr>
+          <p:cNvPr id="23" name="テキスト ボックス 22"/>
+          <p:cNvSpPr txBox="1"/>
+          <p:nvPr/>
+        </p:nvSpPr>
+        <p:spPr>
+          <a:xfrm>
+            <a:off x="1784873" y="2263746"/>
+            <a:ext cx="700319" cy="400110"/>
+          </a:xfrm>
+          <a:prstGeom prst="rect">
+            <a:avLst/>
+          </a:prstGeom>
+          <a:solidFill>
+            <a:srgbClr val="FFFFFF"/>
+          </a:solidFill>
+        </p:spPr>
+        <p:txBody>
+          <a:bodyPr wrap="none" rtlCol="0">
+            <a:spAutoFit/>
+          </a:bodyPr>
+          <a:lstStyle/>
+          <a:p>
+            <a:pPr algn="ctr"/>
+            <a:r>
+              <a:rPr lang="ja-JP" altLang="en-US" sz="1000" dirty="0" smtClean="0">
+                <a:latin typeface="メイリオ"/>
+                <a:ea typeface="メイリオ"/>
+                <a:cs typeface="メイリオ"/>
+              </a:rPr>
+              <a:t>吸収</a:t>
+            </a:r>
+            <a:r>
+              <a:rPr lang="en-US" altLang="ja-JP" sz="1000" dirty="0" smtClean="0">
+                <a:latin typeface="メイリオ"/>
+                <a:ea typeface="メイリオ"/>
+                <a:cs typeface="メイリオ"/>
+              </a:rPr>
+              <a:t>:0.3</a:t>
+            </a:r>
+          </a:p>
+          <a:p>
+            <a:pPr algn="ctr"/>
+            <a:r>
+              <a:rPr lang="en-US" altLang="ja-JP" sz="1000" dirty="0" smtClean="0">
+                <a:latin typeface="メイリオ"/>
+                <a:ea typeface="メイリオ"/>
+                <a:cs typeface="メイリオ"/>
+              </a:rPr>
+              <a:t>=0</a:t>
+            </a:r>
+            <a:endParaRPr kumimoji="1" lang="ja-JP" altLang="en-US" sz="1000" dirty="0">
+              <a:latin typeface="メイリオ"/>
+              <a:ea typeface="メイリオ"/>
+              <a:cs typeface="メイリオ"/>
+            </a:endParaRPr>
+          </a:p>
+        </p:txBody>
+      </p:sp>
+      <p:sp>
+        <p:nvSpPr>
+          <p:cNvPr id="24" name="テキスト ボックス 23"/>
+          <p:cNvSpPr txBox="1"/>
+          <p:nvPr/>
+        </p:nvSpPr>
+        <p:spPr>
+          <a:xfrm>
+            <a:off x="4093468" y="2263687"/>
+            <a:ext cx="700319" cy="400110"/>
+          </a:xfrm>
+          <a:prstGeom prst="rect">
+            <a:avLst/>
+          </a:prstGeom>
+          <a:solidFill>
+            <a:srgbClr val="FFFFFF"/>
+          </a:solidFill>
+        </p:spPr>
+        <p:txBody>
+          <a:bodyPr wrap="none" rtlCol="0">
+            <a:spAutoFit/>
+          </a:bodyPr>
+          <a:lstStyle/>
+          <a:p>
+            <a:pPr algn="ctr"/>
+            <a:r>
+              <a:rPr lang="ja-JP" altLang="en-US" sz="1000" dirty="0" smtClean="0">
+                <a:latin typeface="メイリオ"/>
+                <a:ea typeface="メイリオ"/>
+                <a:cs typeface="メイリオ"/>
+              </a:rPr>
+              <a:t>透過</a:t>
+            </a:r>
+            <a:r>
+              <a:rPr lang="en-US" altLang="ja-JP" sz="1000" dirty="0" smtClean="0">
+                <a:latin typeface="メイリオ"/>
+                <a:ea typeface="メイリオ"/>
+                <a:cs typeface="メイリオ"/>
+              </a:rPr>
+              <a:t>:0.2</a:t>
+            </a:r>
+          </a:p>
+          <a:p>
+            <a:pPr algn="ctr"/>
+            <a:r>
+              <a:rPr lang="en-US" altLang="ja-JP" sz="1000" dirty="0" smtClean="0">
+                <a:latin typeface="メイリオ"/>
+                <a:ea typeface="メイリオ"/>
+                <a:cs typeface="メイリオ"/>
+              </a:rPr>
+              <a:t>=2</a:t>
+            </a:r>
+            <a:endParaRPr kumimoji="1" lang="ja-JP" altLang="en-US" sz="1000" dirty="0">
+              <a:latin typeface="メイリオ"/>
+              <a:ea typeface="メイリオ"/>
+              <a:cs typeface="メイリオ"/>
+            </a:endParaRPr>
+          </a:p>
+        </p:txBody>
+      </p:sp>
+      <p:sp>
+        <p:nvSpPr>
+          <p:cNvPr id="25" name="テキスト ボックス 24"/>
+          <p:cNvSpPr txBox="1"/>
+          <p:nvPr/>
+        </p:nvSpPr>
+        <p:spPr>
+          <a:xfrm>
+            <a:off x="3078706" y="2263687"/>
+            <a:ext cx="700319" cy="400110"/>
+          </a:xfrm>
+          <a:prstGeom prst="rect">
+            <a:avLst/>
+          </a:prstGeom>
+          <a:solidFill>
+            <a:srgbClr val="FFFFFF"/>
+          </a:solidFill>
+        </p:spPr>
+        <p:txBody>
+          <a:bodyPr wrap="none" rtlCol="0">
+            <a:spAutoFit/>
+          </a:bodyPr>
+          <a:lstStyle/>
+          <a:p>
+            <a:pPr algn="ctr"/>
+            <a:r>
+              <a:rPr lang="ja-JP" altLang="en-US" sz="1000" dirty="0" smtClean="0">
+                <a:latin typeface="メイリオ"/>
+                <a:ea typeface="メイリオ"/>
+                <a:cs typeface="メイリオ"/>
+              </a:rPr>
+              <a:t>反射</a:t>
+            </a:r>
+            <a:r>
+              <a:rPr lang="en-US" altLang="ja-JP" sz="1000" dirty="0" smtClean="0">
+                <a:latin typeface="メイリオ"/>
+                <a:ea typeface="メイリオ"/>
+                <a:cs typeface="メイリオ"/>
+              </a:rPr>
+              <a:t>:0.5</a:t>
+            </a:r>
+          </a:p>
+          <a:p>
+            <a:pPr algn="ctr"/>
+            <a:r>
+              <a:rPr lang="en-US" altLang="ja-JP" sz="1000" dirty="0" smtClean="0">
+                <a:latin typeface="メイリオ"/>
+                <a:ea typeface="メイリオ"/>
+                <a:cs typeface="メイリオ"/>
+              </a:rPr>
+              <a:t>=1</a:t>
+            </a:r>
+            <a:endParaRPr kumimoji="1" lang="ja-JP" altLang="en-US" sz="1000" dirty="0">
+              <a:latin typeface="メイリオ"/>
+              <a:ea typeface="メイリオ"/>
+              <a:cs typeface="メイリオ"/>
+            </a:endParaRPr>
+          </a:p>
+        </p:txBody>
+      </p:sp>
+      <p:sp>
+        <p:nvSpPr>
+          <p:cNvPr id="26" name="テキスト ボックス 25"/>
+          <p:cNvSpPr txBox="1"/>
+          <p:nvPr/>
+        </p:nvSpPr>
+        <p:spPr>
+          <a:xfrm>
+            <a:off x="3906744" y="890597"/>
+            <a:ext cx="1445558" cy="369332"/>
+          </a:xfrm>
+          <a:prstGeom prst="rect">
+            <a:avLst/>
+          </a:prstGeom>
+          <a:noFill/>
+        </p:spPr>
+        <p:txBody>
+          <a:bodyPr wrap="none" rtlCol="0">
+            <a:spAutoFit/>
+          </a:bodyPr>
+          <a:lstStyle/>
+          <a:p>
+            <a:r>
+              <a:rPr lang="en-US" altLang="ja-JP" i="1" dirty="0" smtClean="0">
+                <a:latin typeface="Calisto MT"/>
+                <a:cs typeface="Calisto MT"/>
+              </a:rPr>
+              <a:t>r = 0.7  </a:t>
+            </a:r>
+            <a:r>
+              <a:rPr lang="en-US" altLang="ja-JP" i="1" dirty="0" smtClean="0">
+                <a:latin typeface="メイリオ"/>
+                <a:ea typeface="メイリオ"/>
+                <a:cs typeface="メイリオ"/>
+              </a:rPr>
+              <a:t>→ 1</a:t>
+            </a:r>
+            <a:endParaRPr kumimoji="1" lang="ja-JP" altLang="en-US" i="1" dirty="0">
+              <a:latin typeface="メイリオ"/>
+              <a:ea typeface="メイリオ"/>
+              <a:cs typeface="メイリオ"/>
+            </a:endParaRPr>
+          </a:p>
+        </p:txBody>
+      </p:sp>
+      <p:sp>
+        <p:nvSpPr>
+          <p:cNvPr id="27" name="テキスト ボックス 26"/>
+          <p:cNvSpPr txBox="1"/>
+          <p:nvPr/>
+        </p:nvSpPr>
+        <p:spPr>
+          <a:xfrm>
+            <a:off x="2135033" y="2910196"/>
+            <a:ext cx="2210862" cy="246221"/>
+          </a:xfrm>
+          <a:prstGeom prst="rect">
+            <a:avLst/>
+          </a:prstGeom>
+          <a:noFill/>
+        </p:spPr>
+        <p:txBody>
+          <a:bodyPr wrap="none" rtlCol="0">
+            <a:spAutoFit/>
+          </a:bodyPr>
+          <a:lstStyle/>
+          <a:p>
+            <a:r>
+              <a:rPr lang="en-US" altLang="en-US" sz="1000" dirty="0" smtClean="0">
+                <a:latin typeface="メイリオ"/>
+                <a:ea typeface="メイリオ"/>
+                <a:cs typeface="メイリオ"/>
+              </a:rPr>
+              <a:t>(a) ロシアンルーレットによる選択</a:t>
+            </a:r>
+            <a:endParaRPr kumimoji="1" lang="ja-JP" altLang="en-US" sz="1000" dirty="0">
+              <a:latin typeface="メイリオ"/>
+              <a:ea typeface="メイリオ"/>
+              <a:cs typeface="メイリオ"/>
+            </a:endParaRPr>
+          </a:p>
+        </p:txBody>
+      </p:sp>
+      <p:cxnSp>
+        <p:nvCxnSpPr>
+          <p:cNvPr id="28" name="直線矢印コネクタ 27"/>
+          <p:cNvCxnSpPr/>
+          <p:nvPr/>
+        </p:nvCxnSpPr>
+        <p:spPr>
+          <a:xfrm flipH="1">
+            <a:off x="3809541" y="1210732"/>
+            <a:ext cx="283927" cy="482600"/>
+          </a:xfrm>
+          <a:prstGeom prst="straightConnector1">
+            <a:avLst/>
+          </a:prstGeom>
+          <a:ln w="9525" cmpd="sng">
+            <a:solidFill>
+              <a:srgbClr val="000000"/>
+            </a:solidFill>
+            <a:headEnd type="none"/>
+            <a:tailEnd type="triangle" w="sm" len="sm"/>
+          </a:ln>
+          <a:effectLst/>
+        </p:spPr>
+        <p:style>
+          <a:lnRef idx="2">
+            <a:schemeClr val="accent1"/>
+          </a:lnRef>
+          <a:fillRef idx="0">
+            <a:schemeClr val="accent1"/>
+          </a:fillRef>
+          <a:effectRef idx="1">
+            <a:schemeClr val="accent1"/>
+          </a:effectRef>
+          <a:fontRef idx="minor">
+            <a:schemeClr val="tx1"/>
+          </a:fontRef>
+        </p:style>
+      </p:cxnSp>
+    </p:spTree>
+    <p:extLst>
+      <p:ext uri="{BB962C8B-B14F-4D97-AF65-F5344CB8AC3E}">
+        <p14:creationId xmlns:p14="http://schemas.microsoft.com/office/powerpoint/2010/main" val="2395359307"/>
+      </p:ext>
+    </p:extLst>
+  </p:cSld>
+  <p:clrMapOvr>
+    <a:masterClrMapping/>
+  </p:clrMapOvr>
+</p:sld>
+</file>
+
+<file path=ppt/slides/slide3.xml><?xml version="1.0" encoding="utf-8"?>
+<p:sld xmlns:a="http://schemas.openxmlformats.org/drawingml/2006/main" xmlns:r="http://schemas.openxmlformats.org/officeDocument/2006/relationships" xmlns:p="http://schemas.openxmlformats.org/presentationml/2006/main">
+  <p:cSld>
+    <p:spTree>
+      <p:nvGrpSpPr>
+        <p:cNvPr id="1" name=""/>
+        <p:cNvGrpSpPr/>
+        <p:nvPr/>
+      </p:nvGrpSpPr>
+      <p:grpSpPr>
+        <a:xfrm>
+          <a:off x="0" y="0"/>
+          <a:ext cx="0" cy="0"/>
+          <a:chOff x="0" y="0"/>
+          <a:chExt cx="0" cy="0"/>
+        </a:xfrm>
+      </p:grpSpPr>
+      <p:cxnSp>
+        <p:nvCxnSpPr>
+          <p:cNvPr id="5" name="直線矢印コネクタ 4"/>
+          <p:cNvCxnSpPr/>
+          <p:nvPr/>
+        </p:nvCxnSpPr>
+        <p:spPr>
+          <a:xfrm flipV="1">
+            <a:off x="1698084" y="1502265"/>
+            <a:ext cx="1498600" cy="237067"/>
+          </a:xfrm>
+          <a:prstGeom prst="straightConnector1">
+            <a:avLst/>
+          </a:prstGeom>
+          <a:ln>
+            <a:tailEnd type="arrow"/>
+          </a:ln>
+        </p:spPr>
+        <p:style>
+          <a:lnRef idx="2">
+            <a:schemeClr val="accent1"/>
+          </a:lnRef>
+          <a:fillRef idx="0">
+            <a:schemeClr val="accent1"/>
+          </a:fillRef>
+          <a:effectRef idx="1">
+            <a:schemeClr val="accent1"/>
+          </a:effectRef>
+          <a:fontRef idx="minor">
+            <a:schemeClr val="tx1"/>
+          </a:fontRef>
+        </p:style>
+      </p:cxnSp>
+      <p:cxnSp>
+        <p:nvCxnSpPr>
+          <p:cNvPr id="6" name="直線矢印コネクタ 5"/>
+          <p:cNvCxnSpPr/>
+          <p:nvPr/>
+        </p:nvCxnSpPr>
+        <p:spPr>
+          <a:xfrm>
+            <a:off x="1698084" y="1739332"/>
+            <a:ext cx="1100667" cy="465667"/>
+          </a:xfrm>
+          <a:prstGeom prst="straightConnector1">
+            <a:avLst/>
+          </a:prstGeom>
+          <a:ln>
+            <a:tailEnd type="arrow"/>
+          </a:ln>
+        </p:spPr>
+        <p:style>
+          <a:lnRef idx="2">
+            <a:schemeClr val="accent1"/>
+          </a:lnRef>
+          <a:fillRef idx="0">
+            <a:schemeClr val="accent1"/>
+          </a:fillRef>
+          <a:effectRef idx="1">
+            <a:schemeClr val="accent1"/>
+          </a:effectRef>
+          <a:fontRef idx="minor">
+            <a:schemeClr val="tx1"/>
+          </a:fontRef>
+        </p:style>
+      </p:cxnSp>
+      <p:cxnSp>
+        <p:nvCxnSpPr>
+          <p:cNvPr id="9" name="直線矢印コネクタ 8"/>
+          <p:cNvCxnSpPr/>
+          <p:nvPr/>
+        </p:nvCxnSpPr>
+        <p:spPr>
+          <a:xfrm>
+            <a:off x="3196684" y="1506498"/>
+            <a:ext cx="1100667" cy="465667"/>
+          </a:xfrm>
+          <a:prstGeom prst="straightConnector1">
+            <a:avLst/>
+          </a:prstGeom>
+          <a:ln>
+            <a:solidFill>
+              <a:srgbClr val="A6A6A6"/>
+            </a:solidFill>
+            <a:prstDash val="sysDash"/>
+            <a:headEnd type="none"/>
+            <a:tailEnd type="none"/>
+          </a:ln>
+        </p:spPr>
+        <p:style>
+          <a:lnRef idx="2">
+            <a:schemeClr val="accent1"/>
+          </a:lnRef>
+          <a:fillRef idx="0">
+            <a:schemeClr val="accent1"/>
+          </a:fillRef>
+          <a:effectRef idx="1">
+            <a:schemeClr val="accent1"/>
+          </a:effectRef>
+          <a:fontRef idx="minor">
+            <a:schemeClr val="tx1"/>
+          </a:fontRef>
+        </p:style>
+      </p:cxnSp>
+      <p:cxnSp>
+        <p:nvCxnSpPr>
+          <p:cNvPr id="10" name="直線矢印コネクタ 9"/>
+          <p:cNvCxnSpPr/>
+          <p:nvPr/>
+        </p:nvCxnSpPr>
+        <p:spPr>
+          <a:xfrm flipV="1">
+            <a:off x="2798751" y="1967932"/>
+            <a:ext cx="1498600" cy="237067"/>
+          </a:xfrm>
+          <a:prstGeom prst="straightConnector1">
+            <a:avLst/>
+          </a:prstGeom>
+          <a:ln>
+            <a:solidFill>
+              <a:srgbClr val="A6A6A6"/>
+            </a:solidFill>
+            <a:prstDash val="sysDash"/>
+            <a:headEnd type="none"/>
+            <a:tailEnd type="none"/>
+          </a:ln>
+        </p:spPr>
+        <p:style>
+          <a:lnRef idx="2">
+            <a:schemeClr val="accent1"/>
+          </a:lnRef>
+          <a:fillRef idx="0">
+            <a:schemeClr val="accent1"/>
+          </a:fillRef>
+          <a:effectRef idx="1">
+            <a:schemeClr val="accent1"/>
+          </a:effectRef>
+          <a:fontRef idx="minor">
+            <a:schemeClr val="tx1"/>
+          </a:fontRef>
+        </p:style>
+      </p:cxnSp>
+      <p:cxnSp>
+        <p:nvCxnSpPr>
+          <p:cNvPr id="11" name="直線矢印コネクタ 10"/>
+          <p:cNvCxnSpPr/>
+          <p:nvPr/>
+        </p:nvCxnSpPr>
+        <p:spPr>
+          <a:xfrm flipV="1">
+            <a:off x="1698084" y="1041400"/>
+            <a:ext cx="0" cy="697932"/>
+          </a:xfrm>
+          <a:prstGeom prst="straightConnector1">
+            <a:avLst/>
+          </a:prstGeom>
+          <a:ln>
+            <a:solidFill>
+              <a:schemeClr val="tx1"/>
+            </a:solidFill>
+            <a:tailEnd type="arrow"/>
+          </a:ln>
+        </p:spPr>
+        <p:style>
+          <a:lnRef idx="2">
+            <a:schemeClr val="accent1"/>
+          </a:lnRef>
+          <a:fillRef idx="0">
+            <a:schemeClr val="accent1"/>
+          </a:fillRef>
+          <a:effectRef idx="1">
+            <a:schemeClr val="accent1"/>
+          </a:effectRef>
+          <a:fontRef idx="minor">
+            <a:schemeClr val="tx1"/>
+          </a:fontRef>
+        </p:style>
+      </p:cxnSp>
+      <p:sp>
+        <p:nvSpPr>
+          <p:cNvPr id="14" name="テキスト ボックス 13"/>
+          <p:cNvSpPr txBox="1"/>
+          <p:nvPr/>
+        </p:nvSpPr>
+        <p:spPr>
+          <a:xfrm>
+            <a:off x="1542755" y="704337"/>
+            <a:ext cx="374321" cy="369332"/>
+          </a:xfrm>
+          <a:prstGeom prst="rect">
+            <a:avLst/>
+          </a:prstGeom>
+          <a:noFill/>
+        </p:spPr>
+        <p:txBody>
+          <a:bodyPr wrap="none" rtlCol="0">
+            <a:spAutoFit/>
+          </a:bodyPr>
+          <a:lstStyle/>
+          <a:p>
+            <a:r>
+              <a:rPr kumimoji="1" lang="en-US" altLang="ja-JP" i="1" dirty="0" smtClean="0">
+                <a:latin typeface="Calisto MT"/>
+                <a:cs typeface="Calisto MT"/>
+              </a:rPr>
+              <a:t>n</a:t>
+            </a:r>
+            <a:endParaRPr kumimoji="1" lang="ja-JP" altLang="en-US" i="1" dirty="0">
+              <a:latin typeface="Calisto MT"/>
+              <a:cs typeface="Calisto MT"/>
+            </a:endParaRPr>
+          </a:p>
+        </p:txBody>
+      </p:sp>
+      <p:sp>
+        <p:nvSpPr>
+          <p:cNvPr id="15" name="円/楕円 14"/>
+          <p:cNvSpPr/>
+          <p:nvPr/>
+        </p:nvSpPr>
+        <p:spPr>
+          <a:xfrm>
+            <a:off x="1666252" y="1710757"/>
+            <a:ext cx="63664" cy="57150"/>
+          </a:xfrm>
+          <a:prstGeom prst="ellipse">
+            <a:avLst/>
+          </a:prstGeom>
+        </p:spPr>
+        <p:style>
+          <a:lnRef idx="2">
+            <a:schemeClr val="dk1">
+              <a:shade val="50000"/>
+            </a:schemeClr>
+          </a:lnRef>
+          <a:fillRef idx="1">
+            <a:schemeClr val="dk1"/>
+          </a:fillRef>
+          <a:effectRef idx="0">
+            <a:schemeClr val="dk1"/>
+          </a:effectRef>
+          <a:fontRef idx="minor">
+            <a:schemeClr val="lt1"/>
+          </a:fontRef>
+        </p:style>
+        <p:txBody>
+          <a:bodyPr rtlCol="0" anchor="ctr"/>
+          <a:lstStyle/>
+          <a:p>
+            <a:pPr algn="ctr"/>
+            <a:endParaRPr kumimoji="1" lang="ja-JP" altLang="en-US"/>
+          </a:p>
+        </p:txBody>
+      </p:sp>
+      <p:sp>
+        <p:nvSpPr>
+          <p:cNvPr id="16" name="テキスト ボックス 15"/>
+          <p:cNvSpPr txBox="1"/>
+          <p:nvPr/>
+        </p:nvSpPr>
+        <p:spPr>
+          <a:xfrm>
+            <a:off x="1384087" y="1370000"/>
+            <a:ext cx="418094" cy="369332"/>
+          </a:xfrm>
+          <a:prstGeom prst="rect">
+            <a:avLst/>
+          </a:prstGeom>
+          <a:noFill/>
+        </p:spPr>
+        <p:txBody>
+          <a:bodyPr wrap="none" rtlCol="0">
+            <a:spAutoFit/>
+          </a:bodyPr>
+          <a:lstStyle/>
+          <a:p>
+            <a:r>
+              <a:rPr lang="en-US" altLang="ja-JP" i="1" dirty="0" smtClean="0">
+                <a:latin typeface="Calisto MT"/>
+                <a:cs typeface="Calisto MT"/>
+              </a:rPr>
+              <a:t>p</a:t>
+            </a:r>
+            <a:r>
+              <a:rPr lang="en-US" altLang="ja-JP" i="1" baseline="-25000" dirty="0" smtClean="0">
+                <a:latin typeface="Calisto MT"/>
+                <a:cs typeface="Calisto MT"/>
+              </a:rPr>
+              <a:t>0</a:t>
+            </a:r>
+            <a:endParaRPr kumimoji="1" lang="ja-JP" altLang="en-US" i="1" baseline="-25000" dirty="0">
+              <a:latin typeface="Calisto MT"/>
+              <a:cs typeface="Calisto MT"/>
+            </a:endParaRPr>
+          </a:p>
+        </p:txBody>
+      </p:sp>
+      <p:sp>
+        <p:nvSpPr>
+          <p:cNvPr id="17" name="テキスト ボックス 16"/>
+          <p:cNvSpPr txBox="1"/>
+          <p:nvPr/>
+        </p:nvSpPr>
+        <p:spPr>
+          <a:xfrm>
+            <a:off x="2298487" y="1185334"/>
+            <a:ext cx="420348" cy="369332"/>
+          </a:xfrm>
+          <a:prstGeom prst="rect">
+            <a:avLst/>
+          </a:prstGeom>
+          <a:noFill/>
+        </p:spPr>
+        <p:txBody>
+          <a:bodyPr wrap="none" rtlCol="0">
+            <a:spAutoFit/>
+          </a:bodyPr>
+          <a:lstStyle/>
+          <a:p>
+            <a:r>
+              <a:rPr lang="en-US" altLang="ja-JP" i="1" dirty="0" smtClean="0">
+                <a:latin typeface="Calisto MT"/>
+                <a:cs typeface="Calisto MT"/>
+              </a:rPr>
+              <a:t>d</a:t>
+            </a:r>
+            <a:r>
+              <a:rPr lang="en-US" altLang="ja-JP" i="1" baseline="-25000" dirty="0" smtClean="0">
+                <a:latin typeface="Calisto MT"/>
+                <a:cs typeface="Calisto MT"/>
+              </a:rPr>
+              <a:t>1</a:t>
+            </a:r>
+            <a:endParaRPr kumimoji="1" lang="ja-JP" altLang="en-US" i="1" baseline="-25000" dirty="0">
+              <a:latin typeface="Calisto MT"/>
+              <a:cs typeface="Calisto MT"/>
+            </a:endParaRPr>
+          </a:p>
+        </p:txBody>
+      </p:sp>
+      <p:sp>
+        <p:nvSpPr>
+          <p:cNvPr id="18" name="テキスト ボックス 17"/>
+          <p:cNvSpPr txBox="1"/>
+          <p:nvPr/>
+        </p:nvSpPr>
+        <p:spPr>
+          <a:xfrm>
+            <a:off x="2030539" y="1967932"/>
+            <a:ext cx="420348" cy="369332"/>
+          </a:xfrm>
+          <a:prstGeom prst="rect">
+            <a:avLst/>
+          </a:prstGeom>
+          <a:noFill/>
+        </p:spPr>
+        <p:txBody>
+          <a:bodyPr wrap="none" rtlCol="0">
+            <a:spAutoFit/>
+          </a:bodyPr>
+          <a:lstStyle/>
+          <a:p>
+            <a:r>
+              <a:rPr lang="en-US" altLang="ja-JP" i="1" dirty="0" smtClean="0">
+                <a:latin typeface="Calisto MT"/>
+                <a:cs typeface="Calisto MT"/>
+              </a:rPr>
+              <a:t>d</a:t>
+            </a:r>
+            <a:r>
+              <a:rPr lang="en-US" altLang="ja-JP" i="1" baseline="-25000" dirty="0">
+                <a:latin typeface="Calisto MT"/>
+                <a:cs typeface="Calisto MT"/>
+              </a:rPr>
+              <a:t>2</a:t>
+            </a:r>
+            <a:endParaRPr kumimoji="1" lang="ja-JP" altLang="en-US" i="1" baseline="-25000" dirty="0">
+              <a:latin typeface="Calisto MT"/>
+              <a:cs typeface="Calisto MT"/>
+            </a:endParaRPr>
+          </a:p>
+        </p:txBody>
+      </p:sp>
+      <p:sp>
+        <p:nvSpPr>
+          <p:cNvPr id="19" name="円/楕円 18"/>
+          <p:cNvSpPr/>
+          <p:nvPr/>
+        </p:nvSpPr>
+        <p:spPr>
+          <a:xfrm>
+            <a:off x="2798751" y="1739332"/>
+            <a:ext cx="524933" cy="85725"/>
+          </a:xfrm>
+          <a:prstGeom prst="ellipse">
+            <a:avLst/>
+          </a:prstGeom>
+          <a:noFill/>
+          <a:ln w="6350" cmpd="sng">
+            <a:solidFill>
+              <a:schemeClr val="bg1">
+                <a:lumMod val="75000"/>
+              </a:schemeClr>
+            </a:solidFill>
+          </a:ln>
+          <a:effectLst/>
+        </p:spPr>
+        <p:style>
+          <a:lnRef idx="1">
+            <a:schemeClr val="accent1"/>
+          </a:lnRef>
+          <a:fillRef idx="3">
+            <a:schemeClr val="accent1"/>
+          </a:fillRef>
+          <a:effectRef idx="2">
+            <a:schemeClr val="accent1"/>
+          </a:effectRef>
+          <a:fontRef idx="minor">
+            <a:schemeClr val="lt1"/>
+          </a:fontRef>
+        </p:style>
+        <p:txBody>
+          <a:bodyPr rtlCol="0" anchor="ctr"/>
+          <a:lstStyle/>
+          <a:p>
+            <a:pPr algn="ctr"/>
+            <a:endParaRPr kumimoji="1" lang="ja-JP" altLang="en-US"/>
+          </a:p>
+        </p:txBody>
+      </p:sp>
+      <p:sp>
+        <p:nvSpPr>
+          <p:cNvPr id="21" name="円弧 20"/>
+          <p:cNvSpPr/>
+          <p:nvPr/>
+        </p:nvSpPr>
+        <p:spPr>
+          <a:xfrm>
+            <a:off x="2798750" y="1521986"/>
+            <a:ext cx="524933" cy="491841"/>
+          </a:xfrm>
+          <a:prstGeom prst="arc">
+            <a:avLst>
+              <a:gd name="adj1" fmla="val 10603391"/>
+              <a:gd name="adj2" fmla="val 249084"/>
+            </a:avLst>
+          </a:prstGeom>
+          <a:ln w="9525" cmpd="sng">
+            <a:solidFill>
+              <a:schemeClr val="bg1">
+                <a:lumMod val="75000"/>
+              </a:schemeClr>
+            </a:solidFill>
+          </a:ln>
+          <a:effectLst/>
+        </p:spPr>
+        <p:style>
+          <a:lnRef idx="2">
+            <a:schemeClr val="accent1"/>
+          </a:lnRef>
+          <a:fillRef idx="0">
+            <a:schemeClr val="accent1"/>
+          </a:fillRef>
+          <a:effectRef idx="1">
+            <a:schemeClr val="accent1"/>
+          </a:effectRef>
+          <a:fontRef idx="minor">
+            <a:schemeClr val="tx1"/>
+          </a:fontRef>
+        </p:style>
+        <p:txBody>
+          <a:bodyPr rtlCol="0" anchor="ctr"/>
+          <a:lstStyle/>
+          <a:p>
+            <a:pPr algn="ctr"/>
+            <a:endParaRPr kumimoji="1" lang="ja-JP" altLang="en-US"/>
+          </a:p>
+        </p:txBody>
+      </p:sp>
+      <p:cxnSp>
+        <p:nvCxnSpPr>
+          <p:cNvPr id="22" name="直線矢印コネクタ 21"/>
+          <p:cNvCxnSpPr/>
+          <p:nvPr/>
+        </p:nvCxnSpPr>
+        <p:spPr>
+          <a:xfrm flipH="1" flipV="1">
+            <a:off x="2851232" y="1617029"/>
+            <a:ext cx="209468" cy="173671"/>
+          </a:xfrm>
+          <a:prstGeom prst="straightConnector1">
+            <a:avLst/>
+          </a:prstGeom>
+          <a:ln w="9525" cmpd="sng">
+            <a:solidFill>
+              <a:schemeClr val="bg1">
+                <a:lumMod val="75000"/>
+              </a:schemeClr>
+            </a:solidFill>
+            <a:headEnd type="none"/>
+            <a:tailEnd type="triangle" w="sm" len="sm"/>
+          </a:ln>
+          <a:effectLst/>
+        </p:spPr>
+        <p:style>
+          <a:lnRef idx="2">
+            <a:schemeClr val="accent1"/>
+          </a:lnRef>
+          <a:fillRef idx="0">
+            <a:schemeClr val="accent1"/>
+          </a:fillRef>
+          <a:effectRef idx="1">
+            <a:schemeClr val="accent1"/>
+          </a:effectRef>
+          <a:fontRef idx="minor">
+            <a:schemeClr val="tx1"/>
+          </a:fontRef>
+        </p:style>
+      </p:cxnSp>
+      <p:cxnSp>
+        <p:nvCxnSpPr>
+          <p:cNvPr id="25" name="直線矢印コネクタ 24"/>
+          <p:cNvCxnSpPr/>
+          <p:nvPr/>
+        </p:nvCxnSpPr>
+        <p:spPr>
+          <a:xfrm flipH="1" flipV="1">
+            <a:off x="2971800" y="1521986"/>
+            <a:ext cx="88900" cy="268715"/>
+          </a:xfrm>
+          <a:prstGeom prst="straightConnector1">
+            <a:avLst/>
+          </a:prstGeom>
+          <a:ln w="9525" cmpd="sng">
+            <a:solidFill>
+              <a:schemeClr val="bg1">
+                <a:lumMod val="75000"/>
+              </a:schemeClr>
+            </a:solidFill>
+            <a:headEnd type="none"/>
+            <a:tailEnd type="triangle" w="sm" len="sm"/>
+          </a:ln>
+          <a:effectLst/>
+        </p:spPr>
+        <p:style>
+          <a:lnRef idx="2">
+            <a:schemeClr val="accent1"/>
+          </a:lnRef>
+          <a:fillRef idx="0">
+            <a:schemeClr val="accent1"/>
+          </a:fillRef>
+          <a:effectRef idx="1">
+            <a:schemeClr val="accent1"/>
+          </a:effectRef>
+          <a:fontRef idx="minor">
+            <a:schemeClr val="tx1"/>
+          </a:fontRef>
+        </p:style>
+      </p:cxnSp>
+      <p:cxnSp>
+        <p:nvCxnSpPr>
+          <p:cNvPr id="29" name="直線矢印コネクタ 28"/>
+          <p:cNvCxnSpPr/>
+          <p:nvPr/>
+        </p:nvCxnSpPr>
+        <p:spPr>
+          <a:xfrm flipV="1">
+            <a:off x="3060700" y="1674387"/>
+            <a:ext cx="234950" cy="116314"/>
+          </a:xfrm>
+          <a:prstGeom prst="straightConnector1">
+            <a:avLst/>
+          </a:prstGeom>
+          <a:ln w="9525" cmpd="sng">
+            <a:solidFill>
+              <a:schemeClr val="bg1">
+                <a:lumMod val="75000"/>
+              </a:schemeClr>
+            </a:solidFill>
+            <a:headEnd type="none"/>
+            <a:tailEnd type="triangle" w="sm" len="sm"/>
+          </a:ln>
+          <a:effectLst/>
+        </p:spPr>
+        <p:style>
+          <a:lnRef idx="2">
+            <a:schemeClr val="accent1"/>
+          </a:lnRef>
+          <a:fillRef idx="0">
+            <a:schemeClr val="accent1"/>
+          </a:fillRef>
+          <a:effectRef idx="1">
+            <a:schemeClr val="accent1"/>
+          </a:effectRef>
+          <a:fontRef idx="minor">
+            <a:schemeClr val="tx1"/>
+          </a:fontRef>
+        </p:style>
+      </p:cxnSp>
+      <p:cxnSp>
+        <p:nvCxnSpPr>
+          <p:cNvPr id="32" name="直線矢印コネクタ 31"/>
+          <p:cNvCxnSpPr/>
+          <p:nvPr/>
+        </p:nvCxnSpPr>
+        <p:spPr>
+          <a:xfrm flipV="1">
+            <a:off x="3060700" y="1521986"/>
+            <a:ext cx="47625" cy="268714"/>
+          </a:xfrm>
+          <a:prstGeom prst="straightConnector1">
+            <a:avLst/>
+          </a:prstGeom>
+          <a:ln w="9525" cmpd="sng">
+            <a:solidFill>
+              <a:schemeClr val="bg1">
+                <a:lumMod val="75000"/>
+              </a:schemeClr>
+            </a:solidFill>
+            <a:headEnd type="none"/>
+            <a:tailEnd type="triangle" w="sm" len="sm"/>
+          </a:ln>
+          <a:effectLst/>
+        </p:spPr>
+        <p:style>
+          <a:lnRef idx="2">
+            <a:schemeClr val="accent1"/>
+          </a:lnRef>
+          <a:fillRef idx="0">
+            <a:schemeClr val="accent1"/>
+          </a:fillRef>
+          <a:effectRef idx="1">
+            <a:schemeClr val="accent1"/>
+          </a:effectRef>
+          <a:fontRef idx="minor">
+            <a:schemeClr val="tx1"/>
+          </a:fontRef>
+        </p:style>
+      </p:cxnSp>
+      <p:cxnSp>
+        <p:nvCxnSpPr>
+          <p:cNvPr id="36" name="直線矢印コネクタ 35"/>
+          <p:cNvCxnSpPr/>
+          <p:nvPr/>
+        </p:nvCxnSpPr>
+        <p:spPr>
+          <a:xfrm flipV="1">
+            <a:off x="3060700" y="1577975"/>
+            <a:ext cx="158750" cy="212725"/>
+          </a:xfrm>
+          <a:prstGeom prst="straightConnector1">
+            <a:avLst/>
+          </a:prstGeom>
+          <a:ln w="19050" cmpd="sng">
+            <a:solidFill>
+              <a:srgbClr val="FF0000"/>
+            </a:solidFill>
+            <a:headEnd type="none"/>
+            <a:tailEnd type="triangle" w="sm" len="sm"/>
+          </a:ln>
+          <a:effectLst/>
+        </p:spPr>
+        <p:style>
+          <a:lnRef idx="2">
+            <a:schemeClr val="accent1"/>
+          </a:lnRef>
+          <a:fillRef idx="0">
+            <a:schemeClr val="accent1"/>
+          </a:fillRef>
+          <a:effectRef idx="1">
+            <a:schemeClr val="accent1"/>
+          </a:effectRef>
+          <a:fontRef idx="minor">
+            <a:schemeClr val="tx1"/>
+          </a:fontRef>
+        </p:style>
+      </p:cxnSp>
+      <p:cxnSp>
+        <p:nvCxnSpPr>
+          <p:cNvPr id="40" name="直線矢印コネクタ 39"/>
+          <p:cNvCxnSpPr/>
+          <p:nvPr/>
+        </p:nvCxnSpPr>
+        <p:spPr>
+          <a:xfrm flipV="1">
+            <a:off x="5499617" y="1502265"/>
+            <a:ext cx="1498600" cy="237067"/>
+          </a:xfrm>
+          <a:prstGeom prst="straightConnector1">
+            <a:avLst/>
+          </a:prstGeom>
+          <a:ln>
+            <a:tailEnd type="arrow"/>
+          </a:ln>
+        </p:spPr>
+        <p:style>
+          <a:lnRef idx="2">
+            <a:schemeClr val="accent1"/>
+          </a:lnRef>
+          <a:fillRef idx="0">
+            <a:schemeClr val="accent1"/>
+          </a:fillRef>
+          <a:effectRef idx="1">
+            <a:schemeClr val="accent1"/>
+          </a:effectRef>
+          <a:fontRef idx="minor">
+            <a:schemeClr val="tx1"/>
+          </a:fontRef>
+        </p:style>
+      </p:cxnSp>
+      <p:cxnSp>
+        <p:nvCxnSpPr>
+          <p:cNvPr id="41" name="直線矢印コネクタ 40"/>
+          <p:cNvCxnSpPr/>
+          <p:nvPr/>
+        </p:nvCxnSpPr>
+        <p:spPr>
+          <a:xfrm>
+            <a:off x="5499617" y="1739332"/>
+            <a:ext cx="1100667" cy="465667"/>
+          </a:xfrm>
+          <a:prstGeom prst="straightConnector1">
+            <a:avLst/>
+          </a:prstGeom>
+          <a:ln>
+            <a:tailEnd type="arrow"/>
+          </a:ln>
+        </p:spPr>
+        <p:style>
+          <a:lnRef idx="2">
+            <a:schemeClr val="accent1"/>
+          </a:lnRef>
+          <a:fillRef idx="0">
+            <a:schemeClr val="accent1"/>
+          </a:fillRef>
+          <a:effectRef idx="1">
+            <a:schemeClr val="accent1"/>
+          </a:effectRef>
+          <a:fontRef idx="minor">
+            <a:schemeClr val="tx1"/>
+          </a:fontRef>
+        </p:style>
+      </p:cxnSp>
+      <p:cxnSp>
+        <p:nvCxnSpPr>
+          <p:cNvPr id="42" name="直線矢印コネクタ 41"/>
+          <p:cNvCxnSpPr/>
+          <p:nvPr/>
+        </p:nvCxnSpPr>
+        <p:spPr>
+          <a:xfrm>
+            <a:off x="6998217" y="1506498"/>
+            <a:ext cx="1100667" cy="465667"/>
+          </a:xfrm>
+          <a:prstGeom prst="straightConnector1">
+            <a:avLst/>
+          </a:prstGeom>
+          <a:ln>
+            <a:solidFill>
+              <a:srgbClr val="A6A6A6"/>
+            </a:solidFill>
+            <a:prstDash val="sysDash"/>
+            <a:headEnd type="none"/>
+            <a:tailEnd type="none"/>
+          </a:ln>
+        </p:spPr>
+        <p:style>
+          <a:lnRef idx="2">
+            <a:schemeClr val="accent1"/>
+          </a:lnRef>
+          <a:fillRef idx="0">
+            <a:schemeClr val="accent1"/>
+          </a:fillRef>
+          <a:effectRef idx="1">
+            <a:schemeClr val="accent1"/>
+          </a:effectRef>
+          <a:fontRef idx="minor">
+            <a:schemeClr val="tx1"/>
+          </a:fontRef>
+        </p:style>
+      </p:cxnSp>
+      <p:cxnSp>
+        <p:nvCxnSpPr>
+          <p:cNvPr id="43" name="直線矢印コネクタ 42"/>
+          <p:cNvCxnSpPr/>
+          <p:nvPr/>
+        </p:nvCxnSpPr>
+        <p:spPr>
+          <a:xfrm flipV="1">
+            <a:off x="6600284" y="1967932"/>
+            <a:ext cx="1498600" cy="237067"/>
+          </a:xfrm>
+          <a:prstGeom prst="straightConnector1">
+            <a:avLst/>
+          </a:prstGeom>
+          <a:ln>
+            <a:solidFill>
+              <a:srgbClr val="A6A6A6"/>
+            </a:solidFill>
+            <a:prstDash val="sysDash"/>
+            <a:headEnd type="none"/>
+            <a:tailEnd type="none"/>
+          </a:ln>
+        </p:spPr>
+        <p:style>
+          <a:lnRef idx="2">
+            <a:schemeClr val="accent1"/>
+          </a:lnRef>
+          <a:fillRef idx="0">
+            <a:schemeClr val="accent1"/>
+          </a:fillRef>
+          <a:effectRef idx="1">
+            <a:schemeClr val="accent1"/>
+          </a:effectRef>
+          <a:fontRef idx="minor">
+            <a:schemeClr val="tx1"/>
+          </a:fontRef>
+        </p:style>
+      </p:cxnSp>
+      <p:cxnSp>
+        <p:nvCxnSpPr>
+          <p:cNvPr id="44" name="直線矢印コネクタ 43"/>
+          <p:cNvCxnSpPr/>
+          <p:nvPr/>
+        </p:nvCxnSpPr>
+        <p:spPr>
+          <a:xfrm flipV="1">
+            <a:off x="5499617" y="1041400"/>
+            <a:ext cx="0" cy="697932"/>
+          </a:xfrm>
+          <a:prstGeom prst="straightConnector1">
+            <a:avLst/>
+          </a:prstGeom>
+          <a:ln>
+            <a:solidFill>
+              <a:schemeClr val="tx1"/>
+            </a:solidFill>
+            <a:tailEnd type="arrow"/>
+          </a:ln>
+        </p:spPr>
+        <p:style>
+          <a:lnRef idx="2">
+            <a:schemeClr val="accent1"/>
+          </a:lnRef>
+          <a:fillRef idx="0">
+            <a:schemeClr val="accent1"/>
+          </a:fillRef>
+          <a:effectRef idx="1">
+            <a:schemeClr val="accent1"/>
+          </a:effectRef>
+          <a:fontRef idx="minor">
+            <a:schemeClr val="tx1"/>
+          </a:fontRef>
+        </p:style>
+      </p:cxnSp>
+      <p:sp>
+        <p:nvSpPr>
+          <p:cNvPr id="45" name="テキスト ボックス 44"/>
+          <p:cNvSpPr txBox="1"/>
+          <p:nvPr/>
+        </p:nvSpPr>
+        <p:spPr>
+          <a:xfrm>
+            <a:off x="5344288" y="704337"/>
+            <a:ext cx="374321" cy="369332"/>
+          </a:xfrm>
+          <a:prstGeom prst="rect">
+            <a:avLst/>
+          </a:prstGeom>
+          <a:noFill/>
+        </p:spPr>
+        <p:txBody>
+          <a:bodyPr wrap="none" rtlCol="0">
+            <a:spAutoFit/>
+          </a:bodyPr>
+          <a:lstStyle/>
+          <a:p>
+            <a:r>
+              <a:rPr kumimoji="1" lang="en-US" altLang="ja-JP" i="1" dirty="0" smtClean="0">
+                <a:latin typeface="Calisto MT"/>
+                <a:cs typeface="Calisto MT"/>
+              </a:rPr>
+              <a:t>n</a:t>
+            </a:r>
+            <a:endParaRPr kumimoji="1" lang="ja-JP" altLang="en-US" i="1" dirty="0">
+              <a:latin typeface="Calisto MT"/>
+              <a:cs typeface="Calisto MT"/>
+            </a:endParaRPr>
+          </a:p>
+        </p:txBody>
+      </p:sp>
+      <p:sp>
+        <p:nvSpPr>
+          <p:cNvPr id="46" name="円/楕円 45"/>
+          <p:cNvSpPr/>
+          <p:nvPr/>
+        </p:nvSpPr>
+        <p:spPr>
+          <a:xfrm>
+            <a:off x="5467785" y="1710757"/>
+            <a:ext cx="63664" cy="57150"/>
+          </a:xfrm>
+          <a:prstGeom prst="ellipse">
+            <a:avLst/>
+          </a:prstGeom>
+        </p:spPr>
+        <p:style>
+          <a:lnRef idx="2">
+            <a:schemeClr val="dk1">
+              <a:shade val="50000"/>
+            </a:schemeClr>
+          </a:lnRef>
+          <a:fillRef idx="1">
+            <a:schemeClr val="dk1"/>
+          </a:fillRef>
+          <a:effectRef idx="0">
+            <a:schemeClr val="dk1"/>
+          </a:effectRef>
+          <a:fontRef idx="minor">
+            <a:schemeClr val="lt1"/>
+          </a:fontRef>
+        </p:style>
+        <p:txBody>
+          <a:bodyPr rtlCol="0" anchor="ctr"/>
+          <a:lstStyle/>
+          <a:p>
+            <a:pPr algn="ctr"/>
+            <a:endParaRPr kumimoji="1" lang="ja-JP" altLang="en-US"/>
+          </a:p>
+        </p:txBody>
+      </p:sp>
+      <p:sp>
+        <p:nvSpPr>
+          <p:cNvPr id="47" name="テキスト ボックス 46"/>
+          <p:cNvSpPr txBox="1"/>
+          <p:nvPr/>
+        </p:nvSpPr>
+        <p:spPr>
+          <a:xfrm>
+            <a:off x="5185620" y="1370000"/>
+            <a:ext cx="418094" cy="369332"/>
+          </a:xfrm>
+          <a:prstGeom prst="rect">
+            <a:avLst/>
+          </a:prstGeom>
+          <a:noFill/>
+        </p:spPr>
+        <p:txBody>
+          <a:bodyPr wrap="none" rtlCol="0">
+            <a:spAutoFit/>
+          </a:bodyPr>
+          <a:lstStyle/>
+          <a:p>
+            <a:r>
+              <a:rPr lang="en-US" altLang="ja-JP" i="1" dirty="0" smtClean="0">
+                <a:latin typeface="Calisto MT"/>
+                <a:cs typeface="Calisto MT"/>
+              </a:rPr>
+              <a:t>p</a:t>
+            </a:r>
+            <a:r>
+              <a:rPr lang="en-US" altLang="ja-JP" i="1" baseline="-25000" dirty="0" smtClean="0">
+                <a:latin typeface="Calisto MT"/>
+                <a:cs typeface="Calisto MT"/>
+              </a:rPr>
+              <a:t>0</a:t>
+            </a:r>
+            <a:endParaRPr kumimoji="1" lang="ja-JP" altLang="en-US" i="1" baseline="-25000" dirty="0">
+              <a:latin typeface="Calisto MT"/>
+              <a:cs typeface="Calisto MT"/>
+            </a:endParaRPr>
+          </a:p>
+        </p:txBody>
+      </p:sp>
+      <p:sp>
+        <p:nvSpPr>
+          <p:cNvPr id="48" name="テキスト ボックス 47"/>
+          <p:cNvSpPr txBox="1"/>
+          <p:nvPr/>
+        </p:nvSpPr>
+        <p:spPr>
+          <a:xfrm>
+            <a:off x="6100020" y="1185334"/>
+            <a:ext cx="420348" cy="369332"/>
+          </a:xfrm>
+          <a:prstGeom prst="rect">
+            <a:avLst/>
+          </a:prstGeom>
+          <a:noFill/>
+        </p:spPr>
+        <p:txBody>
+          <a:bodyPr wrap="none" rtlCol="0">
+            <a:spAutoFit/>
+          </a:bodyPr>
+          <a:lstStyle/>
+          <a:p>
+            <a:r>
+              <a:rPr lang="en-US" altLang="ja-JP" i="1" dirty="0" smtClean="0">
+                <a:latin typeface="Calisto MT"/>
+                <a:cs typeface="Calisto MT"/>
+              </a:rPr>
+              <a:t>d</a:t>
+            </a:r>
+            <a:r>
+              <a:rPr lang="en-US" altLang="ja-JP" i="1" baseline="-25000" dirty="0" smtClean="0">
+                <a:latin typeface="Calisto MT"/>
+                <a:cs typeface="Calisto MT"/>
+              </a:rPr>
+              <a:t>1</a:t>
+            </a:r>
+            <a:endParaRPr kumimoji="1" lang="ja-JP" altLang="en-US" i="1" baseline="-25000" dirty="0">
+              <a:latin typeface="Calisto MT"/>
+              <a:cs typeface="Calisto MT"/>
+            </a:endParaRPr>
+          </a:p>
+        </p:txBody>
+      </p:sp>
+      <p:sp>
+        <p:nvSpPr>
+          <p:cNvPr id="49" name="テキスト ボックス 48"/>
+          <p:cNvSpPr txBox="1"/>
+          <p:nvPr/>
+        </p:nvSpPr>
+        <p:spPr>
+          <a:xfrm>
+            <a:off x="5832072" y="1967932"/>
+            <a:ext cx="420348" cy="369332"/>
+          </a:xfrm>
+          <a:prstGeom prst="rect">
+            <a:avLst/>
+          </a:prstGeom>
+          <a:noFill/>
+        </p:spPr>
+        <p:txBody>
+          <a:bodyPr wrap="none" rtlCol="0">
+            <a:spAutoFit/>
+          </a:bodyPr>
+          <a:lstStyle/>
+          <a:p>
+            <a:r>
+              <a:rPr lang="en-US" altLang="ja-JP" i="1" dirty="0" smtClean="0">
+                <a:latin typeface="Calisto MT"/>
+                <a:cs typeface="Calisto MT"/>
+              </a:rPr>
+              <a:t>d</a:t>
+            </a:r>
+            <a:r>
+              <a:rPr lang="en-US" altLang="ja-JP" i="1" baseline="-25000" dirty="0">
+                <a:latin typeface="Calisto MT"/>
+                <a:cs typeface="Calisto MT"/>
+              </a:rPr>
+              <a:t>2</a:t>
+            </a:r>
+            <a:endParaRPr kumimoji="1" lang="ja-JP" altLang="en-US" i="1" baseline="-25000" dirty="0">
+              <a:latin typeface="Calisto MT"/>
+              <a:cs typeface="Calisto MT"/>
+            </a:endParaRPr>
+          </a:p>
+        </p:txBody>
+      </p:sp>
+      <p:cxnSp>
+        <p:nvCxnSpPr>
+          <p:cNvPr id="57" name="直線矢印コネクタ 56"/>
+          <p:cNvCxnSpPr/>
+          <p:nvPr/>
+        </p:nvCxnSpPr>
+        <p:spPr>
+          <a:xfrm flipV="1">
+            <a:off x="6093670" y="1577975"/>
+            <a:ext cx="158750" cy="212725"/>
+          </a:xfrm>
+          <a:prstGeom prst="straightConnector1">
+            <a:avLst/>
+          </a:prstGeom>
+          <a:ln w="19050" cmpd="sng">
+            <a:solidFill>
+              <a:srgbClr val="FF0000"/>
+            </a:solidFill>
+            <a:headEnd type="none"/>
+            <a:tailEnd type="triangle" w="sm" len="sm"/>
+          </a:ln>
+          <a:effectLst/>
+        </p:spPr>
+        <p:style>
+          <a:lnRef idx="2">
+            <a:schemeClr val="accent1"/>
+          </a:lnRef>
+          <a:fillRef idx="0">
+            <a:schemeClr val="accent1"/>
+          </a:fillRef>
+          <a:effectRef idx="1">
+            <a:schemeClr val="accent1"/>
+          </a:effectRef>
+          <a:fontRef idx="minor">
+            <a:schemeClr val="tx1"/>
+          </a:fontRef>
+        </p:style>
+      </p:cxnSp>
+      <p:cxnSp>
+        <p:nvCxnSpPr>
+          <p:cNvPr id="58" name="直線矢印コネクタ 57"/>
+          <p:cNvCxnSpPr/>
+          <p:nvPr/>
+        </p:nvCxnSpPr>
+        <p:spPr>
+          <a:xfrm flipV="1">
+            <a:off x="7395633" y="1612332"/>
+            <a:ext cx="158750" cy="212725"/>
+          </a:xfrm>
+          <a:prstGeom prst="straightConnector1">
+            <a:avLst/>
+          </a:prstGeom>
+          <a:ln w="19050" cmpd="sng">
+            <a:solidFill>
+              <a:srgbClr val="FF0000"/>
+            </a:solidFill>
+            <a:headEnd type="none"/>
+            <a:tailEnd type="triangle" w="sm" len="sm"/>
+          </a:ln>
+          <a:effectLst/>
+        </p:spPr>
+        <p:style>
+          <a:lnRef idx="2">
+            <a:schemeClr val="accent1"/>
+          </a:lnRef>
+          <a:fillRef idx="0">
+            <a:schemeClr val="accent1"/>
+          </a:fillRef>
+          <a:effectRef idx="1">
+            <a:schemeClr val="accent1"/>
+          </a:effectRef>
+          <a:fontRef idx="minor">
+            <a:schemeClr val="tx1"/>
+          </a:fontRef>
+        </p:style>
+      </p:cxnSp>
+      <p:cxnSp>
+        <p:nvCxnSpPr>
+          <p:cNvPr id="59" name="直線矢印コネクタ 58"/>
+          <p:cNvCxnSpPr/>
+          <p:nvPr/>
+        </p:nvCxnSpPr>
+        <p:spPr>
+          <a:xfrm flipV="1">
+            <a:off x="6679659" y="1750405"/>
+            <a:ext cx="158750" cy="212725"/>
+          </a:xfrm>
+          <a:prstGeom prst="straightConnector1">
+            <a:avLst/>
+          </a:prstGeom>
+          <a:ln w="19050" cmpd="sng">
+            <a:solidFill>
+              <a:srgbClr val="FF0000"/>
+            </a:solidFill>
+            <a:headEnd type="none"/>
+            <a:tailEnd type="triangle" w="sm" len="sm"/>
+          </a:ln>
+          <a:effectLst/>
+        </p:spPr>
+        <p:style>
+          <a:lnRef idx="2">
+            <a:schemeClr val="accent1"/>
+          </a:lnRef>
+          <a:fillRef idx="0">
+            <a:schemeClr val="accent1"/>
+          </a:fillRef>
+          <a:effectRef idx="1">
+            <a:schemeClr val="accent1"/>
+          </a:effectRef>
+          <a:fontRef idx="minor">
+            <a:schemeClr val="tx1"/>
+          </a:fontRef>
+        </p:style>
+      </p:cxnSp>
+      <p:cxnSp>
+        <p:nvCxnSpPr>
+          <p:cNvPr id="60" name="直線矢印コネクタ 59"/>
+          <p:cNvCxnSpPr/>
+          <p:nvPr/>
+        </p:nvCxnSpPr>
+        <p:spPr>
+          <a:xfrm flipV="1">
+            <a:off x="6918842" y="1661544"/>
+            <a:ext cx="158750" cy="212725"/>
+          </a:xfrm>
+          <a:prstGeom prst="straightConnector1">
+            <a:avLst/>
+          </a:prstGeom>
+          <a:ln w="19050" cmpd="sng">
+            <a:solidFill>
+              <a:srgbClr val="FF0000"/>
+            </a:solidFill>
+            <a:headEnd type="none"/>
+            <a:tailEnd type="triangle" w="sm" len="sm"/>
+          </a:ln>
+          <a:effectLst/>
+        </p:spPr>
+        <p:style>
+          <a:lnRef idx="2">
+            <a:schemeClr val="accent1"/>
+          </a:lnRef>
+          <a:fillRef idx="0">
+            <a:schemeClr val="accent1"/>
+          </a:fillRef>
+          <a:effectRef idx="1">
+            <a:schemeClr val="accent1"/>
+          </a:effectRef>
+          <a:fontRef idx="minor">
+            <a:schemeClr val="tx1"/>
+          </a:fontRef>
+        </p:style>
+      </p:cxnSp>
+      <p:cxnSp>
+        <p:nvCxnSpPr>
+          <p:cNvPr id="61" name="直線矢印コネクタ 60"/>
+          <p:cNvCxnSpPr/>
+          <p:nvPr/>
+        </p:nvCxnSpPr>
+        <p:spPr>
+          <a:xfrm flipV="1">
+            <a:off x="6600284" y="1502265"/>
+            <a:ext cx="158750" cy="212725"/>
+          </a:xfrm>
+          <a:prstGeom prst="straightConnector1">
+            <a:avLst/>
+          </a:prstGeom>
+          <a:ln w="19050" cmpd="sng">
+            <a:solidFill>
+              <a:srgbClr val="FF0000"/>
+            </a:solidFill>
+            <a:headEnd type="none"/>
+            <a:tailEnd type="triangle" w="sm" len="sm"/>
+          </a:ln>
+          <a:effectLst/>
+        </p:spPr>
+        <p:style>
+          <a:lnRef idx="2">
+            <a:schemeClr val="accent1"/>
+          </a:lnRef>
+          <a:fillRef idx="0">
+            <a:schemeClr val="accent1"/>
+          </a:fillRef>
+          <a:effectRef idx="1">
+            <a:schemeClr val="accent1"/>
+          </a:effectRef>
+          <a:fontRef idx="minor">
+            <a:schemeClr val="tx1"/>
+          </a:fontRef>
+        </p:style>
+      </p:cxnSp>
+      <p:cxnSp>
+        <p:nvCxnSpPr>
+          <p:cNvPr id="62" name="直線矢印コネクタ 61"/>
+          <p:cNvCxnSpPr/>
+          <p:nvPr/>
+        </p:nvCxnSpPr>
+        <p:spPr>
+          <a:xfrm flipV="1">
+            <a:off x="6173045" y="1721340"/>
+            <a:ext cx="158750" cy="212725"/>
+          </a:xfrm>
+          <a:prstGeom prst="straightConnector1">
+            <a:avLst/>
+          </a:prstGeom>
+          <a:ln w="19050" cmpd="sng">
+            <a:solidFill>
+              <a:srgbClr val="FF0000"/>
+            </a:solidFill>
+            <a:headEnd type="none"/>
+            <a:tailEnd type="triangle" w="sm" len="sm"/>
+          </a:ln>
+          <a:effectLst/>
+        </p:spPr>
+        <p:style>
+          <a:lnRef idx="2">
+            <a:schemeClr val="accent1"/>
+          </a:lnRef>
+          <a:fillRef idx="0">
+            <a:schemeClr val="accent1"/>
+          </a:fillRef>
+          <a:effectRef idx="1">
+            <a:schemeClr val="accent1"/>
+          </a:effectRef>
+          <a:fontRef idx="minor">
+            <a:schemeClr val="tx1"/>
+          </a:fontRef>
+        </p:style>
+      </p:cxnSp>
+      <p:sp>
+        <p:nvSpPr>
+          <p:cNvPr id="63" name="テキスト ボックス 62"/>
+          <p:cNvSpPr txBox="1"/>
+          <p:nvPr/>
+        </p:nvSpPr>
+        <p:spPr>
+          <a:xfrm>
+            <a:off x="1459456" y="2663975"/>
+            <a:ext cx="928459" cy="246221"/>
+          </a:xfrm>
+          <a:prstGeom prst="rect">
+            <a:avLst/>
+          </a:prstGeom>
+          <a:noFill/>
+        </p:spPr>
+        <p:txBody>
+          <a:bodyPr wrap="none" rtlCol="0">
+            <a:spAutoFit/>
+          </a:bodyPr>
+          <a:lstStyle/>
+          <a:p>
+            <a:r>
+              <a:rPr lang="en-US" altLang="en-US" sz="1000" dirty="0" smtClean="0">
+                <a:latin typeface="メイリオ"/>
+                <a:ea typeface="メイリオ"/>
+                <a:cs typeface="メイリオ"/>
+              </a:rPr>
+              <a:t>(a) 平面光源</a:t>
+            </a:r>
+            <a:endParaRPr kumimoji="1" lang="ja-JP" altLang="en-US" sz="1000" dirty="0">
+              <a:latin typeface="メイリオ"/>
+              <a:ea typeface="メイリオ"/>
+              <a:cs typeface="メイリオ"/>
+            </a:endParaRPr>
+          </a:p>
+        </p:txBody>
+      </p:sp>
+      <p:sp>
+        <p:nvSpPr>
+          <p:cNvPr id="64" name="テキスト ボックス 63"/>
+          <p:cNvSpPr txBox="1"/>
+          <p:nvPr/>
+        </p:nvSpPr>
+        <p:spPr>
+          <a:xfrm>
+            <a:off x="5319923" y="2663975"/>
+            <a:ext cx="928459" cy="246221"/>
+          </a:xfrm>
+          <a:prstGeom prst="rect">
+            <a:avLst/>
+          </a:prstGeom>
+          <a:noFill/>
+        </p:spPr>
+        <p:txBody>
+          <a:bodyPr wrap="none" rtlCol="0">
+            <a:spAutoFit/>
+          </a:bodyPr>
+          <a:lstStyle/>
+          <a:p>
+            <a:r>
+              <a:rPr lang="en-US" altLang="en-US" sz="1000" dirty="0" smtClean="0">
+                <a:latin typeface="メイリオ"/>
+                <a:ea typeface="メイリオ"/>
+                <a:cs typeface="メイリオ"/>
+              </a:rPr>
+              <a:t>(a) </a:t>
+            </a:r>
+            <a:r>
+              <a:rPr lang="ja-JP" altLang="en-US" sz="1000" dirty="0" smtClean="0">
+                <a:latin typeface="メイリオ"/>
+                <a:ea typeface="メイリオ"/>
+                <a:cs typeface="メイリオ"/>
+              </a:rPr>
+              <a:t>平行光源</a:t>
+            </a:r>
+            <a:endParaRPr kumimoji="1" lang="ja-JP" altLang="en-US" sz="1000" dirty="0">
+              <a:latin typeface="メイリオ"/>
+              <a:ea typeface="メイリオ"/>
+              <a:cs typeface="メイリオ"/>
+            </a:endParaRPr>
+          </a:p>
+        </p:txBody>
+      </p:sp>
+    </p:spTree>
+    <p:extLst>
+      <p:ext uri="{BB962C8B-B14F-4D97-AF65-F5344CB8AC3E}">
+        <p14:creationId xmlns:p14="http://schemas.microsoft.com/office/powerpoint/2010/main" val="415719341"/>
       </p:ext>
     </p:extLst>
   </p:cSld>

--- a/articles/201706/figure-20170616.pptx
+++ b/articles/201706/figure-20170616.pptx
@@ -5,9 +5,12 @@
     <p:sldMasterId id="2147483648" r:id="rId1"/>
   </p:sldMasterIdLst>
   <p:sldIdLst>
-    <p:sldId id="256" r:id="rId2"/>
-    <p:sldId id="258" r:id="rId3"/>
-    <p:sldId id="257" r:id="rId4"/>
+    <p:sldId id="264" r:id="rId2"/>
+    <p:sldId id="256" r:id="rId3"/>
+    <p:sldId id="258" r:id="rId4"/>
+    <p:sldId id="266" r:id="rId5"/>
+    <p:sldId id="257" r:id="rId6"/>
+    <p:sldId id="267" r:id="rId7"/>
   </p:sldIdLst>
   <p:sldSz cx="9144000" cy="6858000" type="screen4x3"/>
   <p:notesSz cx="6858000" cy="9144000"/>
@@ -290,7 +293,7 @@
           <a:p>
             <a:fld id="{6B6E55ED-8B76-A544-823D-B5AAB954A02C}" type="datetimeFigureOut">
               <a:rPr kumimoji="1" lang="ja-JP" altLang="en-US" smtClean="0"/>
-              <a:t>17/06/23</a:t>
+              <a:t>17/06/24</a:t>
             </a:fld>
             <a:endParaRPr kumimoji="1" lang="ja-JP" altLang="en-US"/>
           </a:p>
@@ -492,7 +495,7 @@
           <a:p>
             <a:fld id="{6B6E55ED-8B76-A544-823D-B5AAB954A02C}" type="datetimeFigureOut">
               <a:rPr kumimoji="1" lang="ja-JP" altLang="en-US" smtClean="0"/>
-              <a:t>17/06/23</a:t>
+              <a:t>17/06/24</a:t>
             </a:fld>
             <a:endParaRPr kumimoji="1" lang="ja-JP" altLang="en-US"/>
           </a:p>
@@ -704,7 +707,7 @@
           <a:p>
             <a:fld id="{6B6E55ED-8B76-A544-823D-B5AAB954A02C}" type="datetimeFigureOut">
               <a:rPr kumimoji="1" lang="ja-JP" altLang="en-US" smtClean="0"/>
-              <a:t>17/06/23</a:t>
+              <a:t>17/06/24</a:t>
             </a:fld>
             <a:endParaRPr kumimoji="1" lang="ja-JP" altLang="en-US"/>
           </a:p>
@@ -906,7 +909,7 @@
           <a:p>
             <a:fld id="{6B6E55ED-8B76-A544-823D-B5AAB954A02C}" type="datetimeFigureOut">
               <a:rPr kumimoji="1" lang="ja-JP" altLang="en-US" smtClean="0"/>
-              <a:t>17/06/23</a:t>
+              <a:t>17/06/24</a:t>
             </a:fld>
             <a:endParaRPr kumimoji="1" lang="ja-JP" altLang="en-US"/>
           </a:p>
@@ -1152,7 +1155,7 @@
           <a:p>
             <a:fld id="{6B6E55ED-8B76-A544-823D-B5AAB954A02C}" type="datetimeFigureOut">
               <a:rPr kumimoji="1" lang="ja-JP" altLang="en-US" smtClean="0"/>
-              <a:t>17/06/23</a:t>
+              <a:t>17/06/24</a:t>
             </a:fld>
             <a:endParaRPr kumimoji="1" lang="ja-JP" altLang="en-US"/>
           </a:p>
@@ -1504,7 +1507,7 @@
           <a:p>
             <a:fld id="{6B6E55ED-8B76-A544-823D-B5AAB954A02C}" type="datetimeFigureOut">
               <a:rPr kumimoji="1" lang="ja-JP" altLang="en-US" smtClean="0"/>
-              <a:t>17/06/23</a:t>
+              <a:t>17/06/24</a:t>
             </a:fld>
             <a:endParaRPr kumimoji="1" lang="ja-JP" altLang="en-US"/>
           </a:p>
@@ -1990,7 +1993,7 @@
           <a:p>
             <a:fld id="{6B6E55ED-8B76-A544-823D-B5AAB954A02C}" type="datetimeFigureOut">
               <a:rPr kumimoji="1" lang="ja-JP" altLang="en-US" smtClean="0"/>
-              <a:t>17/06/23</a:t>
+              <a:t>17/06/24</a:t>
             </a:fld>
             <a:endParaRPr kumimoji="1" lang="ja-JP" altLang="en-US"/>
           </a:p>
@@ -2108,7 +2111,7 @@
           <a:p>
             <a:fld id="{6B6E55ED-8B76-A544-823D-B5AAB954A02C}" type="datetimeFigureOut">
               <a:rPr kumimoji="1" lang="ja-JP" altLang="en-US" smtClean="0"/>
-              <a:t>17/06/23</a:t>
+              <a:t>17/06/24</a:t>
             </a:fld>
             <a:endParaRPr kumimoji="1" lang="ja-JP" altLang="en-US"/>
           </a:p>
@@ -2203,7 +2206,7 @@
           <a:p>
             <a:fld id="{6B6E55ED-8B76-A544-823D-B5AAB954A02C}" type="datetimeFigureOut">
               <a:rPr kumimoji="1" lang="ja-JP" altLang="en-US" smtClean="0"/>
-              <a:t>17/06/23</a:t>
+              <a:t>17/06/24</a:t>
             </a:fld>
             <a:endParaRPr kumimoji="1" lang="ja-JP" altLang="en-US"/>
           </a:p>
@@ -2512,7 +2515,7 @@
           <a:p>
             <a:fld id="{6B6E55ED-8B76-A544-823D-B5AAB954A02C}" type="datetimeFigureOut">
               <a:rPr kumimoji="1" lang="ja-JP" altLang="en-US" smtClean="0"/>
-              <a:t>17/06/23</a:t>
+              <a:t>17/06/24</a:t>
             </a:fld>
             <a:endParaRPr kumimoji="1" lang="ja-JP" altLang="en-US"/>
           </a:p>
@@ -2765,7 +2768,7 @@
           <a:p>
             <a:fld id="{6B6E55ED-8B76-A544-823D-B5AAB954A02C}" type="datetimeFigureOut">
               <a:rPr kumimoji="1" lang="ja-JP" altLang="en-US" smtClean="0"/>
-              <a:t>17/06/23</a:t>
+              <a:t>17/06/24</a:t>
             </a:fld>
             <a:endParaRPr kumimoji="1" lang="ja-JP" altLang="en-US"/>
           </a:p>
@@ -3010,7 +3013,7 @@
           <a:p>
             <a:fld id="{6B6E55ED-8B76-A544-823D-B5AAB954A02C}" type="datetimeFigureOut">
               <a:rPr kumimoji="1" lang="ja-JP" altLang="en-US" smtClean="0"/>
-              <a:t>17/06/23</a:t>
+              <a:t>17/06/24</a:t>
             </a:fld>
             <a:endParaRPr kumimoji="1" lang="ja-JP" altLang="en-US"/>
           </a:p>
@@ -3385,6 +3388,280 @@
           <a:chExt cx="0" cy="0"/>
         </a:xfrm>
       </p:grpSpPr>
+      <p:pic>
+        <p:nvPicPr>
+          <p:cNvPr id="2" name="図 1" descr="pt-noref200,20k.png"/>
+          <p:cNvPicPr>
+            <a:picLocks noChangeAspect="1"/>
+          </p:cNvPicPr>
+          <p:nvPr/>
+        </p:nvPicPr>
+        <p:blipFill>
+          <a:blip r:embed="rId2">
+            <a:extLst>
+              <a:ext uri="{28A0092B-C50C-407E-A947-70E740481C1C}">
+                <a14:useLocalDpi xmlns:a14="http://schemas.microsoft.com/office/drawing/2010/main" val="0"/>
+              </a:ext>
+            </a:extLst>
+          </a:blip>
+          <a:stretch>
+            <a:fillRect/>
+          </a:stretch>
+        </p:blipFill>
+        <p:spPr>
+          <a:xfrm>
+            <a:off x="1525204" y="355698"/>
+            <a:ext cx="2145125" cy="2145125"/>
+          </a:xfrm>
+          <a:prstGeom prst="rect">
+            <a:avLst/>
+          </a:prstGeom>
+        </p:spPr>
+      </p:pic>
+      <p:pic>
+        <p:nvPicPr>
+          <p:cNvPr id="3" name="図 2" descr="pt-noref200-0.2,20k-c.png"/>
+          <p:cNvPicPr>
+            <a:picLocks noChangeAspect="1"/>
+          </p:cNvPicPr>
+          <p:nvPr/>
+        </p:nvPicPr>
+        <p:blipFill>
+          <a:blip r:embed="rId3">
+            <a:extLst>
+              <a:ext uri="{28A0092B-C50C-407E-A947-70E740481C1C}">
+                <a14:useLocalDpi xmlns:a14="http://schemas.microsoft.com/office/drawing/2010/main" val="0"/>
+              </a:ext>
+            </a:extLst>
+          </a:blip>
+          <a:stretch>
+            <a:fillRect/>
+          </a:stretch>
+        </p:blipFill>
+        <p:spPr>
+          <a:xfrm>
+            <a:off x="4459256" y="370129"/>
+            <a:ext cx="2130694" cy="2130694"/>
+          </a:xfrm>
+          <a:prstGeom prst="rect">
+            <a:avLst/>
+          </a:prstGeom>
+        </p:spPr>
+      </p:pic>
+      <p:sp>
+        <p:nvSpPr>
+          <p:cNvPr id="4" name="テキスト ボックス 3"/>
+          <p:cNvSpPr txBox="1"/>
+          <p:nvPr/>
+        </p:nvSpPr>
+        <p:spPr>
+          <a:xfrm>
+            <a:off x="1664386" y="2621642"/>
+            <a:ext cx="4724370" cy="246221"/>
+          </a:xfrm>
+          <a:prstGeom prst="rect">
+            <a:avLst/>
+          </a:prstGeom>
+          <a:noFill/>
+        </p:spPr>
+        <p:txBody>
+          <a:bodyPr wrap="none" rtlCol="0">
+            <a:spAutoFit/>
+          </a:bodyPr>
+          <a:lstStyle/>
+          <a:p>
+            <a:r>
+              <a:rPr lang="ja-JP" altLang="en-US" sz="1000" dirty="0" smtClean="0">
+                <a:latin typeface="メイリオ"/>
+                <a:ea typeface="メイリオ"/>
+                <a:cs typeface="メイリオ"/>
+              </a:rPr>
+              <a:t>図</a:t>
+            </a:r>
+            <a:r>
+              <a:rPr lang="en-US" altLang="ja-JP" sz="1000" dirty="0" smtClean="0">
+                <a:latin typeface="メイリオ"/>
+                <a:ea typeface="メイリオ"/>
+                <a:cs typeface="メイリオ"/>
+              </a:rPr>
+              <a:t>1:</a:t>
+            </a:r>
+            <a:r>
+              <a:rPr lang="ja-JP" altLang="en-US" sz="1000" dirty="0" smtClean="0">
+                <a:latin typeface="メイリオ"/>
+                <a:ea typeface="メイリオ"/>
+                <a:cs typeface="メイリオ"/>
+              </a:rPr>
+              <a:t> 反射なしの画像、左がフォトンマッピング、右が古典レイトレーシング</a:t>
+            </a:r>
+            <a:endParaRPr kumimoji="1" lang="ja-JP" altLang="en-US" sz="1000" dirty="0">
+              <a:latin typeface="メイリオ"/>
+              <a:ea typeface="メイリオ"/>
+              <a:cs typeface="メイリオ"/>
+            </a:endParaRPr>
+          </a:p>
+        </p:txBody>
+      </p:sp>
+      <p:pic>
+        <p:nvPicPr>
+          <p:cNvPr id="5" name="図 4" descr="pt-noref200-0.2,20k-c.png"/>
+          <p:cNvPicPr>
+            <a:picLocks noChangeAspect="1"/>
+          </p:cNvPicPr>
+          <p:nvPr/>
+        </p:nvPicPr>
+        <p:blipFill>
+          <a:blip r:embed="rId3">
+            <a:extLst>
+              <a:ext uri="{28A0092B-C50C-407E-A947-70E740481C1C}">
+                <a14:useLocalDpi xmlns:a14="http://schemas.microsoft.com/office/drawing/2010/main" val="0"/>
+              </a:ext>
+            </a:extLst>
+          </a:blip>
+          <a:stretch>
+            <a:fillRect/>
+          </a:stretch>
+        </p:blipFill>
+        <p:spPr>
+          <a:xfrm>
+            <a:off x="4459256" y="3372980"/>
+            <a:ext cx="2130694" cy="2130694"/>
+          </a:xfrm>
+          <a:prstGeom prst="rect">
+            <a:avLst/>
+          </a:prstGeom>
+        </p:spPr>
+      </p:pic>
+      <p:sp>
+        <p:nvSpPr>
+          <p:cNvPr id="6" name="テキスト ボックス 5"/>
+          <p:cNvSpPr txBox="1"/>
+          <p:nvPr/>
+        </p:nvSpPr>
+        <p:spPr>
+          <a:xfrm>
+            <a:off x="1645446" y="5624493"/>
+            <a:ext cx="4537320" cy="246221"/>
+          </a:xfrm>
+          <a:prstGeom prst="rect">
+            <a:avLst/>
+          </a:prstGeom>
+          <a:noFill/>
+        </p:spPr>
+        <p:txBody>
+          <a:bodyPr wrap="none" rtlCol="0">
+            <a:spAutoFit/>
+          </a:bodyPr>
+          <a:lstStyle/>
+          <a:p>
+            <a:r>
+              <a:rPr lang="ja-JP" altLang="en-US" sz="1000" dirty="0" smtClean="0">
+                <a:latin typeface="メイリオ"/>
+                <a:ea typeface="メイリオ"/>
+                <a:cs typeface="メイリオ"/>
+              </a:rPr>
+              <a:t>図</a:t>
+            </a:r>
+            <a:r>
+              <a:rPr lang="en-US" altLang="ja-JP" sz="1000" dirty="0" smtClean="0">
+                <a:latin typeface="メイリオ"/>
+                <a:ea typeface="メイリオ"/>
+                <a:cs typeface="メイリオ"/>
+              </a:rPr>
+              <a:t>2:</a:t>
+            </a:r>
+            <a:r>
+              <a:rPr lang="ja-JP" altLang="en-US" sz="1000" dirty="0" smtClean="0">
+                <a:latin typeface="メイリオ"/>
+                <a:ea typeface="メイリオ"/>
+                <a:cs typeface="メイリオ"/>
+              </a:rPr>
+              <a:t> フォトンマッピングでフォトン収集範囲を</a:t>
+            </a:r>
+            <a:r>
+              <a:rPr lang="en-US" altLang="ja-JP" sz="1000" dirty="0" smtClean="0">
+                <a:latin typeface="メイリオ"/>
+                <a:ea typeface="メイリオ"/>
+                <a:cs typeface="メイリオ"/>
+              </a:rPr>
+              <a:t>0.2m</a:t>
+            </a:r>
+            <a:r>
+              <a:rPr lang="ja-JP" altLang="en-US" sz="1000" dirty="0" smtClean="0">
+                <a:latin typeface="メイリオ"/>
+                <a:ea typeface="メイリオ"/>
+                <a:cs typeface="メイリオ"/>
+              </a:rPr>
+              <a:t>に限定した場合（左）</a:t>
+            </a:r>
+            <a:endParaRPr kumimoji="1" lang="ja-JP" altLang="en-US" sz="1000" dirty="0">
+              <a:latin typeface="メイリオ"/>
+              <a:ea typeface="メイリオ"/>
+              <a:cs typeface="メイリオ"/>
+            </a:endParaRPr>
+          </a:p>
+        </p:txBody>
+      </p:sp>
+      <p:pic>
+        <p:nvPicPr>
+          <p:cNvPr id="7" name="図 6" descr="pt-noref200-0.2,20k.png"/>
+          <p:cNvPicPr>
+            <a:picLocks noChangeAspect="1"/>
+          </p:cNvPicPr>
+          <p:nvPr/>
+        </p:nvPicPr>
+        <p:blipFill>
+          <a:blip r:embed="rId4">
+            <a:extLst>
+              <a:ext uri="{28A0092B-C50C-407E-A947-70E740481C1C}">
+                <a14:useLocalDpi xmlns:a14="http://schemas.microsoft.com/office/drawing/2010/main" val="0"/>
+              </a:ext>
+            </a:extLst>
+          </a:blip>
+          <a:stretch>
+            <a:fillRect/>
+          </a:stretch>
+        </p:blipFill>
+        <p:spPr>
+          <a:xfrm>
+            <a:off x="1525204" y="3359898"/>
+            <a:ext cx="2143775" cy="2143775"/>
+          </a:xfrm>
+          <a:prstGeom prst="rect">
+            <a:avLst/>
+          </a:prstGeom>
+        </p:spPr>
+      </p:pic>
+    </p:spTree>
+    <p:extLst>
+      <p:ext uri="{BB962C8B-B14F-4D97-AF65-F5344CB8AC3E}">
+        <p14:creationId xmlns:p14="http://schemas.microsoft.com/office/powerpoint/2010/main" val="4094159451"/>
+      </p:ext>
+    </p:extLst>
+  </p:cSld>
+  <p:clrMapOvr>
+    <a:masterClrMapping/>
+  </p:clrMapOvr>
+</p:sld>
+</file>
+
+<file path=ppt/slides/slide2.xml><?xml version="1.0" encoding="utf-8"?>
+<p:sld xmlns:a="http://schemas.openxmlformats.org/drawingml/2006/main" xmlns:r="http://schemas.openxmlformats.org/officeDocument/2006/relationships" xmlns:p="http://schemas.openxmlformats.org/presentationml/2006/main">
+  <p:cSld>
+    <p:spTree>
+      <p:nvGrpSpPr>
+        <p:cNvPr id="1" name=""/>
+        <p:cNvGrpSpPr/>
+        <p:nvPr/>
+      </p:nvGrpSpPr>
+      <p:grpSpPr>
+        <a:xfrm>
+          <a:off x="0" y="0"/>
+          <a:ext cx="0" cy="0"/>
+          <a:chOff x="0" y="0"/>
+          <a:chExt cx="0" cy="0"/>
+        </a:xfrm>
+      </p:grpSpPr>
       <p:sp>
         <p:nvSpPr>
           <p:cNvPr id="11" name="テキスト ボックス 10"/>
@@ -4170,8 +4447,8 @@
         </p:nvSpPr>
         <p:spPr>
           <a:xfrm>
-            <a:off x="899530" y="2621642"/>
-            <a:ext cx="2652289" cy="246221"/>
+            <a:off x="1497540" y="2586221"/>
+            <a:ext cx="4289355" cy="246221"/>
           </a:xfrm>
           <a:prstGeom prst="rect">
             <a:avLst/>
@@ -4185,58 +4462,20 @@
           <a:lstStyle/>
           <a:p>
             <a:r>
-              <a:rPr lang="en-US" altLang="en-US" sz="1000" dirty="0" smtClean="0">
-                <a:latin typeface="メイリオ"/>
-                <a:ea typeface="メイリオ"/>
-                <a:cs typeface="メイリオ"/>
-              </a:rPr>
-              <a:t>(step 1) </a:t>
-            </a:r>
-            <a:r>
               <a:rPr lang="ja-JP" altLang="en-US" sz="1000" dirty="0" smtClean="0">
                 <a:latin typeface="メイリオ"/>
                 <a:ea typeface="メイリオ"/>
                 <a:cs typeface="メイリオ"/>
               </a:rPr>
-              <a:t>水平な平面で反射ベクトルを生成</a:t>
-            </a:r>
-            <a:endParaRPr kumimoji="1" lang="ja-JP" altLang="en-US" sz="1000" dirty="0">
-              <a:latin typeface="メイリオ"/>
-              <a:ea typeface="メイリオ"/>
-              <a:cs typeface="メイリオ"/>
-            </a:endParaRPr>
-          </a:p>
-        </p:txBody>
-      </p:sp>
-      <p:sp>
-        <p:nvSpPr>
-          <p:cNvPr id="57" name="テキスト ボックス 56"/>
-          <p:cNvSpPr txBox="1"/>
-          <p:nvPr/>
-        </p:nvSpPr>
-        <p:spPr>
-          <a:xfrm>
-            <a:off x="4281665" y="2625123"/>
-            <a:ext cx="2267568" cy="246221"/>
-          </a:xfrm>
-          <a:prstGeom prst="rect">
-            <a:avLst/>
-          </a:prstGeom>
-          <a:noFill/>
-        </p:spPr>
-        <p:txBody>
-          <a:bodyPr wrap="none" rtlCol="0">
-            <a:spAutoFit/>
-          </a:bodyPr>
-          <a:lstStyle/>
-          <a:p>
-            <a:r>
-              <a:rPr lang="en-US" altLang="en-US" sz="1000" dirty="0" smtClean="0">
-                <a:latin typeface="メイリオ"/>
-                <a:ea typeface="メイリオ"/>
-                <a:cs typeface="メイリオ"/>
-              </a:rPr>
-              <a:t>(step 2) </a:t>
+              <a:t>図</a:t>
+            </a:r>
+            <a:r>
+              <a:rPr lang="en-US" altLang="ja-JP" sz="1000" dirty="0" smtClean="0">
+                <a:latin typeface="メイリオ"/>
+                <a:ea typeface="メイリオ"/>
+                <a:cs typeface="メイリオ"/>
+              </a:rPr>
+              <a:t>3:</a:t>
             </a:r>
             <a:r>
               <a:rPr lang="ja-JP" altLang="en-US" sz="1000" dirty="0" smtClean="0">
@@ -4244,7 +4483,55 @@
                 <a:ea typeface="メイリオ"/>
                 <a:cs typeface="メイリオ"/>
               </a:rPr>
+              <a:t> </a:t>
+            </a:r>
+            <a:r>
+              <a:rPr lang="ja-JP" altLang="en-US" sz="1000" dirty="0" smtClean="0">
+                <a:latin typeface="メイリオ"/>
+                <a:ea typeface="メイリオ"/>
+                <a:cs typeface="メイリオ"/>
+              </a:rPr>
+              <a:t>水平</a:t>
+            </a:r>
+            <a:r>
+              <a:rPr lang="ja-JP" altLang="en-US" sz="1000" dirty="0" smtClean="0">
+                <a:latin typeface="メイリオ"/>
+                <a:ea typeface="メイリオ"/>
+                <a:cs typeface="メイリオ"/>
+              </a:rPr>
+              <a:t>な平面で反射ベクトルを</a:t>
+            </a:r>
+            <a:r>
+              <a:rPr lang="ja-JP" altLang="en-US" sz="1000" dirty="0" smtClean="0">
+                <a:latin typeface="メイリオ"/>
+                <a:ea typeface="メイリオ"/>
+                <a:cs typeface="メイリオ"/>
+              </a:rPr>
+              <a:t>生成</a:t>
+            </a:r>
+            <a:r>
+              <a:rPr lang="en-US" altLang="ja-JP" sz="1000" dirty="0" smtClean="0">
+                <a:latin typeface="メイリオ"/>
+                <a:ea typeface="メイリオ"/>
+                <a:cs typeface="メイリオ"/>
+              </a:rPr>
+              <a:t> → </a:t>
+            </a:r>
+            <a:r>
+              <a:rPr lang="ja-JP" altLang="en-US" sz="1000" dirty="0" smtClean="0">
+                <a:latin typeface="メイリオ"/>
+                <a:ea typeface="メイリオ"/>
+                <a:cs typeface="メイリオ"/>
+              </a:rPr>
               <a:t>実際の平面に合わせて回転</a:t>
+            </a:r>
+            <a:r>
+              <a:rPr lang="en-US" altLang="ja-JP" sz="1000" dirty="0" smtClean="0">
+                <a:latin typeface="メイリオ"/>
+                <a:ea typeface="メイリオ"/>
+                <a:cs typeface="メイリオ"/>
+              </a:rPr>
+              <a:t> </a:t>
             </a:r>
             <a:endParaRPr kumimoji="1" lang="ja-JP" altLang="en-US" sz="1000" dirty="0">
               <a:latin typeface="メイリオ"/>
@@ -5146,8 +5433,8 @@
         </p:nvSpPr>
         <p:spPr>
           <a:xfrm>
-            <a:off x="1070531" y="5297109"/>
-            <a:ext cx="2678588" cy="246221"/>
+            <a:off x="1558278" y="5173998"/>
+            <a:ext cx="4570482" cy="246221"/>
           </a:xfrm>
           <a:prstGeom prst="rect">
             <a:avLst/>
@@ -5161,20 +5448,12 @@
           <a:lstStyle/>
           <a:p>
             <a:r>
-              <a:rPr lang="en-US" altLang="en-US" sz="1000" dirty="0" smtClean="0">
-                <a:latin typeface="メイリオ"/>
-                <a:ea typeface="メイリオ"/>
-                <a:cs typeface="メイリオ"/>
-              </a:rPr>
-              <a:t>(a) </a:t>
-            </a:r>
-            <a:r>
               <a:rPr lang="ja-JP" altLang="en-US" sz="1000" dirty="0" smtClean="0">
                 <a:latin typeface="メイリオ"/>
                 <a:ea typeface="メイリオ"/>
                 <a:cs typeface="メイリオ"/>
               </a:rPr>
-              <a:t>法線とのなす角</a:t>
+              <a:t>図</a:t>
             </a:r>
             <a:r>
               <a:rPr lang="en-US" altLang="ja-JP" sz="1000" dirty="0" smtClean="0">
@@ -5182,6 +5461,30 @@
                 <a:ea typeface="メイリオ"/>
                 <a:cs typeface="メイリオ"/>
               </a:rPr>
+              <a:t>4: </a:t>
+            </a:r>
+            <a:r>
+              <a:rPr lang="ja-JP" altLang="en-US" sz="1000" dirty="0" smtClean="0">
+                <a:latin typeface="メイリオ"/>
+                <a:ea typeface="メイリオ"/>
+                <a:cs typeface="メイリオ"/>
+              </a:rPr>
+              <a:t>法線</a:t>
+            </a:r>
+            <a:r>
+              <a:rPr lang="ja-JP" altLang="en-US" sz="1000" dirty="0" smtClean="0">
+                <a:latin typeface="メイリオ"/>
+                <a:ea typeface="メイリオ"/>
+                <a:cs typeface="メイリオ"/>
+              </a:rPr>
+              <a:t>とのなす角</a:t>
+            </a:r>
+            <a:r>
+              <a:rPr lang="en-US" altLang="ja-JP" sz="1000" dirty="0" smtClean="0">
+                <a:latin typeface="メイリオ"/>
+                <a:ea typeface="メイリオ"/>
+                <a:cs typeface="メイリオ"/>
+              </a:rPr>
               <a:t>90°</a:t>
             </a:r>
             <a:r>
@@ -5206,7 +5509,7 @@
                 <a:ea typeface="メイリオ"/>
                 <a:cs typeface="メイリオ"/>
               </a:rPr>
-              <a:t>そのまま採用</a:t>
+              <a:t>左</a:t>
             </a:r>
             <a:r>
               <a:rPr lang="en-US" altLang="ja-JP" sz="1000" dirty="0" smtClean="0">
@@ -5216,43 +5519,13 @@
               </a:rPr>
               <a:t>)</a:t>
             </a:r>
-            <a:endParaRPr kumimoji="1" lang="ja-JP" altLang="en-US" sz="1000" dirty="0">
-              <a:latin typeface="メイリオ"/>
-              <a:ea typeface="メイリオ"/>
-              <a:cs typeface="メイリオ"/>
-            </a:endParaRPr>
-          </a:p>
-        </p:txBody>
-      </p:sp>
-      <p:sp>
-        <p:nvSpPr>
-          <p:cNvPr id="105" name="テキスト ボックス 104"/>
-          <p:cNvSpPr txBox="1"/>
-          <p:nvPr/>
-        </p:nvSpPr>
-        <p:spPr>
-          <a:xfrm>
-            <a:off x="3993799" y="5300590"/>
-            <a:ext cx="2697749" cy="246221"/>
-          </a:xfrm>
-          <a:prstGeom prst="rect">
-            <a:avLst/>
-          </a:prstGeom>
-          <a:noFill/>
-        </p:spPr>
-        <p:txBody>
-          <a:bodyPr wrap="none" rtlCol="0">
-            <a:spAutoFit/>
-          </a:bodyPr>
-          <a:lstStyle/>
-          <a:p>
-            <a:r>
-              <a:rPr lang="en-US" altLang="en-US" sz="1000" dirty="0" smtClean="0">
-                <a:latin typeface="メイリオ"/>
-                <a:ea typeface="メイリオ"/>
-                <a:cs typeface="メイリオ"/>
-              </a:rPr>
-              <a:t>(b) </a:t>
+            <a:r>
+              <a:rPr lang="en-US" altLang="ja-JP" sz="1000" dirty="0" smtClean="0">
+                <a:latin typeface="メイリオ"/>
+                <a:ea typeface="メイリオ"/>
+                <a:cs typeface="メイリオ"/>
+              </a:rPr>
+              <a:t> </a:t>
             </a:r>
             <a:r>
               <a:rPr lang="ja-JP" altLang="en-US" sz="1000" dirty="0" smtClean="0">
@@ -5260,7 +5533,7 @@
                 <a:ea typeface="メイリオ"/>
                 <a:cs typeface="メイリオ"/>
               </a:rPr>
-              <a:t>法線とのなす角</a:t>
+              <a:t>、法線とのなす角が</a:t>
             </a:r>
             <a:r>
               <a:rPr lang="en-US" altLang="ja-JP" sz="1000" dirty="0" smtClean="0">
@@ -5276,17 +5549,9 @@
                 <a:ea typeface="メイリオ"/>
                 <a:cs typeface="メイリオ"/>
               </a:rPr>
-              <a:t>以上（反転させる）</a:t>
-            </a:r>
-            <a:r>
-              <a:rPr lang="en-US" altLang="en-US" sz="1000" dirty="0" smtClean="0">
-                <a:latin typeface="メイリオ"/>
-                <a:ea typeface="メイリオ"/>
-                <a:cs typeface="メイリオ"/>
-              </a:rPr>
-              <a:t> </a:t>
-            </a:r>
-            <a:endParaRPr kumimoji="1" lang="ja-JP" altLang="en-US" sz="1000" dirty="0">
+              <a:t>以上は反転（右）</a:t>
+            </a:r>
+            <a:endParaRPr lang="en-US" altLang="ja-JP" sz="1000" dirty="0">
               <a:latin typeface="メイリオ"/>
               <a:ea typeface="メイリオ"/>
               <a:cs typeface="メイリオ"/>
@@ -5424,764 +5689,6 @@
     <p:extLst>
       <p:ext uri="{BB962C8B-B14F-4D97-AF65-F5344CB8AC3E}">
         <p14:creationId xmlns:p14="http://schemas.microsoft.com/office/powerpoint/2010/main" val="266291111"/>
-      </p:ext>
-    </p:extLst>
-  </p:cSld>
-  <p:clrMapOvr>
-    <a:masterClrMapping/>
-  </p:clrMapOvr>
-</p:sld>
-</file>
-
-<file path=ppt/slides/slide2.xml><?xml version="1.0" encoding="utf-8"?>
-<p:sld xmlns:a="http://schemas.openxmlformats.org/drawingml/2006/main" xmlns:r="http://schemas.openxmlformats.org/officeDocument/2006/relationships" xmlns:p="http://schemas.openxmlformats.org/presentationml/2006/main">
-  <p:cSld>
-    <p:spTree>
-      <p:nvGrpSpPr>
-        <p:cNvPr id="1" name=""/>
-        <p:cNvGrpSpPr/>
-        <p:nvPr/>
-      </p:nvGrpSpPr>
-      <p:grpSpPr>
-        <a:xfrm>
-          <a:off x="0" y="0"/>
-          <a:ext cx="0" cy="0"/>
-          <a:chOff x="0" y="0"/>
-          <a:chExt cx="0" cy="0"/>
-        </a:xfrm>
-      </p:grpSpPr>
-      <p:cxnSp>
-        <p:nvCxnSpPr>
-          <p:cNvPr id="5" name="直線コネクタ 4"/>
-          <p:cNvCxnSpPr/>
-          <p:nvPr/>
-        </p:nvCxnSpPr>
-        <p:spPr>
-          <a:xfrm>
-            <a:off x="1828800" y="1786467"/>
-            <a:ext cx="2734733" cy="0"/>
-          </a:xfrm>
-          <a:prstGeom prst="line">
-            <a:avLst/>
-          </a:prstGeom>
-          <a:ln>
-            <a:solidFill>
-              <a:schemeClr val="tx1"/>
-            </a:solidFill>
-          </a:ln>
-        </p:spPr>
-        <p:style>
-          <a:lnRef idx="2">
-            <a:schemeClr val="accent1"/>
-          </a:lnRef>
-          <a:fillRef idx="0">
-            <a:schemeClr val="accent1"/>
-          </a:fillRef>
-          <a:effectRef idx="1">
-            <a:schemeClr val="accent1"/>
-          </a:effectRef>
-          <a:fontRef idx="minor">
-            <a:schemeClr val="tx1"/>
-          </a:fontRef>
-        </p:style>
-      </p:cxnSp>
-      <p:cxnSp>
-        <p:nvCxnSpPr>
-          <p:cNvPr id="7" name="直線コネクタ 6"/>
-          <p:cNvCxnSpPr/>
-          <p:nvPr/>
-        </p:nvCxnSpPr>
-        <p:spPr>
-          <a:xfrm>
-            <a:off x="1828800" y="1634067"/>
-            <a:ext cx="0" cy="304800"/>
-          </a:xfrm>
-          <a:prstGeom prst="line">
-            <a:avLst/>
-          </a:prstGeom>
-          <a:ln>
-            <a:solidFill>
-              <a:srgbClr val="000000"/>
-            </a:solidFill>
-          </a:ln>
-        </p:spPr>
-        <p:style>
-          <a:lnRef idx="2">
-            <a:schemeClr val="accent1"/>
-          </a:lnRef>
-          <a:fillRef idx="0">
-            <a:schemeClr val="accent1"/>
-          </a:fillRef>
-          <a:effectRef idx="1">
-            <a:schemeClr val="accent1"/>
-          </a:effectRef>
-          <a:fontRef idx="minor">
-            <a:schemeClr val="tx1"/>
-          </a:fontRef>
-        </p:style>
-      </p:cxnSp>
-      <p:cxnSp>
-        <p:nvCxnSpPr>
-          <p:cNvPr id="8" name="直線コネクタ 7"/>
-          <p:cNvCxnSpPr/>
-          <p:nvPr/>
-        </p:nvCxnSpPr>
-        <p:spPr>
-          <a:xfrm>
-            <a:off x="2599266" y="1642534"/>
-            <a:ext cx="0" cy="304800"/>
-          </a:xfrm>
-          <a:prstGeom prst="line">
-            <a:avLst/>
-          </a:prstGeom>
-          <a:ln>
-            <a:solidFill>
-              <a:srgbClr val="000000"/>
-            </a:solidFill>
-          </a:ln>
-        </p:spPr>
-        <p:style>
-          <a:lnRef idx="2">
-            <a:schemeClr val="accent1"/>
-          </a:lnRef>
-          <a:fillRef idx="0">
-            <a:schemeClr val="accent1"/>
-          </a:fillRef>
-          <a:effectRef idx="1">
-            <a:schemeClr val="accent1"/>
-          </a:effectRef>
-          <a:fontRef idx="minor">
-            <a:schemeClr val="tx1"/>
-          </a:fontRef>
-        </p:style>
-      </p:cxnSp>
-      <p:cxnSp>
-        <p:nvCxnSpPr>
-          <p:cNvPr id="9" name="直線コネクタ 8"/>
-          <p:cNvCxnSpPr/>
-          <p:nvPr/>
-        </p:nvCxnSpPr>
-        <p:spPr>
-          <a:xfrm>
-            <a:off x="4072466" y="1642534"/>
-            <a:ext cx="0" cy="304800"/>
-          </a:xfrm>
-          <a:prstGeom prst="line">
-            <a:avLst/>
-          </a:prstGeom>
-          <a:ln>
-            <a:solidFill>
-              <a:srgbClr val="000000"/>
-            </a:solidFill>
-          </a:ln>
-        </p:spPr>
-        <p:style>
-          <a:lnRef idx="2">
-            <a:schemeClr val="accent1"/>
-          </a:lnRef>
-          <a:fillRef idx="0">
-            <a:schemeClr val="accent1"/>
-          </a:fillRef>
-          <a:effectRef idx="1">
-            <a:schemeClr val="accent1"/>
-          </a:effectRef>
-          <a:fontRef idx="minor">
-            <a:schemeClr val="tx1"/>
-          </a:fontRef>
-        </p:style>
-      </p:cxnSp>
-      <p:cxnSp>
-        <p:nvCxnSpPr>
-          <p:cNvPr id="10" name="直線コネクタ 9"/>
-          <p:cNvCxnSpPr/>
-          <p:nvPr/>
-        </p:nvCxnSpPr>
-        <p:spPr>
-          <a:xfrm>
-            <a:off x="4563533" y="1634067"/>
-            <a:ext cx="0" cy="304800"/>
-          </a:xfrm>
-          <a:prstGeom prst="line">
-            <a:avLst/>
-          </a:prstGeom>
-          <a:ln>
-            <a:solidFill>
-              <a:srgbClr val="000000"/>
-            </a:solidFill>
-          </a:ln>
-        </p:spPr>
-        <p:style>
-          <a:lnRef idx="2">
-            <a:schemeClr val="accent1"/>
-          </a:lnRef>
-          <a:fillRef idx="0">
-            <a:schemeClr val="accent1"/>
-          </a:fillRef>
-          <a:effectRef idx="1">
-            <a:schemeClr val="accent1"/>
-          </a:effectRef>
-          <a:fontRef idx="minor">
-            <a:schemeClr val="tx1"/>
-          </a:fontRef>
-        </p:style>
-      </p:cxnSp>
-      <p:sp>
-        <p:nvSpPr>
-          <p:cNvPr id="17" name="円弧 16"/>
-          <p:cNvSpPr/>
-          <p:nvPr/>
-        </p:nvSpPr>
-        <p:spPr>
-          <a:xfrm>
-            <a:off x="1828800" y="1210732"/>
-            <a:ext cx="2734735" cy="795869"/>
-          </a:xfrm>
-          <a:prstGeom prst="arc">
-            <a:avLst>
-              <a:gd name="adj1" fmla="val 10801580"/>
-              <a:gd name="adj2" fmla="val 0"/>
-            </a:avLst>
-          </a:prstGeom>
-          <a:ln w="9525" cmpd="sng"/>
-          <a:effectLst/>
-        </p:spPr>
-        <p:style>
-          <a:lnRef idx="2">
-            <a:schemeClr val="accent1"/>
-          </a:lnRef>
-          <a:fillRef idx="0">
-            <a:schemeClr val="accent1"/>
-          </a:fillRef>
-          <a:effectRef idx="1">
-            <a:schemeClr val="accent1"/>
-          </a:effectRef>
-          <a:fontRef idx="minor">
-            <a:schemeClr val="tx1"/>
-          </a:fontRef>
-        </p:style>
-        <p:txBody>
-          <a:bodyPr rtlCol="0" anchor="ctr"/>
-          <a:lstStyle/>
-          <a:p>
-            <a:pPr algn="ctr"/>
-            <a:endParaRPr kumimoji="1" lang="ja-JP" altLang="en-US"/>
-          </a:p>
-        </p:txBody>
-      </p:sp>
-      <p:sp>
-        <p:nvSpPr>
-          <p:cNvPr id="18" name="円弧 17"/>
-          <p:cNvSpPr/>
-          <p:nvPr/>
-        </p:nvSpPr>
-        <p:spPr>
-          <a:xfrm rot="10800000">
-            <a:off x="1828799" y="1672166"/>
-            <a:ext cx="770466" cy="668869"/>
-          </a:xfrm>
-          <a:prstGeom prst="arc">
-            <a:avLst>
-              <a:gd name="adj1" fmla="val 10801580"/>
-              <a:gd name="adj2" fmla="val 0"/>
-            </a:avLst>
-          </a:prstGeom>
-          <a:ln w="9525" cmpd="sng"/>
-          <a:effectLst/>
-        </p:spPr>
-        <p:style>
-          <a:lnRef idx="2">
-            <a:schemeClr val="accent1"/>
-          </a:lnRef>
-          <a:fillRef idx="0">
-            <a:schemeClr val="accent1"/>
-          </a:fillRef>
-          <a:effectRef idx="1">
-            <a:schemeClr val="accent1"/>
-          </a:effectRef>
-          <a:fontRef idx="minor">
-            <a:schemeClr val="tx1"/>
-          </a:fontRef>
-        </p:style>
-        <p:txBody>
-          <a:bodyPr rtlCol="0" anchor="ctr"/>
-          <a:lstStyle/>
-          <a:p>
-            <a:pPr algn="ctr"/>
-            <a:endParaRPr kumimoji="1" lang="ja-JP" altLang="en-US"/>
-          </a:p>
-        </p:txBody>
-      </p:sp>
-      <p:sp>
-        <p:nvSpPr>
-          <p:cNvPr id="19" name="円弧 18"/>
-          <p:cNvSpPr/>
-          <p:nvPr/>
-        </p:nvSpPr>
-        <p:spPr>
-          <a:xfrm rot="10800000">
-            <a:off x="2599264" y="1693333"/>
-            <a:ext cx="1473201" cy="668869"/>
-          </a:xfrm>
-          <a:prstGeom prst="arc">
-            <a:avLst>
-              <a:gd name="adj1" fmla="val 10801580"/>
-              <a:gd name="adj2" fmla="val 0"/>
-            </a:avLst>
-          </a:prstGeom>
-          <a:ln w="9525" cmpd="sng"/>
-          <a:effectLst/>
-        </p:spPr>
-        <p:style>
-          <a:lnRef idx="2">
-            <a:schemeClr val="accent1"/>
-          </a:lnRef>
-          <a:fillRef idx="0">
-            <a:schemeClr val="accent1"/>
-          </a:fillRef>
-          <a:effectRef idx="1">
-            <a:schemeClr val="accent1"/>
-          </a:effectRef>
-          <a:fontRef idx="minor">
-            <a:schemeClr val="tx1"/>
-          </a:fontRef>
-        </p:style>
-        <p:txBody>
-          <a:bodyPr rtlCol="0" anchor="ctr"/>
-          <a:lstStyle/>
-          <a:p>
-            <a:pPr algn="ctr"/>
-            <a:endParaRPr kumimoji="1" lang="ja-JP" altLang="en-US"/>
-          </a:p>
-        </p:txBody>
-      </p:sp>
-      <p:sp>
-        <p:nvSpPr>
-          <p:cNvPr id="20" name="円弧 19"/>
-          <p:cNvSpPr/>
-          <p:nvPr/>
-        </p:nvSpPr>
-        <p:spPr>
-          <a:xfrm rot="10800000">
-            <a:off x="4072465" y="1693332"/>
-            <a:ext cx="491070" cy="668869"/>
-          </a:xfrm>
-          <a:prstGeom prst="arc">
-            <a:avLst>
-              <a:gd name="adj1" fmla="val 10801580"/>
-              <a:gd name="adj2" fmla="val 0"/>
-            </a:avLst>
-          </a:prstGeom>
-          <a:ln w="9525" cmpd="sng"/>
-          <a:effectLst/>
-        </p:spPr>
-        <p:style>
-          <a:lnRef idx="2">
-            <a:schemeClr val="accent1"/>
-          </a:lnRef>
-          <a:fillRef idx="0">
-            <a:schemeClr val="accent1"/>
-          </a:fillRef>
-          <a:effectRef idx="1">
-            <a:schemeClr val="accent1"/>
-          </a:effectRef>
-          <a:fontRef idx="minor">
-            <a:schemeClr val="tx1"/>
-          </a:fontRef>
-        </p:style>
-        <p:txBody>
-          <a:bodyPr rtlCol="0" anchor="ctr"/>
-          <a:lstStyle/>
-          <a:p>
-            <a:pPr algn="ctr"/>
-            <a:endParaRPr kumimoji="1" lang="ja-JP" altLang="en-US"/>
-          </a:p>
-        </p:txBody>
-      </p:sp>
-      <p:sp>
-        <p:nvSpPr>
-          <p:cNvPr id="21" name="円/楕円 20"/>
-          <p:cNvSpPr/>
-          <p:nvPr/>
-        </p:nvSpPr>
-        <p:spPr>
-          <a:xfrm>
-            <a:off x="3745877" y="1757892"/>
-            <a:ext cx="63664" cy="57150"/>
-          </a:xfrm>
-          <a:prstGeom prst="ellipse">
-            <a:avLst/>
-          </a:prstGeom>
-        </p:spPr>
-        <p:style>
-          <a:lnRef idx="2">
-            <a:schemeClr val="dk1">
-              <a:shade val="50000"/>
-            </a:schemeClr>
-          </a:lnRef>
-          <a:fillRef idx="1">
-            <a:schemeClr val="dk1"/>
-          </a:fillRef>
-          <a:effectRef idx="0">
-            <a:schemeClr val="dk1"/>
-          </a:effectRef>
-          <a:fontRef idx="minor">
-            <a:schemeClr val="lt1"/>
-          </a:fontRef>
-        </p:style>
-        <p:txBody>
-          <a:bodyPr rtlCol="0" anchor="ctr"/>
-          <a:lstStyle/>
-          <a:p>
-            <a:pPr algn="ctr"/>
-            <a:endParaRPr kumimoji="1" lang="ja-JP" altLang="en-US"/>
-          </a:p>
-        </p:txBody>
-      </p:sp>
-      <p:sp>
-        <p:nvSpPr>
-          <p:cNvPr id="22" name="テキスト ボックス 21"/>
-          <p:cNvSpPr txBox="1"/>
-          <p:nvPr/>
-        </p:nvSpPr>
-        <p:spPr>
-          <a:xfrm>
-            <a:off x="3078706" y="1075263"/>
-            <a:ext cx="389850" cy="246221"/>
-          </a:xfrm>
-          <a:prstGeom prst="rect">
-            <a:avLst/>
-          </a:prstGeom>
-          <a:solidFill>
-            <a:srgbClr val="FFFFFF"/>
-          </a:solidFill>
-        </p:spPr>
-        <p:txBody>
-          <a:bodyPr wrap="none" rtlCol="0">
-            <a:spAutoFit/>
-          </a:bodyPr>
-          <a:lstStyle/>
-          <a:p>
-            <a:r>
-              <a:rPr kumimoji="1" lang="en-US" altLang="ja-JP" sz="1000" dirty="0" smtClean="0">
-                <a:latin typeface="メイリオ"/>
-                <a:ea typeface="メイリオ"/>
-                <a:cs typeface="メイリオ"/>
-              </a:rPr>
-              <a:t>1.0</a:t>
-            </a:r>
-            <a:endParaRPr kumimoji="1" lang="ja-JP" altLang="en-US" sz="1000" dirty="0">
-              <a:latin typeface="メイリオ"/>
-              <a:ea typeface="メイリオ"/>
-              <a:cs typeface="メイリオ"/>
-            </a:endParaRPr>
-          </a:p>
-        </p:txBody>
-      </p:sp>
-      <p:sp>
-        <p:nvSpPr>
-          <p:cNvPr id="23" name="テキスト ボックス 22"/>
-          <p:cNvSpPr txBox="1"/>
-          <p:nvPr/>
-        </p:nvSpPr>
-        <p:spPr>
-          <a:xfrm>
-            <a:off x="1784873" y="2263746"/>
-            <a:ext cx="700319" cy="400110"/>
-          </a:xfrm>
-          <a:prstGeom prst="rect">
-            <a:avLst/>
-          </a:prstGeom>
-          <a:solidFill>
-            <a:srgbClr val="FFFFFF"/>
-          </a:solidFill>
-        </p:spPr>
-        <p:txBody>
-          <a:bodyPr wrap="none" rtlCol="0">
-            <a:spAutoFit/>
-          </a:bodyPr>
-          <a:lstStyle/>
-          <a:p>
-            <a:pPr algn="ctr"/>
-            <a:r>
-              <a:rPr lang="ja-JP" altLang="en-US" sz="1000" dirty="0" smtClean="0">
-                <a:latin typeface="メイリオ"/>
-                <a:ea typeface="メイリオ"/>
-                <a:cs typeface="メイリオ"/>
-              </a:rPr>
-              <a:t>吸収</a:t>
-            </a:r>
-            <a:r>
-              <a:rPr lang="en-US" altLang="ja-JP" sz="1000" dirty="0" smtClean="0">
-                <a:latin typeface="メイリオ"/>
-                <a:ea typeface="メイリオ"/>
-                <a:cs typeface="メイリオ"/>
-              </a:rPr>
-              <a:t>:0.3</a:t>
-            </a:r>
-          </a:p>
-          <a:p>
-            <a:pPr algn="ctr"/>
-            <a:r>
-              <a:rPr lang="en-US" altLang="ja-JP" sz="1000" dirty="0" smtClean="0">
-                <a:latin typeface="メイリオ"/>
-                <a:ea typeface="メイリオ"/>
-                <a:cs typeface="メイリオ"/>
-              </a:rPr>
-              <a:t>=0</a:t>
-            </a:r>
-            <a:endParaRPr kumimoji="1" lang="ja-JP" altLang="en-US" sz="1000" dirty="0">
-              <a:latin typeface="メイリオ"/>
-              <a:ea typeface="メイリオ"/>
-              <a:cs typeface="メイリオ"/>
-            </a:endParaRPr>
-          </a:p>
-        </p:txBody>
-      </p:sp>
-      <p:sp>
-        <p:nvSpPr>
-          <p:cNvPr id="24" name="テキスト ボックス 23"/>
-          <p:cNvSpPr txBox="1"/>
-          <p:nvPr/>
-        </p:nvSpPr>
-        <p:spPr>
-          <a:xfrm>
-            <a:off x="4093468" y="2263687"/>
-            <a:ext cx="700319" cy="400110"/>
-          </a:xfrm>
-          <a:prstGeom prst="rect">
-            <a:avLst/>
-          </a:prstGeom>
-          <a:solidFill>
-            <a:srgbClr val="FFFFFF"/>
-          </a:solidFill>
-        </p:spPr>
-        <p:txBody>
-          <a:bodyPr wrap="none" rtlCol="0">
-            <a:spAutoFit/>
-          </a:bodyPr>
-          <a:lstStyle/>
-          <a:p>
-            <a:pPr algn="ctr"/>
-            <a:r>
-              <a:rPr lang="ja-JP" altLang="en-US" sz="1000" dirty="0" smtClean="0">
-                <a:latin typeface="メイリオ"/>
-                <a:ea typeface="メイリオ"/>
-                <a:cs typeface="メイリオ"/>
-              </a:rPr>
-              <a:t>透過</a:t>
-            </a:r>
-            <a:r>
-              <a:rPr lang="en-US" altLang="ja-JP" sz="1000" dirty="0" smtClean="0">
-                <a:latin typeface="メイリオ"/>
-                <a:ea typeface="メイリオ"/>
-                <a:cs typeface="メイリオ"/>
-              </a:rPr>
-              <a:t>:0.2</a:t>
-            </a:r>
-          </a:p>
-          <a:p>
-            <a:pPr algn="ctr"/>
-            <a:r>
-              <a:rPr lang="en-US" altLang="ja-JP" sz="1000" dirty="0" smtClean="0">
-                <a:latin typeface="メイリオ"/>
-                <a:ea typeface="メイリオ"/>
-                <a:cs typeface="メイリオ"/>
-              </a:rPr>
-              <a:t>=2</a:t>
-            </a:r>
-            <a:endParaRPr kumimoji="1" lang="ja-JP" altLang="en-US" sz="1000" dirty="0">
-              <a:latin typeface="メイリオ"/>
-              <a:ea typeface="メイリオ"/>
-              <a:cs typeface="メイリオ"/>
-            </a:endParaRPr>
-          </a:p>
-        </p:txBody>
-      </p:sp>
-      <p:sp>
-        <p:nvSpPr>
-          <p:cNvPr id="25" name="テキスト ボックス 24"/>
-          <p:cNvSpPr txBox="1"/>
-          <p:nvPr/>
-        </p:nvSpPr>
-        <p:spPr>
-          <a:xfrm>
-            <a:off x="3078706" y="2263687"/>
-            <a:ext cx="700319" cy="400110"/>
-          </a:xfrm>
-          <a:prstGeom prst="rect">
-            <a:avLst/>
-          </a:prstGeom>
-          <a:solidFill>
-            <a:srgbClr val="FFFFFF"/>
-          </a:solidFill>
-        </p:spPr>
-        <p:txBody>
-          <a:bodyPr wrap="none" rtlCol="0">
-            <a:spAutoFit/>
-          </a:bodyPr>
-          <a:lstStyle/>
-          <a:p>
-            <a:pPr algn="ctr"/>
-            <a:r>
-              <a:rPr lang="ja-JP" altLang="en-US" sz="1000" dirty="0" smtClean="0">
-                <a:latin typeface="メイリオ"/>
-                <a:ea typeface="メイリオ"/>
-                <a:cs typeface="メイリオ"/>
-              </a:rPr>
-              <a:t>反射</a:t>
-            </a:r>
-            <a:r>
-              <a:rPr lang="en-US" altLang="ja-JP" sz="1000" dirty="0" smtClean="0">
-                <a:latin typeface="メイリオ"/>
-                <a:ea typeface="メイリオ"/>
-                <a:cs typeface="メイリオ"/>
-              </a:rPr>
-              <a:t>:0.5</a:t>
-            </a:r>
-          </a:p>
-          <a:p>
-            <a:pPr algn="ctr"/>
-            <a:r>
-              <a:rPr lang="en-US" altLang="ja-JP" sz="1000" dirty="0" smtClean="0">
-                <a:latin typeface="メイリオ"/>
-                <a:ea typeface="メイリオ"/>
-                <a:cs typeface="メイリオ"/>
-              </a:rPr>
-              <a:t>=1</a:t>
-            </a:r>
-            <a:endParaRPr kumimoji="1" lang="ja-JP" altLang="en-US" sz="1000" dirty="0">
-              <a:latin typeface="メイリオ"/>
-              <a:ea typeface="メイリオ"/>
-              <a:cs typeface="メイリオ"/>
-            </a:endParaRPr>
-          </a:p>
-        </p:txBody>
-      </p:sp>
-      <p:sp>
-        <p:nvSpPr>
-          <p:cNvPr id="26" name="テキスト ボックス 25"/>
-          <p:cNvSpPr txBox="1"/>
-          <p:nvPr/>
-        </p:nvSpPr>
-        <p:spPr>
-          <a:xfrm>
-            <a:off x="3906744" y="890597"/>
-            <a:ext cx="1445558" cy="369332"/>
-          </a:xfrm>
-          <a:prstGeom prst="rect">
-            <a:avLst/>
-          </a:prstGeom>
-          <a:noFill/>
-        </p:spPr>
-        <p:txBody>
-          <a:bodyPr wrap="none" rtlCol="0">
-            <a:spAutoFit/>
-          </a:bodyPr>
-          <a:lstStyle/>
-          <a:p>
-            <a:r>
-              <a:rPr lang="en-US" altLang="ja-JP" i="1" dirty="0" smtClean="0">
-                <a:latin typeface="Calisto MT"/>
-                <a:cs typeface="Calisto MT"/>
-              </a:rPr>
-              <a:t>r = 0.7  </a:t>
-            </a:r>
-            <a:r>
-              <a:rPr lang="en-US" altLang="ja-JP" i="1" dirty="0" smtClean="0">
-                <a:latin typeface="メイリオ"/>
-                <a:ea typeface="メイリオ"/>
-                <a:cs typeface="メイリオ"/>
-              </a:rPr>
-              <a:t>→ 1</a:t>
-            </a:r>
-            <a:endParaRPr kumimoji="1" lang="ja-JP" altLang="en-US" i="1" dirty="0">
-              <a:latin typeface="メイリオ"/>
-              <a:ea typeface="メイリオ"/>
-              <a:cs typeface="メイリオ"/>
-            </a:endParaRPr>
-          </a:p>
-        </p:txBody>
-      </p:sp>
-      <p:sp>
-        <p:nvSpPr>
-          <p:cNvPr id="27" name="テキスト ボックス 26"/>
-          <p:cNvSpPr txBox="1"/>
-          <p:nvPr/>
-        </p:nvSpPr>
-        <p:spPr>
-          <a:xfrm>
-            <a:off x="2135033" y="2910196"/>
-            <a:ext cx="2210862" cy="246221"/>
-          </a:xfrm>
-          <a:prstGeom prst="rect">
-            <a:avLst/>
-          </a:prstGeom>
-          <a:noFill/>
-        </p:spPr>
-        <p:txBody>
-          <a:bodyPr wrap="none" rtlCol="0">
-            <a:spAutoFit/>
-          </a:bodyPr>
-          <a:lstStyle/>
-          <a:p>
-            <a:r>
-              <a:rPr lang="en-US" altLang="en-US" sz="1000" dirty="0" smtClean="0">
-                <a:latin typeface="メイリオ"/>
-                <a:ea typeface="メイリオ"/>
-                <a:cs typeface="メイリオ"/>
-              </a:rPr>
-              <a:t>(a) ロシアンルーレットによる選択</a:t>
-            </a:r>
-            <a:endParaRPr kumimoji="1" lang="ja-JP" altLang="en-US" sz="1000" dirty="0">
-              <a:latin typeface="メイリオ"/>
-              <a:ea typeface="メイリオ"/>
-              <a:cs typeface="メイリオ"/>
-            </a:endParaRPr>
-          </a:p>
-        </p:txBody>
-      </p:sp>
-      <p:cxnSp>
-        <p:nvCxnSpPr>
-          <p:cNvPr id="28" name="直線矢印コネクタ 27"/>
-          <p:cNvCxnSpPr/>
-          <p:nvPr/>
-        </p:nvCxnSpPr>
-        <p:spPr>
-          <a:xfrm flipH="1">
-            <a:off x="3809541" y="1210732"/>
-            <a:ext cx="283927" cy="482600"/>
-          </a:xfrm>
-          <a:prstGeom prst="straightConnector1">
-            <a:avLst/>
-          </a:prstGeom>
-          <a:ln w="9525" cmpd="sng">
-            <a:solidFill>
-              <a:srgbClr val="000000"/>
-            </a:solidFill>
-            <a:headEnd type="none"/>
-            <a:tailEnd type="triangle" w="sm" len="sm"/>
-          </a:ln>
-          <a:effectLst/>
-        </p:spPr>
-        <p:style>
-          <a:lnRef idx="2">
-            <a:schemeClr val="accent1"/>
-          </a:lnRef>
-          <a:fillRef idx="0">
-            <a:schemeClr val="accent1"/>
-          </a:fillRef>
-          <a:effectRef idx="1">
-            <a:schemeClr val="accent1"/>
-          </a:effectRef>
-          <a:fontRef idx="minor">
-            <a:schemeClr val="tx1"/>
-          </a:fontRef>
-        </p:style>
-      </p:cxnSp>
-    </p:spTree>
-    <p:extLst>
-      <p:ext uri="{BB962C8B-B14F-4D97-AF65-F5344CB8AC3E}">
-        <p14:creationId xmlns:p14="http://schemas.microsoft.com/office/powerpoint/2010/main" val="2395359307"/>
       </p:ext>
     </p:extLst>
   </p:cSld>
@@ -6210,20 +5717,22 @@
       </p:grpSpPr>
       <p:cxnSp>
         <p:nvCxnSpPr>
-          <p:cNvPr id="5" name="直線矢印コネクタ 4"/>
+          <p:cNvPr id="5" name="直線コネクタ 4"/>
           <p:cNvCxnSpPr/>
           <p:nvPr/>
         </p:nvCxnSpPr>
         <p:spPr>
-          <a:xfrm flipV="1">
-            <a:off x="1698084" y="1502265"/>
-            <a:ext cx="1498600" cy="237067"/>
-          </a:xfrm>
-          <a:prstGeom prst="straightConnector1">
+          <a:xfrm>
+            <a:off x="1828800" y="1786467"/>
+            <a:ext cx="2734733" cy="0"/>
+          </a:xfrm>
+          <a:prstGeom prst="line">
             <a:avLst/>
           </a:prstGeom>
           <a:ln>
-            <a:tailEnd type="arrow"/>
+            <a:solidFill>
+              <a:schemeClr val="tx1"/>
+            </a:solidFill>
           </a:ln>
         </p:spPr>
         <p:style>
@@ -6243,20 +5752,22 @@
       </p:cxnSp>
       <p:cxnSp>
         <p:nvCxnSpPr>
-          <p:cNvPr id="6" name="直線矢印コネクタ 5"/>
+          <p:cNvPr id="7" name="直線コネクタ 6"/>
           <p:cNvCxnSpPr/>
           <p:nvPr/>
         </p:nvCxnSpPr>
         <p:spPr>
           <a:xfrm>
-            <a:off x="1698084" y="1739332"/>
-            <a:ext cx="1100667" cy="465667"/>
-          </a:xfrm>
-          <a:prstGeom prst="straightConnector1">
+            <a:off x="1828800" y="1634067"/>
+            <a:ext cx="0" cy="304800"/>
+          </a:xfrm>
+          <a:prstGeom prst="line">
             <a:avLst/>
           </a:prstGeom>
           <a:ln>
-            <a:tailEnd type="arrow"/>
+            <a:solidFill>
+              <a:srgbClr val="000000"/>
+            </a:solidFill>
           </a:ln>
         </p:spPr>
         <p:style>
@@ -6276,25 +5787,22 @@
       </p:cxnSp>
       <p:cxnSp>
         <p:nvCxnSpPr>
-          <p:cNvPr id="9" name="直線矢印コネクタ 8"/>
+          <p:cNvPr id="8" name="直線コネクタ 7"/>
           <p:cNvCxnSpPr/>
           <p:nvPr/>
         </p:nvCxnSpPr>
         <p:spPr>
           <a:xfrm>
-            <a:off x="3196684" y="1506498"/>
-            <a:ext cx="1100667" cy="465667"/>
-          </a:xfrm>
-          <a:prstGeom prst="straightConnector1">
+            <a:off x="2408992" y="1642534"/>
+            <a:ext cx="0" cy="304800"/>
+          </a:xfrm>
+          <a:prstGeom prst="line">
             <a:avLst/>
           </a:prstGeom>
           <a:ln>
             <a:solidFill>
-              <a:srgbClr val="A6A6A6"/>
+              <a:srgbClr val="000000"/>
             </a:solidFill>
-            <a:prstDash val="sysDash"/>
-            <a:headEnd type="none"/>
-            <a:tailEnd type="none"/>
           </a:ln>
         </p:spPr>
         <p:style>
@@ -6314,25 +5822,22 @@
       </p:cxnSp>
       <p:cxnSp>
         <p:nvCxnSpPr>
-          <p:cNvPr id="10" name="直線矢印コネクタ 9"/>
+          <p:cNvPr id="9" name="直線コネクタ 8"/>
           <p:cNvCxnSpPr/>
           <p:nvPr/>
         </p:nvCxnSpPr>
         <p:spPr>
-          <a:xfrm flipV="1">
-            <a:off x="2798751" y="1967932"/>
-            <a:ext cx="1498600" cy="237067"/>
-          </a:xfrm>
-          <a:prstGeom prst="straightConnector1">
+          <a:xfrm>
+            <a:off x="3787491" y="1645709"/>
+            <a:ext cx="0" cy="304800"/>
+          </a:xfrm>
+          <a:prstGeom prst="line">
             <a:avLst/>
           </a:prstGeom>
           <a:ln>
             <a:solidFill>
-              <a:srgbClr val="A6A6A6"/>
+              <a:srgbClr val="000000"/>
             </a:solidFill>
-            <a:prstDash val="sysDash"/>
-            <a:headEnd type="none"/>
-            <a:tailEnd type="none"/>
           </a:ln>
         </p:spPr>
         <p:style>
@@ -6352,23 +5857,22 @@
       </p:cxnSp>
       <p:cxnSp>
         <p:nvCxnSpPr>
-          <p:cNvPr id="11" name="直線矢印コネクタ 10"/>
+          <p:cNvPr id="10" name="直線コネクタ 9"/>
           <p:cNvCxnSpPr/>
           <p:nvPr/>
         </p:nvCxnSpPr>
         <p:spPr>
-          <a:xfrm flipV="1">
-            <a:off x="1698084" y="1041400"/>
-            <a:ext cx="0" cy="697932"/>
-          </a:xfrm>
-          <a:prstGeom prst="straightConnector1">
+          <a:xfrm>
+            <a:off x="4563533" y="1634067"/>
+            <a:ext cx="0" cy="304800"/>
+          </a:xfrm>
+          <a:prstGeom prst="line">
             <a:avLst/>
           </a:prstGeom>
           <a:ln>
             <a:solidFill>
-              <a:schemeClr val="tx1"/>
+              <a:srgbClr val="000000"/>
             </a:solidFill>
-            <a:tailEnd type="arrow"/>
           </a:ln>
         </p:spPr>
         <p:style>
@@ -6388,49 +5892,185 @@
       </p:cxnSp>
       <p:sp>
         <p:nvSpPr>
-          <p:cNvPr id="14" name="テキスト ボックス 13"/>
-          <p:cNvSpPr txBox="1"/>
-          <p:nvPr/>
-        </p:nvSpPr>
-        <p:spPr>
-          <a:xfrm>
-            <a:off x="1542755" y="704337"/>
-            <a:ext cx="374321" cy="369332"/>
-          </a:xfrm>
-          <a:prstGeom prst="rect">
-            <a:avLst/>
-          </a:prstGeom>
-          <a:noFill/>
-        </p:spPr>
-        <p:txBody>
-          <a:bodyPr wrap="none" rtlCol="0">
-            <a:spAutoFit/>
-          </a:bodyPr>
+          <p:cNvPr id="17" name="円弧 16"/>
+          <p:cNvSpPr/>
+          <p:nvPr/>
+        </p:nvSpPr>
+        <p:spPr>
+          <a:xfrm>
+            <a:off x="1828800" y="1210732"/>
+            <a:ext cx="2734735" cy="795869"/>
+          </a:xfrm>
+          <a:prstGeom prst="arc">
+            <a:avLst>
+              <a:gd name="adj1" fmla="val 10801580"/>
+              <a:gd name="adj2" fmla="val 0"/>
+            </a:avLst>
+          </a:prstGeom>
+          <a:ln w="9525" cmpd="sng"/>
+          <a:effectLst/>
+        </p:spPr>
+        <p:style>
+          <a:lnRef idx="2">
+            <a:schemeClr val="accent1"/>
+          </a:lnRef>
+          <a:fillRef idx="0">
+            <a:schemeClr val="accent1"/>
+          </a:fillRef>
+          <a:effectRef idx="1">
+            <a:schemeClr val="accent1"/>
+          </a:effectRef>
+          <a:fontRef idx="minor">
+            <a:schemeClr val="tx1"/>
+          </a:fontRef>
+        </p:style>
+        <p:txBody>
+          <a:bodyPr rtlCol="0" anchor="ctr"/>
           <a:lstStyle/>
           <a:p>
-            <a:r>
-              <a:rPr kumimoji="1" lang="en-US" altLang="ja-JP" i="1" dirty="0" smtClean="0">
-                <a:latin typeface="Calisto MT"/>
-                <a:cs typeface="Calisto MT"/>
-              </a:rPr>
-              <a:t>n</a:t>
-            </a:r>
-            <a:endParaRPr kumimoji="1" lang="ja-JP" altLang="en-US" i="1" dirty="0">
-              <a:latin typeface="Calisto MT"/>
-              <a:cs typeface="Calisto MT"/>
-            </a:endParaRPr>
-          </a:p>
-        </p:txBody>
-      </p:sp>
-      <p:sp>
-        <p:nvSpPr>
-          <p:cNvPr id="15" name="円/楕円 14"/>
+            <a:pPr algn="ctr"/>
+            <a:endParaRPr kumimoji="1" lang="ja-JP" altLang="en-US"/>
+          </a:p>
+        </p:txBody>
+      </p:sp>
+      <p:sp>
+        <p:nvSpPr>
+          <p:cNvPr id="18" name="円弧 17"/>
           <p:cNvSpPr/>
           <p:nvPr/>
         </p:nvSpPr>
         <p:spPr>
-          <a:xfrm>
-            <a:off x="1666252" y="1710757"/>
+          <a:xfrm rot="10800000">
+            <a:off x="1828799" y="1672166"/>
+            <a:ext cx="580193" cy="663548"/>
+          </a:xfrm>
+          <a:prstGeom prst="arc">
+            <a:avLst>
+              <a:gd name="adj1" fmla="val 10801580"/>
+              <a:gd name="adj2" fmla="val 0"/>
+            </a:avLst>
+          </a:prstGeom>
+          <a:ln w="9525" cmpd="sng"/>
+          <a:effectLst/>
+        </p:spPr>
+        <p:style>
+          <a:lnRef idx="2">
+            <a:schemeClr val="accent1"/>
+          </a:lnRef>
+          <a:fillRef idx="0">
+            <a:schemeClr val="accent1"/>
+          </a:fillRef>
+          <a:effectRef idx="1">
+            <a:schemeClr val="accent1"/>
+          </a:effectRef>
+          <a:fontRef idx="minor">
+            <a:schemeClr val="tx1"/>
+          </a:fontRef>
+        </p:style>
+        <p:txBody>
+          <a:bodyPr rtlCol="0" anchor="ctr"/>
+          <a:lstStyle/>
+          <a:p>
+            <a:pPr algn="ctr"/>
+            <a:endParaRPr kumimoji="1" lang="ja-JP" altLang="en-US"/>
+          </a:p>
+        </p:txBody>
+      </p:sp>
+      <p:sp>
+        <p:nvSpPr>
+          <p:cNvPr id="19" name="円弧 18"/>
+          <p:cNvSpPr/>
+          <p:nvPr/>
+        </p:nvSpPr>
+        <p:spPr>
+          <a:xfrm rot="10800000">
+            <a:off x="2408991" y="1687951"/>
+            <a:ext cx="1378499" cy="668869"/>
+          </a:xfrm>
+          <a:prstGeom prst="arc">
+            <a:avLst>
+              <a:gd name="adj1" fmla="val 10801580"/>
+              <a:gd name="adj2" fmla="val 0"/>
+            </a:avLst>
+          </a:prstGeom>
+          <a:ln w="9525" cmpd="sng"/>
+          <a:effectLst/>
+        </p:spPr>
+        <p:style>
+          <a:lnRef idx="2">
+            <a:schemeClr val="accent1"/>
+          </a:lnRef>
+          <a:fillRef idx="0">
+            <a:schemeClr val="accent1"/>
+          </a:fillRef>
+          <a:effectRef idx="1">
+            <a:schemeClr val="accent1"/>
+          </a:effectRef>
+          <a:fontRef idx="minor">
+            <a:schemeClr val="tx1"/>
+          </a:fontRef>
+        </p:style>
+        <p:txBody>
+          <a:bodyPr rtlCol="0" anchor="ctr"/>
+          <a:lstStyle/>
+          <a:p>
+            <a:pPr algn="ctr"/>
+            <a:endParaRPr kumimoji="1" lang="ja-JP" altLang="en-US"/>
+          </a:p>
+        </p:txBody>
+      </p:sp>
+      <p:sp>
+        <p:nvSpPr>
+          <p:cNvPr id="20" name="円弧 19"/>
+          <p:cNvSpPr/>
+          <p:nvPr/>
+        </p:nvSpPr>
+        <p:spPr>
+          <a:xfrm rot="10800000">
+            <a:off x="3787491" y="1693332"/>
+            <a:ext cx="776044" cy="642382"/>
+          </a:xfrm>
+          <a:prstGeom prst="arc">
+            <a:avLst>
+              <a:gd name="adj1" fmla="val 10801580"/>
+              <a:gd name="adj2" fmla="val 0"/>
+            </a:avLst>
+          </a:prstGeom>
+          <a:ln w="9525" cmpd="sng"/>
+          <a:effectLst/>
+        </p:spPr>
+        <p:style>
+          <a:lnRef idx="2">
+            <a:schemeClr val="accent1"/>
+          </a:lnRef>
+          <a:fillRef idx="0">
+            <a:schemeClr val="accent1"/>
+          </a:fillRef>
+          <a:effectRef idx="1">
+            <a:schemeClr val="accent1"/>
+          </a:effectRef>
+          <a:fontRef idx="minor">
+            <a:schemeClr val="tx1"/>
+          </a:fontRef>
+        </p:style>
+        <p:txBody>
+          <a:bodyPr rtlCol="0" anchor="ctr"/>
+          <a:lstStyle/>
+          <a:p>
+            <a:pPr algn="ctr"/>
+            <a:endParaRPr kumimoji="1" lang="ja-JP" altLang="en-US"/>
+          </a:p>
+        </p:txBody>
+      </p:sp>
+      <p:sp>
+        <p:nvSpPr>
+          <p:cNvPr id="21" name="円/楕円 20"/>
+          <p:cNvSpPr/>
+          <p:nvPr/>
+        </p:nvSpPr>
+        <p:spPr>
+          <a:xfrm>
+            <a:off x="3468556" y="1757892"/>
             <a:ext cx="63664" cy="57150"/>
           </a:xfrm>
           <a:prstGeom prst="ellipse">
@@ -6464,19 +6104,21 @@
       </p:sp>
       <p:sp>
         <p:nvSpPr>
-          <p:cNvPr id="16" name="テキスト ボックス 15"/>
+          <p:cNvPr id="22" name="テキスト ボックス 21"/>
           <p:cNvSpPr txBox="1"/>
           <p:nvPr/>
         </p:nvSpPr>
         <p:spPr>
           <a:xfrm>
-            <a:off x="1384087" y="1370000"/>
-            <a:ext cx="418094" cy="369332"/>
+            <a:off x="3078706" y="1075263"/>
+            <a:ext cx="389850" cy="246221"/>
           </a:xfrm>
           <a:prstGeom prst="rect">
             <a:avLst/>
           </a:prstGeom>
-          <a:noFill/>
+          <a:solidFill>
+            <a:srgbClr val="FFFFFF"/>
+          </a:solidFill>
         </p:spPr>
         <p:txBody>
           <a:bodyPr wrap="none" rtlCol="0">
@@ -6485,41 +6127,38 @@
           <a:lstStyle/>
           <a:p>
             <a:r>
-              <a:rPr lang="en-US" altLang="ja-JP" i="1" dirty="0" smtClean="0">
-                <a:latin typeface="Calisto MT"/>
-                <a:cs typeface="Calisto MT"/>
-              </a:rPr>
-              <a:t>p</a:t>
-            </a:r>
-            <a:r>
-              <a:rPr lang="en-US" altLang="ja-JP" i="1" baseline="-25000" dirty="0" smtClean="0">
-                <a:latin typeface="Calisto MT"/>
-                <a:cs typeface="Calisto MT"/>
-              </a:rPr>
-              <a:t>0</a:t>
-            </a:r>
-            <a:endParaRPr kumimoji="1" lang="ja-JP" altLang="en-US" i="1" baseline="-25000" dirty="0">
-              <a:latin typeface="Calisto MT"/>
-              <a:cs typeface="Calisto MT"/>
+              <a:rPr kumimoji="1" lang="en-US" altLang="ja-JP" sz="1000" dirty="0" smtClean="0">
+                <a:latin typeface="メイリオ"/>
+                <a:ea typeface="メイリオ"/>
+                <a:cs typeface="メイリオ"/>
+              </a:rPr>
+              <a:t>1.0</a:t>
+            </a:r>
+            <a:endParaRPr kumimoji="1" lang="ja-JP" altLang="en-US" sz="1000" dirty="0">
+              <a:latin typeface="メイリオ"/>
+              <a:ea typeface="メイリオ"/>
+              <a:cs typeface="メイリオ"/>
             </a:endParaRPr>
           </a:p>
         </p:txBody>
       </p:sp>
       <p:sp>
         <p:nvSpPr>
-          <p:cNvPr id="17" name="テキスト ボックス 16"/>
+          <p:cNvPr id="23" name="テキスト ボックス 22"/>
           <p:cNvSpPr txBox="1"/>
           <p:nvPr/>
         </p:nvSpPr>
         <p:spPr>
           <a:xfrm>
-            <a:off x="2298487" y="1185334"/>
-            <a:ext cx="420348" cy="369332"/>
+            <a:off x="3906744" y="2263687"/>
+            <a:ext cx="700319" cy="400110"/>
           </a:xfrm>
           <a:prstGeom prst="rect">
             <a:avLst/>
           </a:prstGeom>
-          <a:noFill/>
+          <a:solidFill>
+            <a:srgbClr val="FFFFFF"/>
+          </a:solidFill>
         </p:spPr>
         <p:txBody>
           <a:bodyPr wrap="none" rtlCol="0">
@@ -6527,42 +6166,59 @@
           </a:bodyPr>
           <a:lstStyle/>
           <a:p>
-            <a:r>
-              <a:rPr lang="en-US" altLang="ja-JP" i="1" dirty="0" smtClean="0">
-                <a:latin typeface="Calisto MT"/>
-                <a:cs typeface="Calisto MT"/>
-              </a:rPr>
-              <a:t>d</a:t>
-            </a:r>
-            <a:r>
-              <a:rPr lang="en-US" altLang="ja-JP" i="1" baseline="-25000" dirty="0" smtClean="0">
-                <a:latin typeface="Calisto MT"/>
-                <a:cs typeface="Calisto MT"/>
-              </a:rPr>
-              <a:t>1</a:t>
-            </a:r>
-            <a:endParaRPr kumimoji="1" lang="ja-JP" altLang="en-US" i="1" baseline="-25000" dirty="0">
-              <a:latin typeface="Calisto MT"/>
-              <a:cs typeface="Calisto MT"/>
+            <a:pPr algn="ctr"/>
+            <a:r>
+              <a:rPr lang="ja-JP" altLang="en-US" sz="1000" dirty="0" smtClean="0">
+                <a:latin typeface="メイリオ"/>
+                <a:ea typeface="メイリオ"/>
+                <a:cs typeface="メイリオ"/>
+              </a:rPr>
+              <a:t>吸収</a:t>
+            </a:r>
+            <a:r>
+              <a:rPr lang="en-US" altLang="ja-JP" sz="1000" dirty="0" smtClean="0">
+                <a:latin typeface="メイリオ"/>
+                <a:ea typeface="メイリオ"/>
+                <a:cs typeface="メイリオ"/>
+              </a:rPr>
+              <a:t>:0.3</a:t>
+            </a:r>
+          </a:p>
+          <a:p>
+            <a:pPr algn="ctr"/>
+            <a:r>
+              <a:rPr lang="en-US" altLang="ja-JP" sz="1000" dirty="0" smtClean="0">
+                <a:latin typeface="メイリオ"/>
+                <a:ea typeface="メイリオ"/>
+                <a:cs typeface="メイリオ"/>
+              </a:rPr>
+              <a:t>=0</a:t>
+            </a:r>
+            <a:endParaRPr kumimoji="1" lang="ja-JP" altLang="en-US" sz="1000" dirty="0">
+              <a:latin typeface="メイリオ"/>
+              <a:ea typeface="メイリオ"/>
+              <a:cs typeface="メイリオ"/>
             </a:endParaRPr>
           </a:p>
         </p:txBody>
       </p:sp>
       <p:sp>
         <p:nvSpPr>
-          <p:cNvPr id="18" name="テキスト ボックス 17"/>
+          <p:cNvPr id="24" name="テキスト ボックス 23"/>
           <p:cNvSpPr txBox="1"/>
           <p:nvPr/>
         </p:nvSpPr>
         <p:spPr>
           <a:xfrm>
-            <a:off x="2030539" y="1967932"/>
-            <a:ext cx="420348" cy="369332"/>
+            <a:off x="1828800" y="2263687"/>
+            <a:ext cx="700319" cy="400110"/>
           </a:xfrm>
           <a:prstGeom prst="rect">
             <a:avLst/>
           </a:prstGeom>
-          <a:noFill/>
+          <a:solidFill>
+            <a:srgbClr val="FFFFFF"/>
+          </a:solidFill>
         </p:spPr>
         <p:txBody>
           <a:bodyPr wrap="none" rtlCol="0">
@@ -6570,97 +6226,258 @@
           </a:bodyPr>
           <a:lstStyle/>
           <a:p>
+            <a:pPr algn="ctr"/>
+            <a:r>
+              <a:rPr lang="ja-JP" altLang="en-US" sz="1000" dirty="0" smtClean="0">
+                <a:latin typeface="メイリオ"/>
+                <a:ea typeface="メイリオ"/>
+                <a:cs typeface="メイリオ"/>
+              </a:rPr>
+              <a:t>透過</a:t>
+            </a:r>
+            <a:r>
+              <a:rPr lang="en-US" altLang="ja-JP" sz="1000" dirty="0" smtClean="0">
+                <a:latin typeface="メイリオ"/>
+                <a:ea typeface="メイリオ"/>
+                <a:cs typeface="メイリオ"/>
+              </a:rPr>
+              <a:t>:0.2</a:t>
+            </a:r>
+          </a:p>
+          <a:p>
+            <a:pPr algn="ctr"/>
+            <a:r>
+              <a:rPr lang="en-US" altLang="ja-JP" sz="1000" dirty="0" smtClean="0">
+                <a:latin typeface="メイリオ"/>
+                <a:ea typeface="メイリオ"/>
+                <a:cs typeface="メイリオ"/>
+              </a:rPr>
+              <a:t>=2</a:t>
+            </a:r>
+            <a:endParaRPr kumimoji="1" lang="ja-JP" altLang="en-US" sz="1000" dirty="0">
+              <a:latin typeface="メイリオ"/>
+              <a:ea typeface="メイリオ"/>
+              <a:cs typeface="メイリオ"/>
+            </a:endParaRPr>
+          </a:p>
+        </p:txBody>
+      </p:sp>
+      <p:sp>
+        <p:nvSpPr>
+          <p:cNvPr id="25" name="テキスト ボックス 24"/>
+          <p:cNvSpPr txBox="1"/>
+          <p:nvPr/>
+        </p:nvSpPr>
+        <p:spPr>
+          <a:xfrm>
+            <a:off x="2831901" y="2263687"/>
+            <a:ext cx="700319" cy="400110"/>
+          </a:xfrm>
+          <a:prstGeom prst="rect">
+            <a:avLst/>
+          </a:prstGeom>
+          <a:solidFill>
+            <a:srgbClr val="FFFFFF"/>
+          </a:solidFill>
+        </p:spPr>
+        <p:txBody>
+          <a:bodyPr wrap="none" rtlCol="0">
+            <a:spAutoFit/>
+          </a:bodyPr>
+          <a:lstStyle/>
+          <a:p>
+            <a:pPr algn="ctr"/>
+            <a:r>
+              <a:rPr lang="ja-JP" altLang="en-US" sz="1000" dirty="0" smtClean="0">
+                <a:latin typeface="メイリオ"/>
+                <a:ea typeface="メイリオ"/>
+                <a:cs typeface="メイリオ"/>
+              </a:rPr>
+              <a:t>反射</a:t>
+            </a:r>
+            <a:r>
+              <a:rPr lang="en-US" altLang="ja-JP" sz="1000" dirty="0" smtClean="0">
+                <a:latin typeface="メイリオ"/>
+                <a:ea typeface="メイリオ"/>
+                <a:cs typeface="メイリオ"/>
+              </a:rPr>
+              <a:t>:0.5</a:t>
+            </a:r>
+          </a:p>
+          <a:p>
+            <a:pPr algn="ctr"/>
+            <a:r>
+              <a:rPr lang="en-US" altLang="ja-JP" sz="1000" dirty="0" smtClean="0">
+                <a:latin typeface="メイリオ"/>
+                <a:ea typeface="メイリオ"/>
+                <a:cs typeface="メイリオ"/>
+              </a:rPr>
+              <a:t>=1</a:t>
+            </a:r>
+            <a:endParaRPr kumimoji="1" lang="ja-JP" altLang="en-US" sz="1000" dirty="0">
+              <a:latin typeface="メイリオ"/>
+              <a:ea typeface="メイリオ"/>
+              <a:cs typeface="メイリオ"/>
+            </a:endParaRPr>
+          </a:p>
+        </p:txBody>
+      </p:sp>
+      <p:sp>
+        <p:nvSpPr>
+          <p:cNvPr id="26" name="テキスト ボックス 25"/>
+          <p:cNvSpPr txBox="1"/>
+          <p:nvPr/>
+        </p:nvSpPr>
+        <p:spPr>
+          <a:xfrm>
+            <a:off x="3906744" y="890597"/>
+            <a:ext cx="1445558" cy="369332"/>
+          </a:xfrm>
+          <a:prstGeom prst="rect">
+            <a:avLst/>
+          </a:prstGeom>
+          <a:noFill/>
+        </p:spPr>
+        <p:txBody>
+          <a:bodyPr wrap="none" rtlCol="0">
+            <a:spAutoFit/>
+          </a:bodyPr>
+          <a:lstStyle/>
+          <a:p>
             <a:r>
               <a:rPr lang="en-US" altLang="ja-JP" i="1" dirty="0" smtClean="0">
                 <a:latin typeface="Calisto MT"/>
                 <a:cs typeface="Calisto MT"/>
               </a:rPr>
-              <a:t>d</a:t>
-            </a:r>
-            <a:r>
-              <a:rPr lang="en-US" altLang="ja-JP" i="1" baseline="-25000" dirty="0">
+              <a:t>r = </a:t>
+            </a:r>
+            <a:r>
+              <a:rPr lang="en-US" altLang="ja-JP" i="1" dirty="0" smtClean="0">
                 <a:latin typeface="Calisto MT"/>
                 <a:cs typeface="Calisto MT"/>
               </a:rPr>
-              <a:t>2</a:t>
-            </a:r>
-            <a:endParaRPr kumimoji="1" lang="ja-JP" altLang="en-US" i="1" baseline="-25000" dirty="0">
-              <a:latin typeface="Calisto MT"/>
-              <a:cs typeface="Calisto MT"/>
+              <a:t>0.</a:t>
+            </a:r>
+            <a:r>
+              <a:rPr lang="en-US" altLang="ja-JP" i="1" dirty="0" smtClean="0">
+                <a:latin typeface="Calisto MT"/>
+                <a:cs typeface="Calisto MT"/>
+              </a:rPr>
+              <a:t>6</a:t>
+            </a:r>
+            <a:r>
+              <a:rPr lang="en-US" altLang="ja-JP" i="1" dirty="0" smtClean="0">
+                <a:latin typeface="Calisto MT"/>
+                <a:cs typeface="Calisto MT"/>
+              </a:rPr>
+              <a:t>  </a:t>
+            </a:r>
+            <a:r>
+              <a:rPr lang="en-US" altLang="ja-JP" i="1" dirty="0" smtClean="0">
+                <a:latin typeface="メイリオ"/>
+                <a:ea typeface="メイリオ"/>
+                <a:cs typeface="メイリオ"/>
+              </a:rPr>
+              <a:t>→ 1</a:t>
+            </a:r>
+            <a:endParaRPr kumimoji="1" lang="ja-JP" altLang="en-US" i="1" dirty="0">
+              <a:latin typeface="メイリオ"/>
+              <a:ea typeface="メイリオ"/>
+              <a:cs typeface="メイリオ"/>
             </a:endParaRPr>
           </a:p>
         </p:txBody>
       </p:sp>
       <p:sp>
         <p:nvSpPr>
-          <p:cNvPr id="19" name="円/楕円 18"/>
-          <p:cNvSpPr/>
-          <p:nvPr/>
-        </p:nvSpPr>
-        <p:spPr>
-          <a:xfrm>
-            <a:off x="2798751" y="1739332"/>
-            <a:ext cx="524933" cy="85725"/>
-          </a:xfrm>
-          <a:prstGeom prst="ellipse">
+          <p:cNvPr id="27" name="テキスト ボックス 26"/>
+          <p:cNvSpPr txBox="1"/>
+          <p:nvPr/>
+        </p:nvSpPr>
+        <p:spPr>
+          <a:xfrm>
+            <a:off x="2135033" y="2787085"/>
+            <a:ext cx="2287806" cy="246221"/>
+          </a:xfrm>
+          <a:prstGeom prst="rect">
             <a:avLst/>
           </a:prstGeom>
           <a:noFill/>
-          <a:ln w="6350" cmpd="sng">
-            <a:solidFill>
-              <a:schemeClr val="bg1">
-                <a:lumMod val="75000"/>
-              </a:schemeClr>
-            </a:solidFill>
-          </a:ln>
-          <a:effectLst/>
-        </p:spPr>
-        <p:style>
-          <a:lnRef idx="1">
-            <a:schemeClr val="accent1"/>
-          </a:lnRef>
-          <a:fillRef idx="3">
-            <a:schemeClr val="accent1"/>
-          </a:fillRef>
-          <a:effectRef idx="2">
-            <a:schemeClr val="accent1"/>
-          </a:effectRef>
-          <a:fontRef idx="minor">
-            <a:schemeClr val="lt1"/>
-          </a:fontRef>
-        </p:style>
-        <p:txBody>
-          <a:bodyPr rtlCol="0" anchor="ctr"/>
+        </p:spPr>
+        <p:txBody>
+          <a:bodyPr wrap="none" rtlCol="0">
+            <a:spAutoFit/>
+          </a:bodyPr>
           <a:lstStyle/>
           <a:p>
-            <a:pPr algn="ctr"/>
-            <a:endParaRPr kumimoji="1" lang="ja-JP" altLang="en-US"/>
-          </a:p>
-        </p:txBody>
-      </p:sp>
-      <p:sp>
-        <p:nvSpPr>
-          <p:cNvPr id="21" name="円弧 20"/>
-          <p:cNvSpPr/>
-          <p:nvPr/>
-        </p:nvSpPr>
-        <p:spPr>
-          <a:xfrm>
-            <a:off x="2798750" y="1521986"/>
-            <a:ext cx="524933" cy="491841"/>
-          </a:xfrm>
-          <a:prstGeom prst="arc">
-            <a:avLst>
-              <a:gd name="adj1" fmla="val 10603391"/>
-              <a:gd name="adj2" fmla="val 249084"/>
-            </a:avLst>
+            <a:r>
+              <a:rPr lang="ja-JP" altLang="en-US" sz="1000" dirty="0" smtClean="0">
+                <a:latin typeface="メイリオ"/>
+                <a:ea typeface="メイリオ"/>
+                <a:cs typeface="メイリオ"/>
+              </a:rPr>
+              <a:t>図</a:t>
+            </a:r>
+            <a:r>
+              <a:rPr lang="ja-JP" altLang="ja-JP" sz="1000" dirty="0" smtClean="0">
+                <a:latin typeface="メイリオ"/>
+                <a:ea typeface="メイリオ"/>
+                <a:cs typeface="メイリオ"/>
+              </a:rPr>
+              <a:t>5</a:t>
+            </a:r>
+            <a:r>
+              <a:rPr lang="en-US" altLang="ja-JP" sz="1000" dirty="0" smtClean="0">
+                <a:latin typeface="メイリオ"/>
+                <a:ea typeface="メイリオ"/>
+                <a:cs typeface="メイリオ"/>
+              </a:rPr>
+              <a:t>:</a:t>
+            </a:r>
+            <a:r>
+              <a:rPr lang="en-US" altLang="en-US" sz="1000" dirty="0" smtClean="0">
+                <a:latin typeface="メイリオ"/>
+                <a:ea typeface="メイリオ"/>
+                <a:cs typeface="メイリオ"/>
+              </a:rPr>
+              <a:t> </a:t>
+            </a:r>
+            <a:r>
+              <a:rPr lang="en-US" altLang="en-US" sz="1000" dirty="0" smtClean="0">
+                <a:latin typeface="メイリオ"/>
+                <a:ea typeface="メイリオ"/>
+                <a:cs typeface="メイリオ"/>
+              </a:rPr>
+              <a:t>ロシアンルーレットによる選択</a:t>
+            </a:r>
+            <a:endParaRPr kumimoji="1" lang="ja-JP" altLang="en-US" sz="1000" dirty="0">
+              <a:latin typeface="メイリオ"/>
+              <a:ea typeface="メイリオ"/>
+              <a:cs typeface="メイリオ"/>
+            </a:endParaRPr>
+          </a:p>
+        </p:txBody>
+      </p:sp>
+      <p:cxnSp>
+        <p:nvCxnSpPr>
+          <p:cNvPr id="28" name="直線矢印コネクタ 27"/>
+          <p:cNvCxnSpPr/>
+          <p:nvPr/>
+        </p:nvCxnSpPr>
+        <p:spPr>
+          <a:xfrm flipH="1">
+            <a:off x="3532220" y="1210732"/>
+            <a:ext cx="561249" cy="482601"/>
+          </a:xfrm>
+          <a:prstGeom prst="straightConnector1">
+            <a:avLst/>
           </a:prstGeom>
           <a:ln w="9525" cmpd="sng">
             <a:solidFill>
-              <a:schemeClr val="bg1">
-                <a:lumMod val="75000"/>
-              </a:schemeClr>
+              <a:srgbClr val="000000"/>
             </a:solidFill>
+            <a:headEnd type="none"/>
+            <a:tailEnd type="triangle" w="sm" len="sm"/>
           </a:ln>
           <a:effectLst/>
         </p:spPr>
@@ -6678,39 +6495,497 @@
             <a:schemeClr val="tx1"/>
           </a:fontRef>
         </p:style>
-        <p:txBody>
-          <a:bodyPr rtlCol="0" anchor="ctr"/>
+      </p:cxnSp>
+    </p:spTree>
+    <p:extLst>
+      <p:ext uri="{BB962C8B-B14F-4D97-AF65-F5344CB8AC3E}">
+        <p14:creationId xmlns:p14="http://schemas.microsoft.com/office/powerpoint/2010/main" val="2395359307"/>
+      </p:ext>
+    </p:extLst>
+  </p:cSld>
+  <p:clrMapOvr>
+    <a:masterClrMapping/>
+  </p:clrMapOvr>
+</p:sld>
+</file>
+
+<file path=ppt/slides/slide4.xml><?xml version="1.0" encoding="utf-8"?>
+<p:sld xmlns:a="http://schemas.openxmlformats.org/drawingml/2006/main" xmlns:r="http://schemas.openxmlformats.org/officeDocument/2006/relationships" xmlns:p="http://schemas.openxmlformats.org/presentationml/2006/main">
+  <p:cSld>
+    <p:spTree>
+      <p:nvGrpSpPr>
+        <p:cNvPr id="1" name=""/>
+        <p:cNvGrpSpPr/>
+        <p:nvPr/>
+      </p:nvGrpSpPr>
+      <p:grpSpPr>
+        <a:xfrm>
+          <a:off x="0" y="0"/>
+          <a:ext cx="0" cy="0"/>
+          <a:chOff x="0" y="0"/>
+          <a:chExt cx="0" cy="0"/>
+        </a:xfrm>
+      </p:grpSpPr>
+      <p:sp>
+        <p:nvSpPr>
+          <p:cNvPr id="4" name="テキスト ボックス 3"/>
+          <p:cNvSpPr txBox="1"/>
+          <p:nvPr/>
+        </p:nvSpPr>
+        <p:spPr>
+          <a:xfrm>
+            <a:off x="1664386" y="2621642"/>
+            <a:ext cx="4804821" cy="246221"/>
+          </a:xfrm>
+          <a:prstGeom prst="rect">
+            <a:avLst/>
+          </a:prstGeom>
+          <a:noFill/>
+        </p:spPr>
+        <p:txBody>
+          <a:bodyPr wrap="none" rtlCol="0">
+            <a:spAutoFit/>
+          </a:bodyPr>
           <a:lstStyle/>
           <a:p>
-            <a:pPr algn="ctr"/>
-            <a:endParaRPr kumimoji="1" lang="ja-JP" altLang="en-US"/>
-          </a:p>
-        </p:txBody>
-      </p:sp>
+            <a:r>
+              <a:rPr lang="ja-JP" altLang="en-US" sz="1000" dirty="0" smtClean="0">
+                <a:latin typeface="メイリオ"/>
+                <a:ea typeface="メイリオ"/>
+                <a:cs typeface="メイリオ"/>
+              </a:rPr>
+              <a:t>図</a:t>
+            </a:r>
+            <a:r>
+              <a:rPr lang="en-US" altLang="ja-JP" sz="1000" dirty="0">
+                <a:latin typeface="メイリオ"/>
+                <a:ea typeface="メイリオ"/>
+                <a:cs typeface="メイリオ"/>
+              </a:rPr>
+              <a:t>6</a:t>
+            </a:r>
+            <a:r>
+              <a:rPr lang="en-US" altLang="ja-JP" sz="1000" dirty="0" smtClean="0">
+                <a:latin typeface="メイリオ"/>
+                <a:ea typeface="メイリオ"/>
+                <a:cs typeface="メイリオ"/>
+              </a:rPr>
+              <a:t>:</a:t>
+            </a:r>
+            <a:r>
+              <a:rPr lang="ja-JP" altLang="en-US" sz="1000" dirty="0" smtClean="0">
+                <a:latin typeface="メイリオ"/>
+                <a:ea typeface="メイリオ"/>
+                <a:cs typeface="メイリオ"/>
+              </a:rPr>
+              <a:t> フォトンマッピング、間接光あり</a:t>
+            </a:r>
+            <a:r>
+              <a:rPr lang="en-US" altLang="ja-JP" sz="1000" dirty="0" smtClean="0">
+                <a:latin typeface="メイリオ"/>
+                <a:ea typeface="メイリオ"/>
+                <a:cs typeface="メイリオ"/>
+              </a:rPr>
+              <a:t>(</a:t>
+            </a:r>
+            <a:r>
+              <a:rPr lang="ja-JP" altLang="en-US" sz="1000" dirty="0" smtClean="0">
+                <a:latin typeface="メイリオ"/>
+                <a:ea typeface="メイリオ"/>
+                <a:cs typeface="メイリオ"/>
+              </a:rPr>
+              <a:t>左</a:t>
+            </a:r>
+            <a:r>
+              <a:rPr lang="en-US" altLang="ja-JP" sz="1000" dirty="0" smtClean="0">
+                <a:latin typeface="メイリオ"/>
+                <a:ea typeface="メイリオ"/>
+                <a:cs typeface="メイリオ"/>
+              </a:rPr>
+              <a:t>)</a:t>
+            </a:r>
+            <a:r>
+              <a:rPr lang="ja-JP" altLang="en-US" sz="1000" dirty="0" smtClean="0">
+                <a:latin typeface="メイリオ"/>
+                <a:ea typeface="メイリオ"/>
+                <a:cs typeface="メイリオ"/>
+              </a:rPr>
+              <a:t>、なし</a:t>
+            </a:r>
+            <a:r>
+              <a:rPr lang="en-US" altLang="ja-JP" sz="1000" dirty="0" smtClean="0">
+                <a:latin typeface="メイリオ"/>
+                <a:ea typeface="メイリオ"/>
+                <a:cs typeface="メイリオ"/>
+              </a:rPr>
+              <a:t>(</a:t>
+            </a:r>
+            <a:r>
+              <a:rPr lang="ja-JP" altLang="en-US" sz="1000" dirty="0" smtClean="0">
+                <a:latin typeface="メイリオ"/>
+                <a:ea typeface="メイリオ"/>
+                <a:cs typeface="メイリオ"/>
+              </a:rPr>
+              <a:t>中央</a:t>
+            </a:r>
+            <a:r>
+              <a:rPr lang="en-US" altLang="ja-JP" sz="1000" dirty="0" smtClean="0">
+                <a:latin typeface="メイリオ"/>
+                <a:ea typeface="メイリオ"/>
+                <a:cs typeface="メイリオ"/>
+              </a:rPr>
+              <a:t>)</a:t>
+            </a:r>
+            <a:r>
+              <a:rPr lang="ja-JP" altLang="en-US" sz="1000" dirty="0" smtClean="0">
+                <a:latin typeface="メイリオ"/>
+                <a:ea typeface="メイリオ"/>
+                <a:cs typeface="メイリオ"/>
+              </a:rPr>
+              <a:t>、環境光ありの古典</a:t>
+            </a:r>
+            <a:r>
+              <a:rPr lang="en-US" altLang="ja-JP" sz="1000" dirty="0" smtClean="0">
+                <a:latin typeface="メイリオ"/>
+                <a:ea typeface="メイリオ"/>
+                <a:cs typeface="メイリオ"/>
+              </a:rPr>
+              <a:t>(</a:t>
+            </a:r>
+            <a:r>
+              <a:rPr lang="ja-JP" altLang="en-US" sz="1000" dirty="0" smtClean="0">
+                <a:latin typeface="メイリオ"/>
+                <a:ea typeface="メイリオ"/>
+                <a:cs typeface="メイリオ"/>
+              </a:rPr>
+              <a:t>左</a:t>
+            </a:r>
+            <a:r>
+              <a:rPr lang="en-US" altLang="en-US" sz="1000" dirty="0">
+                <a:latin typeface="メイリオ"/>
+                <a:ea typeface="メイリオ"/>
+                <a:cs typeface="メイリオ"/>
+              </a:rPr>
+              <a:t>)</a:t>
+            </a:r>
+            <a:endParaRPr kumimoji="1" lang="ja-JP" altLang="en-US" sz="1000" dirty="0">
+              <a:latin typeface="メイリオ"/>
+              <a:ea typeface="メイリオ"/>
+              <a:cs typeface="メイリオ"/>
+            </a:endParaRPr>
+          </a:p>
+        </p:txBody>
+      </p:sp>
+      <p:pic>
+        <p:nvPicPr>
+          <p:cNvPr id="5" name="図 4" descr="pt-noref200-0.2,20k.png"/>
+          <p:cNvPicPr>
+            <a:picLocks noChangeAspect="1"/>
+          </p:cNvPicPr>
+          <p:nvPr/>
+        </p:nvPicPr>
+        <p:blipFill>
+          <a:blip r:embed="rId2">
+            <a:extLst>
+              <a:ext uri="{28A0092B-C50C-407E-A947-70E740481C1C}">
+                <a14:useLocalDpi xmlns:a14="http://schemas.microsoft.com/office/drawing/2010/main" val="0"/>
+              </a:ext>
+            </a:extLst>
+          </a:blip>
+          <a:stretch>
+            <a:fillRect/>
+          </a:stretch>
+        </p:blipFill>
+        <p:spPr>
+          <a:xfrm>
+            <a:off x="2958406" y="357047"/>
+            <a:ext cx="2143775" cy="2143775"/>
+          </a:xfrm>
+          <a:prstGeom prst="rect">
+            <a:avLst/>
+          </a:prstGeom>
+        </p:spPr>
+      </p:pic>
+      <p:pic>
+        <p:nvPicPr>
+          <p:cNvPr id="2" name="図 1" descr="pt-ref200-0.2,20k.png"/>
+          <p:cNvPicPr>
+            <a:picLocks noChangeAspect="1"/>
+          </p:cNvPicPr>
+          <p:nvPr/>
+        </p:nvPicPr>
+        <p:blipFill>
+          <a:blip r:embed="rId3">
+            <a:extLst>
+              <a:ext uri="{28A0092B-C50C-407E-A947-70E740481C1C}">
+                <a14:useLocalDpi xmlns:a14="http://schemas.microsoft.com/office/drawing/2010/main" val="0"/>
+              </a:ext>
+            </a:extLst>
+          </a:blip>
+          <a:stretch>
+            <a:fillRect/>
+          </a:stretch>
+        </p:blipFill>
+        <p:spPr>
+          <a:xfrm>
+            <a:off x="596183" y="357047"/>
+            <a:ext cx="2136405" cy="2136405"/>
+          </a:xfrm>
+          <a:prstGeom prst="rect">
+            <a:avLst/>
+          </a:prstGeom>
+        </p:spPr>
+      </p:pic>
+      <p:pic>
+        <p:nvPicPr>
+          <p:cNvPr id="6" name="図 5" descr="pt-ref200-0.2,20k-c.png"/>
+          <p:cNvPicPr>
+            <a:picLocks noChangeAspect="1"/>
+          </p:cNvPicPr>
+          <p:nvPr/>
+        </p:nvPicPr>
+        <p:blipFill>
+          <a:blip r:embed="rId4">
+            <a:extLst>
+              <a:ext uri="{28A0092B-C50C-407E-A947-70E740481C1C}">
+                <a14:useLocalDpi xmlns:a14="http://schemas.microsoft.com/office/drawing/2010/main" val="0"/>
+              </a:ext>
+            </a:extLst>
+          </a:blip>
+          <a:stretch>
+            <a:fillRect/>
+          </a:stretch>
+        </p:blipFill>
+        <p:spPr>
+          <a:xfrm>
+            <a:off x="5315830" y="360336"/>
+            <a:ext cx="2140486" cy="2140486"/>
+          </a:xfrm>
+          <a:prstGeom prst="rect">
+            <a:avLst/>
+          </a:prstGeom>
+        </p:spPr>
+      </p:pic>
+      <p:pic>
+        <p:nvPicPr>
+          <p:cNvPr id="7" name="図 6" descr="para-ref200-0.2,20k-map25%.png"/>
+          <p:cNvPicPr>
+            <a:picLocks noChangeAspect="1"/>
+          </p:cNvPicPr>
+          <p:nvPr/>
+        </p:nvPicPr>
+        <p:blipFill>
+          <a:blip r:embed="rId5">
+            <a:extLst>
+              <a:ext uri="{28A0092B-C50C-407E-A947-70E740481C1C}">
+                <a14:useLocalDpi xmlns:a14="http://schemas.microsoft.com/office/drawing/2010/main" val="0"/>
+              </a:ext>
+            </a:extLst>
+          </a:blip>
+          <a:stretch>
+            <a:fillRect/>
+          </a:stretch>
+        </p:blipFill>
+        <p:spPr>
+          <a:xfrm>
+            <a:off x="1217015" y="3241011"/>
+            <a:ext cx="2135825" cy="2135825"/>
+          </a:xfrm>
+          <a:prstGeom prst="rect">
+            <a:avLst/>
+          </a:prstGeom>
+        </p:spPr>
+      </p:pic>
+      <p:sp>
+        <p:nvSpPr>
+          <p:cNvPr id="8" name="テキスト ボックス 7"/>
+          <p:cNvSpPr txBox="1"/>
+          <p:nvPr/>
+        </p:nvSpPr>
+        <p:spPr>
+          <a:xfrm>
+            <a:off x="543540" y="5550993"/>
+            <a:ext cx="3497121" cy="246221"/>
+          </a:xfrm>
+          <a:prstGeom prst="rect">
+            <a:avLst/>
+          </a:prstGeom>
+          <a:noFill/>
+        </p:spPr>
+        <p:txBody>
+          <a:bodyPr wrap="none" rtlCol="0">
+            <a:spAutoFit/>
+          </a:bodyPr>
+          <a:lstStyle/>
+          <a:p>
+            <a:r>
+              <a:rPr lang="ja-JP" altLang="en-US" sz="1000" dirty="0" smtClean="0">
+                <a:latin typeface="メイリオ"/>
+                <a:ea typeface="メイリオ"/>
+                <a:cs typeface="メイリオ"/>
+              </a:rPr>
+              <a:t>図</a:t>
+            </a:r>
+            <a:r>
+              <a:rPr lang="en-US" altLang="ja-JP" sz="1000" dirty="0" smtClean="0">
+                <a:latin typeface="メイリオ"/>
+                <a:ea typeface="メイリオ"/>
+                <a:cs typeface="メイリオ"/>
+              </a:rPr>
+              <a:t>8:</a:t>
+            </a:r>
+            <a:r>
+              <a:rPr lang="ja-JP" altLang="en-US" sz="1000" dirty="0" smtClean="0">
+                <a:latin typeface="メイリオ"/>
+                <a:ea typeface="メイリオ"/>
+                <a:cs typeface="メイリオ"/>
+              </a:rPr>
+              <a:t> 平面光源からのフォトン放射によるフォトンマップ</a:t>
+            </a:r>
+            <a:endParaRPr kumimoji="1" lang="ja-JP" altLang="en-US" sz="1000" dirty="0">
+              <a:latin typeface="メイリオ"/>
+              <a:ea typeface="メイリオ"/>
+              <a:cs typeface="メイリオ"/>
+            </a:endParaRPr>
+          </a:p>
+        </p:txBody>
+      </p:sp>
+      <p:pic>
+        <p:nvPicPr>
+          <p:cNvPr id="9" name="図 8" descr="sun-ref200-0.2,20k-map.png"/>
+          <p:cNvPicPr>
+            <a:picLocks noChangeAspect="1"/>
+          </p:cNvPicPr>
+          <p:nvPr/>
+        </p:nvPicPr>
+        <p:blipFill>
+          <a:blip r:embed="rId6">
+            <a:extLst>
+              <a:ext uri="{28A0092B-C50C-407E-A947-70E740481C1C}">
+                <a14:useLocalDpi xmlns:a14="http://schemas.microsoft.com/office/drawing/2010/main" val="0"/>
+              </a:ext>
+            </a:extLst>
+          </a:blip>
+          <a:stretch>
+            <a:fillRect/>
+          </a:stretch>
+        </p:blipFill>
+        <p:spPr>
+          <a:xfrm>
+            <a:off x="5133268" y="3241011"/>
+            <a:ext cx="2140156" cy="2140156"/>
+          </a:xfrm>
+          <a:prstGeom prst="rect">
+            <a:avLst/>
+          </a:prstGeom>
+        </p:spPr>
+      </p:pic>
+      <p:sp>
+        <p:nvSpPr>
+          <p:cNvPr id="10" name="テキスト ボックス 9"/>
+          <p:cNvSpPr txBox="1"/>
+          <p:nvPr/>
+        </p:nvSpPr>
+        <p:spPr>
+          <a:xfrm>
+            <a:off x="4462496" y="5550993"/>
+            <a:ext cx="3520415" cy="246221"/>
+          </a:xfrm>
+          <a:prstGeom prst="rect">
+            <a:avLst/>
+          </a:prstGeom>
+          <a:noFill/>
+        </p:spPr>
+        <p:txBody>
+          <a:bodyPr wrap="none" rtlCol="0">
+            <a:spAutoFit/>
+          </a:bodyPr>
+          <a:lstStyle/>
+          <a:p>
+            <a:r>
+              <a:rPr lang="ja-JP" altLang="en-US" sz="1000" dirty="0" smtClean="0">
+                <a:latin typeface="メイリオ"/>
+                <a:ea typeface="メイリオ"/>
+                <a:cs typeface="メイリオ"/>
+              </a:rPr>
+              <a:t>図</a:t>
+            </a:r>
+            <a:r>
+              <a:rPr lang="en-US" altLang="ja-JP" sz="1000" dirty="0" smtClean="0">
+                <a:latin typeface="メイリオ"/>
+                <a:ea typeface="メイリオ"/>
+                <a:cs typeface="メイリオ"/>
+              </a:rPr>
+              <a:t>12:</a:t>
+            </a:r>
+            <a:r>
+              <a:rPr lang="ja-JP" altLang="en-US" sz="1000" dirty="0" smtClean="0">
+                <a:latin typeface="メイリオ"/>
+                <a:ea typeface="メイリオ"/>
+                <a:cs typeface="メイリオ"/>
+              </a:rPr>
+              <a:t> 平行光源からのフォトン放射によるフォトンマップ</a:t>
+            </a:r>
+            <a:endParaRPr kumimoji="1" lang="ja-JP" altLang="en-US" sz="1000" dirty="0">
+              <a:latin typeface="メイリオ"/>
+              <a:ea typeface="メイリオ"/>
+              <a:cs typeface="メイリオ"/>
+            </a:endParaRPr>
+          </a:p>
+        </p:txBody>
+      </p:sp>
+    </p:spTree>
+    <p:extLst>
+      <p:ext uri="{BB962C8B-B14F-4D97-AF65-F5344CB8AC3E}">
+        <p14:creationId xmlns:p14="http://schemas.microsoft.com/office/powerpoint/2010/main" val="2476980642"/>
+      </p:ext>
+    </p:extLst>
+  </p:cSld>
+  <p:clrMapOvr>
+    <a:masterClrMapping/>
+  </p:clrMapOvr>
+</p:sld>
+</file>
+
+<file path=ppt/slides/slide5.xml><?xml version="1.0" encoding="utf-8"?>
+<p:sld xmlns:a="http://schemas.openxmlformats.org/drawingml/2006/main" xmlns:r="http://schemas.openxmlformats.org/officeDocument/2006/relationships" xmlns:p="http://schemas.openxmlformats.org/presentationml/2006/main">
+  <p:cSld>
+    <p:spTree>
+      <p:nvGrpSpPr>
+        <p:cNvPr id="1" name=""/>
+        <p:cNvGrpSpPr/>
+        <p:nvPr/>
+      </p:nvGrpSpPr>
+      <p:grpSpPr>
+        <a:xfrm>
+          <a:off x="0" y="0"/>
+          <a:ext cx="0" cy="0"/>
+          <a:chOff x="0" y="0"/>
+          <a:chExt cx="0" cy="0"/>
+        </a:xfrm>
+      </p:grpSpPr>
       <p:cxnSp>
         <p:nvCxnSpPr>
-          <p:cNvPr id="22" name="直線矢印コネクタ 21"/>
+          <p:cNvPr id="38" name="直線矢印コネクタ 37"/>
           <p:cNvCxnSpPr/>
           <p:nvPr/>
         </p:nvCxnSpPr>
         <p:spPr>
-          <a:xfrm flipH="1" flipV="1">
-            <a:off x="2851232" y="1617029"/>
-            <a:ext cx="209468" cy="173671"/>
+          <a:xfrm>
+            <a:off x="2587002" y="1592223"/>
+            <a:ext cx="473698" cy="198477"/>
           </a:xfrm>
           <a:prstGeom prst="straightConnector1">
             <a:avLst/>
           </a:prstGeom>
           <a:ln w="9525" cmpd="sng">
             <a:solidFill>
-              <a:schemeClr val="bg1">
-                <a:lumMod val="75000"/>
-              </a:schemeClr>
+              <a:schemeClr val="tx1"/>
             </a:solidFill>
+            <a:prstDash val="sysDash"/>
             <a:headEnd type="none"/>
-            <a:tailEnd type="triangle" w="sm" len="sm"/>
+            <a:tailEnd type="none"/>
           </a:ln>
-          <a:effectLst/>
         </p:spPr>
         <p:style>
           <a:lnRef idx="2">
@@ -6729,28 +7004,26 @@
       </p:cxnSp>
       <p:cxnSp>
         <p:nvCxnSpPr>
-          <p:cNvPr id="25" name="直線矢印コネクタ 24"/>
+          <p:cNvPr id="50" name="直線矢印コネクタ 49"/>
           <p:cNvCxnSpPr/>
           <p:nvPr/>
         </p:nvCxnSpPr>
         <p:spPr>
-          <a:xfrm flipH="1" flipV="1">
-            <a:off x="2971800" y="1521986"/>
-            <a:ext cx="88900" cy="268715"/>
+          <a:xfrm flipV="1">
+            <a:off x="2170101" y="1790701"/>
+            <a:ext cx="890599" cy="143365"/>
           </a:xfrm>
           <a:prstGeom prst="straightConnector1">
             <a:avLst/>
           </a:prstGeom>
           <a:ln w="9525" cmpd="sng">
             <a:solidFill>
-              <a:schemeClr val="bg1">
-                <a:lumMod val="75000"/>
-              </a:schemeClr>
+              <a:srgbClr val="000000"/>
             </a:solidFill>
+            <a:prstDash val="sysDash"/>
             <a:headEnd type="none"/>
-            <a:tailEnd type="triangle" w="sm" len="sm"/>
+            <a:tailEnd type="none"/>
           </a:ln>
-          <a:effectLst/>
         </p:spPr>
         <p:style>
           <a:lnRef idx="2">
@@ -6769,28 +7042,21 @@
       </p:cxnSp>
       <p:cxnSp>
         <p:nvCxnSpPr>
-          <p:cNvPr id="29" name="直線矢印コネクタ 28"/>
+          <p:cNvPr id="5" name="直線矢印コネクタ 4"/>
           <p:cNvCxnSpPr/>
           <p:nvPr/>
         </p:nvCxnSpPr>
         <p:spPr>
           <a:xfrm flipV="1">
-            <a:off x="3060700" y="1674387"/>
-            <a:ext cx="234950" cy="116314"/>
+            <a:off x="1698084" y="1502265"/>
+            <a:ext cx="1498600" cy="237067"/>
           </a:xfrm>
           <a:prstGeom prst="straightConnector1">
             <a:avLst/>
           </a:prstGeom>
-          <a:ln w="9525" cmpd="sng">
-            <a:solidFill>
-              <a:schemeClr val="bg1">
-                <a:lumMod val="75000"/>
-              </a:schemeClr>
-            </a:solidFill>
-            <a:headEnd type="none"/>
-            <a:tailEnd type="triangle" w="sm" len="sm"/>
+          <a:ln>
+            <a:tailEnd type="arrow"/>
           </a:ln>
-          <a:effectLst/>
         </p:spPr>
         <p:style>
           <a:lnRef idx="2">
@@ -6809,28 +7075,21 @@
       </p:cxnSp>
       <p:cxnSp>
         <p:nvCxnSpPr>
-          <p:cNvPr id="32" name="直線矢印コネクタ 31"/>
+          <p:cNvPr id="6" name="直線矢印コネクタ 5"/>
           <p:cNvCxnSpPr/>
           <p:nvPr/>
         </p:nvCxnSpPr>
         <p:spPr>
-          <a:xfrm flipV="1">
-            <a:off x="3060700" y="1521986"/>
-            <a:ext cx="47625" cy="268714"/>
+          <a:xfrm>
+            <a:off x="1698084" y="1739332"/>
+            <a:ext cx="1100667" cy="465667"/>
           </a:xfrm>
           <a:prstGeom prst="straightConnector1">
             <a:avLst/>
           </a:prstGeom>
-          <a:ln w="9525" cmpd="sng">
-            <a:solidFill>
-              <a:schemeClr val="bg1">
-                <a:lumMod val="75000"/>
-              </a:schemeClr>
-            </a:solidFill>
-            <a:headEnd type="none"/>
-            <a:tailEnd type="triangle" w="sm" len="sm"/>
+          <a:ln>
+            <a:tailEnd type="arrow"/>
           </a:ln>
-          <a:effectLst/>
         </p:spPr>
         <p:style>
           <a:lnRef idx="2">
@@ -6849,26 +7108,26 @@
       </p:cxnSp>
       <p:cxnSp>
         <p:nvCxnSpPr>
-          <p:cNvPr id="36" name="直線矢印コネクタ 35"/>
+          <p:cNvPr id="9" name="直線矢印コネクタ 8"/>
           <p:cNvCxnSpPr/>
           <p:nvPr/>
         </p:nvCxnSpPr>
         <p:spPr>
-          <a:xfrm flipV="1">
-            <a:off x="3060700" y="1577975"/>
-            <a:ext cx="158750" cy="212725"/>
+          <a:xfrm>
+            <a:off x="3196684" y="1506498"/>
+            <a:ext cx="1100667" cy="465667"/>
           </a:xfrm>
           <a:prstGeom prst="straightConnector1">
             <a:avLst/>
           </a:prstGeom>
-          <a:ln w="19050" cmpd="sng">
+          <a:ln>
             <a:solidFill>
-              <a:srgbClr val="FF0000"/>
+              <a:srgbClr val="A6A6A6"/>
             </a:solidFill>
+            <a:prstDash val="sysDash"/>
             <a:headEnd type="none"/>
-            <a:tailEnd type="triangle" w="sm" len="sm"/>
+            <a:tailEnd type="none"/>
           </a:ln>
-          <a:effectLst/>
         </p:spPr>
         <p:style>
           <a:lnRef idx="2">
@@ -6887,20 +7146,25 @@
       </p:cxnSp>
       <p:cxnSp>
         <p:nvCxnSpPr>
-          <p:cNvPr id="40" name="直線矢印コネクタ 39"/>
+          <p:cNvPr id="10" name="直線矢印コネクタ 9"/>
           <p:cNvCxnSpPr/>
           <p:nvPr/>
         </p:nvCxnSpPr>
         <p:spPr>
           <a:xfrm flipV="1">
-            <a:off x="5499617" y="1502265"/>
+            <a:off x="2798751" y="1967932"/>
             <a:ext cx="1498600" cy="237067"/>
           </a:xfrm>
           <a:prstGeom prst="straightConnector1">
             <a:avLst/>
           </a:prstGeom>
           <a:ln>
-            <a:tailEnd type="arrow"/>
+            <a:solidFill>
+              <a:srgbClr val="A6A6A6"/>
+            </a:solidFill>
+            <a:prstDash val="sysDash"/>
+            <a:headEnd type="none"/>
+            <a:tailEnd type="none"/>
           </a:ln>
         </p:spPr>
         <p:style>
@@ -6920,19 +7184,22 @@
       </p:cxnSp>
       <p:cxnSp>
         <p:nvCxnSpPr>
-          <p:cNvPr id="41" name="直線矢印コネクタ 40"/>
+          <p:cNvPr id="11" name="直線矢印コネクタ 10"/>
           <p:cNvCxnSpPr/>
           <p:nvPr/>
         </p:nvCxnSpPr>
         <p:spPr>
-          <a:xfrm>
-            <a:off x="5499617" y="1739332"/>
-            <a:ext cx="1100667" cy="465667"/>
+          <a:xfrm flipV="1">
+            <a:off x="1698084" y="1041400"/>
+            <a:ext cx="0" cy="697932"/>
           </a:xfrm>
           <a:prstGeom prst="straightConnector1">
             <a:avLst/>
           </a:prstGeom>
           <a:ln>
+            <a:solidFill>
+              <a:schemeClr val="tx1"/>
+            </a:solidFill>
             <a:tailEnd type="arrow"/>
           </a:ln>
         </p:spPr>
@@ -6951,127 +7218,15 @@
           </a:fontRef>
         </p:style>
       </p:cxnSp>
-      <p:cxnSp>
-        <p:nvCxnSpPr>
-          <p:cNvPr id="42" name="直線矢印コネクタ 41"/>
-          <p:cNvCxnSpPr/>
-          <p:nvPr/>
-        </p:nvCxnSpPr>
-        <p:spPr>
-          <a:xfrm>
-            <a:off x="6998217" y="1506498"/>
-            <a:ext cx="1100667" cy="465667"/>
-          </a:xfrm>
-          <a:prstGeom prst="straightConnector1">
-            <a:avLst/>
-          </a:prstGeom>
-          <a:ln>
-            <a:solidFill>
-              <a:srgbClr val="A6A6A6"/>
-            </a:solidFill>
-            <a:prstDash val="sysDash"/>
-            <a:headEnd type="none"/>
-            <a:tailEnd type="none"/>
-          </a:ln>
-        </p:spPr>
-        <p:style>
-          <a:lnRef idx="2">
-            <a:schemeClr val="accent1"/>
-          </a:lnRef>
-          <a:fillRef idx="0">
-            <a:schemeClr val="accent1"/>
-          </a:fillRef>
-          <a:effectRef idx="1">
-            <a:schemeClr val="accent1"/>
-          </a:effectRef>
-          <a:fontRef idx="minor">
-            <a:schemeClr val="tx1"/>
-          </a:fontRef>
-        </p:style>
-      </p:cxnSp>
-      <p:cxnSp>
-        <p:nvCxnSpPr>
-          <p:cNvPr id="43" name="直線矢印コネクタ 42"/>
-          <p:cNvCxnSpPr/>
-          <p:nvPr/>
-        </p:nvCxnSpPr>
-        <p:spPr>
-          <a:xfrm flipV="1">
-            <a:off x="6600284" y="1967932"/>
-            <a:ext cx="1498600" cy="237067"/>
-          </a:xfrm>
-          <a:prstGeom prst="straightConnector1">
-            <a:avLst/>
-          </a:prstGeom>
-          <a:ln>
-            <a:solidFill>
-              <a:srgbClr val="A6A6A6"/>
-            </a:solidFill>
-            <a:prstDash val="sysDash"/>
-            <a:headEnd type="none"/>
-            <a:tailEnd type="none"/>
-          </a:ln>
-        </p:spPr>
-        <p:style>
-          <a:lnRef idx="2">
-            <a:schemeClr val="accent1"/>
-          </a:lnRef>
-          <a:fillRef idx="0">
-            <a:schemeClr val="accent1"/>
-          </a:fillRef>
-          <a:effectRef idx="1">
-            <a:schemeClr val="accent1"/>
-          </a:effectRef>
-          <a:fontRef idx="minor">
-            <a:schemeClr val="tx1"/>
-          </a:fontRef>
-        </p:style>
-      </p:cxnSp>
-      <p:cxnSp>
-        <p:nvCxnSpPr>
-          <p:cNvPr id="44" name="直線矢印コネクタ 43"/>
-          <p:cNvCxnSpPr/>
-          <p:nvPr/>
-        </p:nvCxnSpPr>
-        <p:spPr>
-          <a:xfrm flipV="1">
-            <a:off x="5499617" y="1041400"/>
-            <a:ext cx="0" cy="697932"/>
-          </a:xfrm>
-          <a:prstGeom prst="straightConnector1">
-            <a:avLst/>
-          </a:prstGeom>
-          <a:ln>
-            <a:solidFill>
-              <a:schemeClr val="tx1"/>
-            </a:solidFill>
-            <a:tailEnd type="arrow"/>
-          </a:ln>
-        </p:spPr>
-        <p:style>
-          <a:lnRef idx="2">
-            <a:schemeClr val="accent1"/>
-          </a:lnRef>
-          <a:fillRef idx="0">
-            <a:schemeClr val="accent1"/>
-          </a:fillRef>
-          <a:effectRef idx="1">
-            <a:schemeClr val="accent1"/>
-          </a:effectRef>
-          <a:fontRef idx="minor">
-            <a:schemeClr val="tx1"/>
-          </a:fontRef>
-        </p:style>
-      </p:cxnSp>
-      <p:sp>
-        <p:nvSpPr>
-          <p:cNvPr id="45" name="テキスト ボックス 44"/>
+      <p:sp>
+        <p:nvSpPr>
+          <p:cNvPr id="14" name="テキスト ボックス 13"/>
           <p:cNvSpPr txBox="1"/>
           <p:nvPr/>
         </p:nvSpPr>
         <p:spPr>
           <a:xfrm>
-            <a:off x="5344288" y="704337"/>
+            <a:off x="1542755" y="704337"/>
             <a:ext cx="374321" cy="369332"/>
           </a:xfrm>
           <a:prstGeom prst="rect">
@@ -7101,13 +7256,13 @@
       </p:sp>
       <p:sp>
         <p:nvSpPr>
-          <p:cNvPr id="46" name="円/楕円 45"/>
+          <p:cNvPr id="15" name="円/楕円 14"/>
           <p:cNvSpPr/>
           <p:nvPr/>
         </p:nvSpPr>
         <p:spPr>
           <a:xfrm>
-            <a:off x="5467785" y="1710757"/>
+            <a:off x="1666252" y="1710757"/>
             <a:ext cx="63664" cy="57150"/>
           </a:xfrm>
           <a:prstGeom prst="ellipse">
@@ -7141,6 +7296,683 @@
       </p:sp>
       <p:sp>
         <p:nvSpPr>
+          <p:cNvPr id="16" name="テキスト ボックス 15"/>
+          <p:cNvSpPr txBox="1"/>
+          <p:nvPr/>
+        </p:nvSpPr>
+        <p:spPr>
+          <a:xfrm>
+            <a:off x="1384087" y="1370000"/>
+            <a:ext cx="418094" cy="369332"/>
+          </a:xfrm>
+          <a:prstGeom prst="rect">
+            <a:avLst/>
+          </a:prstGeom>
+          <a:noFill/>
+        </p:spPr>
+        <p:txBody>
+          <a:bodyPr wrap="none" rtlCol="0">
+            <a:spAutoFit/>
+          </a:bodyPr>
+          <a:lstStyle/>
+          <a:p>
+            <a:r>
+              <a:rPr lang="en-US" altLang="ja-JP" i="1" dirty="0" smtClean="0">
+                <a:latin typeface="Calisto MT"/>
+                <a:cs typeface="Calisto MT"/>
+              </a:rPr>
+              <a:t>p</a:t>
+            </a:r>
+            <a:r>
+              <a:rPr lang="en-US" altLang="ja-JP" i="1" baseline="-25000" dirty="0" smtClean="0">
+                <a:latin typeface="Calisto MT"/>
+                <a:cs typeface="Calisto MT"/>
+              </a:rPr>
+              <a:t>0</a:t>
+            </a:r>
+            <a:endParaRPr kumimoji="1" lang="ja-JP" altLang="en-US" i="1" baseline="-25000" dirty="0">
+              <a:latin typeface="Calisto MT"/>
+              <a:cs typeface="Calisto MT"/>
+            </a:endParaRPr>
+          </a:p>
+        </p:txBody>
+      </p:sp>
+      <p:sp>
+        <p:nvSpPr>
+          <p:cNvPr id="17" name="テキスト ボックス 16"/>
+          <p:cNvSpPr txBox="1"/>
+          <p:nvPr/>
+        </p:nvSpPr>
+        <p:spPr>
+          <a:xfrm>
+            <a:off x="2799726" y="1137166"/>
+            <a:ext cx="420348" cy="369332"/>
+          </a:xfrm>
+          <a:prstGeom prst="rect">
+            <a:avLst/>
+          </a:prstGeom>
+          <a:noFill/>
+        </p:spPr>
+        <p:txBody>
+          <a:bodyPr wrap="none" rtlCol="0">
+            <a:spAutoFit/>
+          </a:bodyPr>
+          <a:lstStyle/>
+          <a:p>
+            <a:r>
+              <a:rPr lang="en-US" altLang="ja-JP" i="1" dirty="0" smtClean="0">
+                <a:latin typeface="Calisto MT"/>
+                <a:cs typeface="Calisto MT"/>
+              </a:rPr>
+              <a:t>d</a:t>
+            </a:r>
+            <a:r>
+              <a:rPr lang="en-US" altLang="ja-JP" i="1" baseline="-25000" dirty="0" smtClean="0">
+                <a:latin typeface="Calisto MT"/>
+                <a:cs typeface="Calisto MT"/>
+              </a:rPr>
+              <a:t>1</a:t>
+            </a:r>
+            <a:endParaRPr kumimoji="1" lang="ja-JP" altLang="en-US" i="1" baseline="-25000" dirty="0">
+              <a:latin typeface="Calisto MT"/>
+              <a:cs typeface="Calisto MT"/>
+            </a:endParaRPr>
+          </a:p>
+        </p:txBody>
+      </p:sp>
+      <p:sp>
+        <p:nvSpPr>
+          <p:cNvPr id="18" name="テキスト ボックス 17"/>
+          <p:cNvSpPr txBox="1"/>
+          <p:nvPr/>
+        </p:nvSpPr>
+        <p:spPr>
+          <a:xfrm>
+            <a:off x="2430884" y="2088582"/>
+            <a:ext cx="420348" cy="369332"/>
+          </a:xfrm>
+          <a:prstGeom prst="rect">
+            <a:avLst/>
+          </a:prstGeom>
+          <a:noFill/>
+        </p:spPr>
+        <p:txBody>
+          <a:bodyPr wrap="none" rtlCol="0">
+            <a:spAutoFit/>
+          </a:bodyPr>
+          <a:lstStyle/>
+          <a:p>
+            <a:r>
+              <a:rPr lang="en-US" altLang="ja-JP" i="1" dirty="0" smtClean="0">
+                <a:latin typeface="Calisto MT"/>
+                <a:cs typeface="Calisto MT"/>
+              </a:rPr>
+              <a:t>d</a:t>
+            </a:r>
+            <a:r>
+              <a:rPr lang="en-US" altLang="ja-JP" i="1" baseline="-25000" dirty="0">
+                <a:latin typeface="Calisto MT"/>
+                <a:cs typeface="Calisto MT"/>
+              </a:rPr>
+              <a:t>2</a:t>
+            </a:r>
+            <a:endParaRPr kumimoji="1" lang="ja-JP" altLang="en-US" i="1" baseline="-25000" dirty="0">
+              <a:latin typeface="Calisto MT"/>
+              <a:cs typeface="Calisto MT"/>
+            </a:endParaRPr>
+          </a:p>
+        </p:txBody>
+      </p:sp>
+      <p:sp>
+        <p:nvSpPr>
+          <p:cNvPr id="19" name="円/楕円 18"/>
+          <p:cNvSpPr/>
+          <p:nvPr/>
+        </p:nvSpPr>
+        <p:spPr>
+          <a:xfrm>
+            <a:off x="2798751" y="1739332"/>
+            <a:ext cx="524933" cy="85725"/>
+          </a:xfrm>
+          <a:prstGeom prst="ellipse">
+            <a:avLst/>
+          </a:prstGeom>
+          <a:noFill/>
+          <a:ln w="6350" cmpd="sng">
+            <a:solidFill>
+              <a:schemeClr val="bg1">
+                <a:lumMod val="75000"/>
+              </a:schemeClr>
+            </a:solidFill>
+          </a:ln>
+          <a:effectLst/>
+        </p:spPr>
+        <p:style>
+          <a:lnRef idx="1">
+            <a:schemeClr val="accent1"/>
+          </a:lnRef>
+          <a:fillRef idx="3">
+            <a:schemeClr val="accent1"/>
+          </a:fillRef>
+          <a:effectRef idx="2">
+            <a:schemeClr val="accent1"/>
+          </a:effectRef>
+          <a:fontRef idx="minor">
+            <a:schemeClr val="lt1"/>
+          </a:fontRef>
+        </p:style>
+        <p:txBody>
+          <a:bodyPr rtlCol="0" anchor="ctr"/>
+          <a:lstStyle/>
+          <a:p>
+            <a:pPr algn="ctr"/>
+            <a:endParaRPr kumimoji="1" lang="ja-JP" altLang="en-US"/>
+          </a:p>
+        </p:txBody>
+      </p:sp>
+      <p:sp>
+        <p:nvSpPr>
+          <p:cNvPr id="21" name="円弧 20"/>
+          <p:cNvSpPr/>
+          <p:nvPr/>
+        </p:nvSpPr>
+        <p:spPr>
+          <a:xfrm>
+            <a:off x="2798750" y="1521986"/>
+            <a:ext cx="524933" cy="491841"/>
+          </a:xfrm>
+          <a:prstGeom prst="arc">
+            <a:avLst>
+              <a:gd name="adj1" fmla="val 10603391"/>
+              <a:gd name="adj2" fmla="val 249084"/>
+            </a:avLst>
+          </a:prstGeom>
+          <a:ln w="9525" cmpd="sng">
+            <a:solidFill>
+              <a:schemeClr val="bg1">
+                <a:lumMod val="75000"/>
+              </a:schemeClr>
+            </a:solidFill>
+          </a:ln>
+          <a:effectLst/>
+        </p:spPr>
+        <p:style>
+          <a:lnRef idx="2">
+            <a:schemeClr val="accent1"/>
+          </a:lnRef>
+          <a:fillRef idx="0">
+            <a:schemeClr val="accent1"/>
+          </a:fillRef>
+          <a:effectRef idx="1">
+            <a:schemeClr val="accent1"/>
+          </a:effectRef>
+          <a:fontRef idx="minor">
+            <a:schemeClr val="tx1"/>
+          </a:fontRef>
+        </p:style>
+        <p:txBody>
+          <a:bodyPr rtlCol="0" anchor="ctr"/>
+          <a:lstStyle/>
+          <a:p>
+            <a:pPr algn="ctr"/>
+            <a:endParaRPr kumimoji="1" lang="ja-JP" altLang="en-US"/>
+          </a:p>
+        </p:txBody>
+      </p:sp>
+      <p:cxnSp>
+        <p:nvCxnSpPr>
+          <p:cNvPr id="22" name="直線矢印コネクタ 21"/>
+          <p:cNvCxnSpPr/>
+          <p:nvPr/>
+        </p:nvCxnSpPr>
+        <p:spPr>
+          <a:xfrm flipH="1" flipV="1">
+            <a:off x="2851232" y="1617029"/>
+            <a:ext cx="209468" cy="173671"/>
+          </a:xfrm>
+          <a:prstGeom prst="straightConnector1">
+            <a:avLst/>
+          </a:prstGeom>
+          <a:ln w="9525" cmpd="sng">
+            <a:solidFill>
+              <a:schemeClr val="bg1">
+                <a:lumMod val="75000"/>
+              </a:schemeClr>
+            </a:solidFill>
+            <a:headEnd type="none"/>
+            <a:tailEnd type="triangle" w="sm" len="sm"/>
+          </a:ln>
+          <a:effectLst/>
+        </p:spPr>
+        <p:style>
+          <a:lnRef idx="2">
+            <a:schemeClr val="accent1"/>
+          </a:lnRef>
+          <a:fillRef idx="0">
+            <a:schemeClr val="accent1"/>
+          </a:fillRef>
+          <a:effectRef idx="1">
+            <a:schemeClr val="accent1"/>
+          </a:effectRef>
+          <a:fontRef idx="minor">
+            <a:schemeClr val="tx1"/>
+          </a:fontRef>
+        </p:style>
+      </p:cxnSp>
+      <p:cxnSp>
+        <p:nvCxnSpPr>
+          <p:cNvPr id="25" name="直線矢印コネクタ 24"/>
+          <p:cNvCxnSpPr/>
+          <p:nvPr/>
+        </p:nvCxnSpPr>
+        <p:spPr>
+          <a:xfrm flipH="1" flipV="1">
+            <a:off x="2971800" y="1521986"/>
+            <a:ext cx="88900" cy="268715"/>
+          </a:xfrm>
+          <a:prstGeom prst="straightConnector1">
+            <a:avLst/>
+          </a:prstGeom>
+          <a:ln w="9525" cmpd="sng">
+            <a:solidFill>
+              <a:schemeClr val="bg1">
+                <a:lumMod val="75000"/>
+              </a:schemeClr>
+            </a:solidFill>
+            <a:headEnd type="none"/>
+            <a:tailEnd type="triangle" w="sm" len="sm"/>
+          </a:ln>
+          <a:effectLst/>
+        </p:spPr>
+        <p:style>
+          <a:lnRef idx="2">
+            <a:schemeClr val="accent1"/>
+          </a:lnRef>
+          <a:fillRef idx="0">
+            <a:schemeClr val="accent1"/>
+          </a:fillRef>
+          <a:effectRef idx="1">
+            <a:schemeClr val="accent1"/>
+          </a:effectRef>
+          <a:fontRef idx="minor">
+            <a:schemeClr val="tx1"/>
+          </a:fontRef>
+        </p:style>
+      </p:cxnSp>
+      <p:cxnSp>
+        <p:nvCxnSpPr>
+          <p:cNvPr id="29" name="直線矢印コネクタ 28"/>
+          <p:cNvCxnSpPr/>
+          <p:nvPr/>
+        </p:nvCxnSpPr>
+        <p:spPr>
+          <a:xfrm flipV="1">
+            <a:off x="3060700" y="1674387"/>
+            <a:ext cx="234950" cy="116314"/>
+          </a:xfrm>
+          <a:prstGeom prst="straightConnector1">
+            <a:avLst/>
+          </a:prstGeom>
+          <a:ln w="9525" cmpd="sng">
+            <a:solidFill>
+              <a:schemeClr val="bg1">
+                <a:lumMod val="75000"/>
+              </a:schemeClr>
+            </a:solidFill>
+            <a:headEnd type="none"/>
+            <a:tailEnd type="triangle" w="sm" len="sm"/>
+          </a:ln>
+          <a:effectLst/>
+        </p:spPr>
+        <p:style>
+          <a:lnRef idx="2">
+            <a:schemeClr val="accent1"/>
+          </a:lnRef>
+          <a:fillRef idx="0">
+            <a:schemeClr val="accent1"/>
+          </a:fillRef>
+          <a:effectRef idx="1">
+            <a:schemeClr val="accent1"/>
+          </a:effectRef>
+          <a:fontRef idx="minor">
+            <a:schemeClr val="tx1"/>
+          </a:fontRef>
+        </p:style>
+      </p:cxnSp>
+      <p:cxnSp>
+        <p:nvCxnSpPr>
+          <p:cNvPr id="32" name="直線矢印コネクタ 31"/>
+          <p:cNvCxnSpPr/>
+          <p:nvPr/>
+        </p:nvCxnSpPr>
+        <p:spPr>
+          <a:xfrm flipV="1">
+            <a:off x="3060700" y="1521986"/>
+            <a:ext cx="47625" cy="268714"/>
+          </a:xfrm>
+          <a:prstGeom prst="straightConnector1">
+            <a:avLst/>
+          </a:prstGeom>
+          <a:ln w="9525" cmpd="sng">
+            <a:solidFill>
+              <a:schemeClr val="bg1">
+                <a:lumMod val="75000"/>
+              </a:schemeClr>
+            </a:solidFill>
+            <a:headEnd type="none"/>
+            <a:tailEnd type="triangle" w="sm" len="sm"/>
+          </a:ln>
+          <a:effectLst/>
+        </p:spPr>
+        <p:style>
+          <a:lnRef idx="2">
+            <a:schemeClr val="accent1"/>
+          </a:lnRef>
+          <a:fillRef idx="0">
+            <a:schemeClr val="accent1"/>
+          </a:fillRef>
+          <a:effectRef idx="1">
+            <a:schemeClr val="accent1"/>
+          </a:effectRef>
+          <a:fontRef idx="minor">
+            <a:schemeClr val="tx1"/>
+          </a:fontRef>
+        </p:style>
+      </p:cxnSp>
+      <p:cxnSp>
+        <p:nvCxnSpPr>
+          <p:cNvPr id="36" name="直線矢印コネクタ 35"/>
+          <p:cNvCxnSpPr/>
+          <p:nvPr/>
+        </p:nvCxnSpPr>
+        <p:spPr>
+          <a:xfrm flipV="1">
+            <a:off x="3060700" y="1577975"/>
+            <a:ext cx="158750" cy="212725"/>
+          </a:xfrm>
+          <a:prstGeom prst="straightConnector1">
+            <a:avLst/>
+          </a:prstGeom>
+          <a:ln w="19050" cmpd="sng">
+            <a:solidFill>
+              <a:srgbClr val="FF0000"/>
+            </a:solidFill>
+            <a:headEnd type="none"/>
+            <a:tailEnd type="triangle" w="sm" len="sm"/>
+          </a:ln>
+          <a:effectLst/>
+        </p:spPr>
+        <p:style>
+          <a:lnRef idx="2">
+            <a:schemeClr val="accent1"/>
+          </a:lnRef>
+          <a:fillRef idx="0">
+            <a:schemeClr val="accent1"/>
+          </a:fillRef>
+          <a:effectRef idx="1">
+            <a:schemeClr val="accent1"/>
+          </a:effectRef>
+          <a:fontRef idx="minor">
+            <a:schemeClr val="tx1"/>
+          </a:fontRef>
+        </p:style>
+      </p:cxnSp>
+      <p:cxnSp>
+        <p:nvCxnSpPr>
+          <p:cNvPr id="40" name="直線矢印コネクタ 39"/>
+          <p:cNvCxnSpPr/>
+          <p:nvPr/>
+        </p:nvCxnSpPr>
+        <p:spPr>
+          <a:xfrm flipV="1">
+            <a:off x="5499617" y="1502265"/>
+            <a:ext cx="1498600" cy="237067"/>
+          </a:xfrm>
+          <a:prstGeom prst="straightConnector1">
+            <a:avLst/>
+          </a:prstGeom>
+          <a:ln>
+            <a:tailEnd type="arrow"/>
+          </a:ln>
+        </p:spPr>
+        <p:style>
+          <a:lnRef idx="2">
+            <a:schemeClr val="accent1"/>
+          </a:lnRef>
+          <a:fillRef idx="0">
+            <a:schemeClr val="accent1"/>
+          </a:fillRef>
+          <a:effectRef idx="1">
+            <a:schemeClr val="accent1"/>
+          </a:effectRef>
+          <a:fontRef idx="minor">
+            <a:schemeClr val="tx1"/>
+          </a:fontRef>
+        </p:style>
+      </p:cxnSp>
+      <p:cxnSp>
+        <p:nvCxnSpPr>
+          <p:cNvPr id="41" name="直線矢印コネクタ 40"/>
+          <p:cNvCxnSpPr/>
+          <p:nvPr/>
+        </p:nvCxnSpPr>
+        <p:spPr>
+          <a:xfrm>
+            <a:off x="5499617" y="1739332"/>
+            <a:ext cx="1100667" cy="465667"/>
+          </a:xfrm>
+          <a:prstGeom prst="straightConnector1">
+            <a:avLst/>
+          </a:prstGeom>
+          <a:ln>
+            <a:tailEnd type="arrow"/>
+          </a:ln>
+        </p:spPr>
+        <p:style>
+          <a:lnRef idx="2">
+            <a:schemeClr val="accent1"/>
+          </a:lnRef>
+          <a:fillRef idx="0">
+            <a:schemeClr val="accent1"/>
+          </a:fillRef>
+          <a:effectRef idx="1">
+            <a:schemeClr val="accent1"/>
+          </a:effectRef>
+          <a:fontRef idx="minor">
+            <a:schemeClr val="tx1"/>
+          </a:fontRef>
+        </p:style>
+      </p:cxnSp>
+      <p:cxnSp>
+        <p:nvCxnSpPr>
+          <p:cNvPr id="42" name="直線矢印コネクタ 41"/>
+          <p:cNvCxnSpPr/>
+          <p:nvPr/>
+        </p:nvCxnSpPr>
+        <p:spPr>
+          <a:xfrm>
+            <a:off x="6998217" y="1506498"/>
+            <a:ext cx="1100667" cy="465667"/>
+          </a:xfrm>
+          <a:prstGeom prst="straightConnector1">
+            <a:avLst/>
+          </a:prstGeom>
+          <a:ln>
+            <a:solidFill>
+              <a:srgbClr val="A6A6A6"/>
+            </a:solidFill>
+            <a:prstDash val="sysDash"/>
+            <a:headEnd type="none"/>
+            <a:tailEnd type="none"/>
+          </a:ln>
+        </p:spPr>
+        <p:style>
+          <a:lnRef idx="2">
+            <a:schemeClr val="accent1"/>
+          </a:lnRef>
+          <a:fillRef idx="0">
+            <a:schemeClr val="accent1"/>
+          </a:fillRef>
+          <a:effectRef idx="1">
+            <a:schemeClr val="accent1"/>
+          </a:effectRef>
+          <a:fontRef idx="minor">
+            <a:schemeClr val="tx1"/>
+          </a:fontRef>
+        </p:style>
+      </p:cxnSp>
+      <p:cxnSp>
+        <p:nvCxnSpPr>
+          <p:cNvPr id="43" name="直線矢印コネクタ 42"/>
+          <p:cNvCxnSpPr/>
+          <p:nvPr/>
+        </p:nvCxnSpPr>
+        <p:spPr>
+          <a:xfrm flipV="1">
+            <a:off x="6600284" y="1967932"/>
+            <a:ext cx="1498600" cy="237067"/>
+          </a:xfrm>
+          <a:prstGeom prst="straightConnector1">
+            <a:avLst/>
+          </a:prstGeom>
+          <a:ln>
+            <a:solidFill>
+              <a:srgbClr val="A6A6A6"/>
+            </a:solidFill>
+            <a:prstDash val="sysDash"/>
+            <a:headEnd type="none"/>
+            <a:tailEnd type="none"/>
+          </a:ln>
+        </p:spPr>
+        <p:style>
+          <a:lnRef idx="2">
+            <a:schemeClr val="accent1"/>
+          </a:lnRef>
+          <a:fillRef idx="0">
+            <a:schemeClr val="accent1"/>
+          </a:fillRef>
+          <a:effectRef idx="1">
+            <a:schemeClr val="accent1"/>
+          </a:effectRef>
+          <a:fontRef idx="minor">
+            <a:schemeClr val="tx1"/>
+          </a:fontRef>
+        </p:style>
+      </p:cxnSp>
+      <p:cxnSp>
+        <p:nvCxnSpPr>
+          <p:cNvPr id="44" name="直線矢印コネクタ 43"/>
+          <p:cNvCxnSpPr/>
+          <p:nvPr/>
+        </p:nvCxnSpPr>
+        <p:spPr>
+          <a:xfrm flipV="1">
+            <a:off x="5499617" y="1041400"/>
+            <a:ext cx="0" cy="697932"/>
+          </a:xfrm>
+          <a:prstGeom prst="straightConnector1">
+            <a:avLst/>
+          </a:prstGeom>
+          <a:ln>
+            <a:solidFill>
+              <a:schemeClr val="tx1"/>
+            </a:solidFill>
+            <a:tailEnd type="arrow"/>
+          </a:ln>
+        </p:spPr>
+        <p:style>
+          <a:lnRef idx="2">
+            <a:schemeClr val="accent1"/>
+          </a:lnRef>
+          <a:fillRef idx="0">
+            <a:schemeClr val="accent1"/>
+          </a:fillRef>
+          <a:effectRef idx="1">
+            <a:schemeClr val="accent1"/>
+          </a:effectRef>
+          <a:fontRef idx="minor">
+            <a:schemeClr val="tx1"/>
+          </a:fontRef>
+        </p:style>
+      </p:cxnSp>
+      <p:sp>
+        <p:nvSpPr>
+          <p:cNvPr id="45" name="テキスト ボックス 44"/>
+          <p:cNvSpPr txBox="1"/>
+          <p:nvPr/>
+        </p:nvSpPr>
+        <p:spPr>
+          <a:xfrm>
+            <a:off x="5344288" y="704337"/>
+            <a:ext cx="374321" cy="369332"/>
+          </a:xfrm>
+          <a:prstGeom prst="rect">
+            <a:avLst/>
+          </a:prstGeom>
+          <a:noFill/>
+        </p:spPr>
+        <p:txBody>
+          <a:bodyPr wrap="none" rtlCol="0">
+            <a:spAutoFit/>
+          </a:bodyPr>
+          <a:lstStyle/>
+          <a:p>
+            <a:r>
+              <a:rPr kumimoji="1" lang="en-US" altLang="ja-JP" i="1" dirty="0" smtClean="0">
+                <a:latin typeface="Calisto MT"/>
+                <a:cs typeface="Calisto MT"/>
+              </a:rPr>
+              <a:t>n</a:t>
+            </a:r>
+            <a:endParaRPr kumimoji="1" lang="ja-JP" altLang="en-US" i="1" dirty="0">
+              <a:latin typeface="Calisto MT"/>
+              <a:cs typeface="Calisto MT"/>
+            </a:endParaRPr>
+          </a:p>
+        </p:txBody>
+      </p:sp>
+      <p:sp>
+        <p:nvSpPr>
+          <p:cNvPr id="46" name="円/楕円 45"/>
+          <p:cNvSpPr/>
+          <p:nvPr/>
+        </p:nvSpPr>
+        <p:spPr>
+          <a:xfrm>
+            <a:off x="5467785" y="1710757"/>
+            <a:ext cx="63664" cy="57150"/>
+          </a:xfrm>
+          <a:prstGeom prst="ellipse">
+            <a:avLst/>
+          </a:prstGeom>
+        </p:spPr>
+        <p:style>
+          <a:lnRef idx="2">
+            <a:schemeClr val="dk1">
+              <a:shade val="50000"/>
+            </a:schemeClr>
+          </a:lnRef>
+          <a:fillRef idx="1">
+            <a:schemeClr val="dk1"/>
+          </a:fillRef>
+          <a:effectRef idx="0">
+            <a:schemeClr val="dk1"/>
+          </a:effectRef>
+          <a:fontRef idx="minor">
+            <a:schemeClr val="lt1"/>
+          </a:fontRef>
+        </p:style>
+        <p:txBody>
+          <a:bodyPr rtlCol="0" anchor="ctr"/>
+          <a:lstStyle/>
+          <a:p>
+            <a:pPr algn="ctr"/>
+            <a:endParaRPr kumimoji="1" lang="ja-JP" altLang="en-US"/>
+          </a:p>
+        </p:txBody>
+      </p:sp>
+      <p:sp>
+        <p:nvSpPr>
           <p:cNvPr id="47" name="テキスト ボックス 46"/>
           <p:cNvSpPr txBox="1"/>
           <p:nvPr/>
@@ -7505,7 +8337,7 @@
         <p:spPr>
           <a:xfrm>
             <a:off x="1459456" y="2663975"/>
-            <a:ext cx="928459" cy="246221"/>
+            <a:ext cx="1005403" cy="246221"/>
           </a:xfrm>
           <a:prstGeom prst="rect">
             <a:avLst/>
@@ -7524,7 +8356,23 @@
                 <a:ea typeface="メイリオ"/>
                 <a:cs typeface="メイリオ"/>
               </a:rPr>
-              <a:t>(a) 平面光源</a:t>
+              <a:t>図7: </a:t>
+            </a:r>
+            <a:r>
+              <a:rPr lang="en-US" altLang="en-US" sz="1000" dirty="0" smtClean="0">
+                <a:latin typeface="メイリオ"/>
+                <a:ea typeface="メイリオ"/>
+                <a:cs typeface="メイリオ"/>
+              </a:rPr>
+              <a:t>平面</a:t>
+            </a:r>
+            <a:r>
+              <a:rPr lang="en-US" altLang="en-US" sz="1000" dirty="0" smtClean="0">
+                <a:latin typeface="メイリオ"/>
+                <a:ea typeface="メイリオ"/>
+                <a:cs typeface="メイリオ"/>
+              </a:rPr>
+              <a:t>光源</a:t>
             </a:r>
             <a:endParaRPr kumimoji="1" lang="ja-JP" altLang="en-US" sz="1000" dirty="0">
               <a:latin typeface="メイリオ"/>
@@ -7543,7 +8391,7 @@
         <p:spPr>
           <a:xfrm>
             <a:off x="5319923" y="2663975"/>
-            <a:ext cx="928459" cy="246221"/>
+            <a:ext cx="1083850" cy="246221"/>
           </a:xfrm>
           <a:prstGeom prst="rect">
             <a:avLst/>
@@ -7557,12 +8405,28 @@
           <a:lstStyle/>
           <a:p>
             <a:r>
+              <a:rPr lang="ja-JP" altLang="en-US" sz="1000" dirty="0" smtClean="0">
+                <a:latin typeface="メイリオ"/>
+                <a:ea typeface="メイリオ"/>
+                <a:cs typeface="メイリオ"/>
+              </a:rPr>
+              <a:t>図</a:t>
+            </a:r>
+            <a:r>
+              <a:rPr lang="en-US" altLang="ja-JP" sz="1000" dirty="0" smtClean="0">
+                <a:latin typeface="メイリオ"/>
+                <a:ea typeface="メイリオ"/>
+                <a:cs typeface="メイリオ"/>
+              </a:rPr>
+              <a:t>10:</a:t>
+            </a:r>
+            <a:r>
               <a:rPr lang="en-US" altLang="en-US" sz="1000" dirty="0" smtClean="0">
                 <a:latin typeface="メイリオ"/>
                 <a:ea typeface="メイリオ"/>
                 <a:cs typeface="メイリオ"/>
               </a:rPr>
-              <a:t>(a) </a:t>
+              <a:t> </a:t>
             </a:r>
             <a:r>
               <a:rPr lang="ja-JP" altLang="en-US" sz="1000" dirty="0" smtClean="0">
@@ -7580,10 +8444,758 @@
           </a:p>
         </p:txBody>
       </p:sp>
+      <p:sp>
+        <p:nvSpPr>
+          <p:cNvPr id="51" name="円/楕円 50"/>
+          <p:cNvSpPr/>
+          <p:nvPr/>
+        </p:nvSpPr>
+        <p:spPr>
+          <a:xfrm>
+            <a:off x="2138269" y="1905980"/>
+            <a:ext cx="63664" cy="57150"/>
+          </a:xfrm>
+          <a:prstGeom prst="ellipse">
+            <a:avLst/>
+          </a:prstGeom>
+          <a:solidFill>
+            <a:schemeClr val="tx2"/>
+          </a:solidFill>
+          <a:ln>
+            <a:solidFill>
+              <a:schemeClr val="tx2"/>
+            </a:solidFill>
+          </a:ln>
+        </p:spPr>
+        <p:style>
+          <a:lnRef idx="2">
+            <a:schemeClr val="dk1">
+              <a:shade val="50000"/>
+            </a:schemeClr>
+          </a:lnRef>
+          <a:fillRef idx="1">
+            <a:schemeClr val="dk1"/>
+          </a:fillRef>
+          <a:effectRef idx="0">
+            <a:schemeClr val="dk1"/>
+          </a:effectRef>
+          <a:fontRef idx="minor">
+            <a:schemeClr val="lt1"/>
+          </a:fontRef>
+        </p:style>
+        <p:txBody>
+          <a:bodyPr rtlCol="0" anchor="ctr"/>
+          <a:lstStyle/>
+          <a:p>
+            <a:pPr algn="ctr"/>
+            <a:endParaRPr kumimoji="1" lang="ja-JP" altLang="en-US"/>
+          </a:p>
+        </p:txBody>
+      </p:sp>
+      <p:sp>
+        <p:nvSpPr>
+          <p:cNvPr id="37" name="円/楕円 36"/>
+          <p:cNvSpPr/>
+          <p:nvPr/>
+        </p:nvSpPr>
+        <p:spPr>
+          <a:xfrm>
+            <a:off x="2555170" y="1563648"/>
+            <a:ext cx="63664" cy="57150"/>
+          </a:xfrm>
+          <a:prstGeom prst="ellipse">
+            <a:avLst/>
+          </a:prstGeom>
+          <a:solidFill>
+            <a:srgbClr val="1F497D"/>
+          </a:solidFill>
+          <a:ln>
+            <a:solidFill>
+              <a:srgbClr val="1F497D"/>
+            </a:solidFill>
+          </a:ln>
+        </p:spPr>
+        <p:style>
+          <a:lnRef idx="2">
+            <a:schemeClr val="dk1">
+              <a:shade val="50000"/>
+            </a:schemeClr>
+          </a:lnRef>
+          <a:fillRef idx="1">
+            <a:schemeClr val="dk1"/>
+          </a:fillRef>
+          <a:effectRef idx="0">
+            <a:schemeClr val="dk1"/>
+          </a:effectRef>
+          <a:fontRef idx="minor">
+            <a:schemeClr val="lt1"/>
+          </a:fontRef>
+        </p:style>
+        <p:txBody>
+          <a:bodyPr rtlCol="0" anchor="ctr"/>
+          <a:lstStyle/>
+          <a:p>
+            <a:pPr algn="ctr"/>
+            <a:endParaRPr kumimoji="1" lang="ja-JP" altLang="en-US"/>
+          </a:p>
+        </p:txBody>
+      </p:sp>
+      <p:sp>
+        <p:nvSpPr>
+          <p:cNvPr id="52" name="テキスト ボックス 51"/>
+          <p:cNvSpPr txBox="1"/>
+          <p:nvPr/>
+        </p:nvSpPr>
+        <p:spPr>
+          <a:xfrm>
+            <a:off x="1973382" y="1825057"/>
+            <a:ext cx="329774" cy="369332"/>
+          </a:xfrm>
+          <a:prstGeom prst="rect">
+            <a:avLst/>
+          </a:prstGeom>
+          <a:noFill/>
+        </p:spPr>
+        <p:txBody>
+          <a:bodyPr wrap="none" rtlCol="0">
+            <a:spAutoFit/>
+          </a:bodyPr>
+          <a:lstStyle/>
+          <a:p>
+            <a:r>
+              <a:rPr lang="en-US" altLang="ja-JP" i="1" dirty="0" smtClean="0">
+                <a:solidFill>
+                  <a:schemeClr val="tx2"/>
+                </a:solidFill>
+                <a:latin typeface="Calisto MT"/>
+                <a:cs typeface="Calisto MT"/>
+              </a:rPr>
+              <a:t>v</a:t>
+            </a:r>
+            <a:endParaRPr kumimoji="1" lang="ja-JP" altLang="en-US" i="1" baseline="-25000" dirty="0">
+              <a:solidFill>
+                <a:schemeClr val="tx2"/>
+              </a:solidFill>
+              <a:latin typeface="Calisto MT"/>
+              <a:cs typeface="Calisto MT"/>
+            </a:endParaRPr>
+          </a:p>
+        </p:txBody>
+      </p:sp>
+      <p:sp>
+        <p:nvSpPr>
+          <p:cNvPr id="53" name="テキスト ボックス 52"/>
+          <p:cNvSpPr txBox="1"/>
+          <p:nvPr/>
+        </p:nvSpPr>
+        <p:spPr>
+          <a:xfrm>
+            <a:off x="2344857" y="1257196"/>
+            <a:ext cx="351190" cy="369332"/>
+          </a:xfrm>
+          <a:prstGeom prst="rect">
+            <a:avLst/>
+          </a:prstGeom>
+          <a:noFill/>
+        </p:spPr>
+        <p:txBody>
+          <a:bodyPr wrap="none" rtlCol="0">
+            <a:spAutoFit/>
+          </a:bodyPr>
+          <a:lstStyle/>
+          <a:p>
+            <a:r>
+              <a:rPr lang="en-US" altLang="ja-JP" i="1" dirty="0" smtClean="0">
+                <a:solidFill>
+                  <a:schemeClr val="tx2"/>
+                </a:solidFill>
+                <a:latin typeface="Calisto MT"/>
+                <a:cs typeface="Calisto MT"/>
+              </a:rPr>
+              <a:t>u</a:t>
+            </a:r>
+            <a:endParaRPr kumimoji="1" lang="ja-JP" altLang="en-US" i="1" baseline="-25000" dirty="0">
+              <a:solidFill>
+                <a:schemeClr val="tx2"/>
+              </a:solidFill>
+              <a:latin typeface="Calisto MT"/>
+              <a:cs typeface="Calisto MT"/>
+            </a:endParaRPr>
+          </a:p>
+        </p:txBody>
+      </p:sp>
+      <p:sp>
+        <p:nvSpPr>
+          <p:cNvPr id="54" name="テキスト ボックス 53"/>
+          <p:cNvSpPr txBox="1"/>
+          <p:nvPr/>
+        </p:nvSpPr>
+        <p:spPr>
+          <a:xfrm>
+            <a:off x="2884286" y="1674387"/>
+            <a:ext cx="352827" cy="369332"/>
+          </a:xfrm>
+          <a:prstGeom prst="rect">
+            <a:avLst/>
+          </a:prstGeom>
+          <a:noFill/>
+        </p:spPr>
+        <p:txBody>
+          <a:bodyPr wrap="none" rtlCol="0">
+            <a:spAutoFit/>
+          </a:bodyPr>
+          <a:lstStyle/>
+          <a:p>
+            <a:r>
+              <a:rPr lang="en-US" altLang="ja-JP" i="1" dirty="0" smtClean="0">
+                <a:solidFill>
+                  <a:schemeClr val="tx2"/>
+                </a:solidFill>
+                <a:latin typeface="Calisto MT"/>
+                <a:cs typeface="Calisto MT"/>
+              </a:rPr>
+              <a:t>p</a:t>
+            </a:r>
+            <a:endParaRPr kumimoji="1" lang="ja-JP" altLang="en-US" i="1" baseline="-25000" dirty="0">
+              <a:solidFill>
+                <a:schemeClr val="tx2"/>
+              </a:solidFill>
+              <a:latin typeface="Calisto MT"/>
+              <a:cs typeface="Calisto MT"/>
+            </a:endParaRPr>
+          </a:p>
+        </p:txBody>
+      </p:sp>
     </p:spTree>
     <p:extLst>
       <p:ext uri="{BB962C8B-B14F-4D97-AF65-F5344CB8AC3E}">
         <p14:creationId xmlns:p14="http://schemas.microsoft.com/office/powerpoint/2010/main" val="415719341"/>
+      </p:ext>
+    </p:extLst>
+  </p:cSld>
+  <p:clrMapOvr>
+    <a:masterClrMapping/>
+  </p:clrMapOvr>
+</p:sld>
+</file>
+
+<file path=ppt/slides/slide6.xml><?xml version="1.0" encoding="utf-8"?>
+<p:sld xmlns:a="http://schemas.openxmlformats.org/drawingml/2006/main" xmlns:r="http://schemas.openxmlformats.org/officeDocument/2006/relationships" xmlns:p="http://schemas.openxmlformats.org/presentationml/2006/main">
+  <p:cSld>
+    <p:spTree>
+      <p:nvGrpSpPr>
+        <p:cNvPr id="1" name=""/>
+        <p:cNvGrpSpPr/>
+        <p:nvPr/>
+      </p:nvGrpSpPr>
+      <p:grpSpPr>
+        <a:xfrm>
+          <a:off x="0" y="0"/>
+          <a:ext cx="0" cy="0"/>
+          <a:chOff x="0" y="0"/>
+          <a:chExt cx="0" cy="0"/>
+        </a:xfrm>
+      </p:grpSpPr>
+      <p:sp>
+        <p:nvSpPr>
+          <p:cNvPr id="4" name="テキスト ボックス 3"/>
+          <p:cNvSpPr txBox="1"/>
+          <p:nvPr/>
+        </p:nvSpPr>
+        <p:spPr>
+          <a:xfrm>
+            <a:off x="1188155" y="2639202"/>
+            <a:ext cx="5653536" cy="246221"/>
+          </a:xfrm>
+          <a:prstGeom prst="rect">
+            <a:avLst/>
+          </a:prstGeom>
+          <a:noFill/>
+        </p:spPr>
+        <p:txBody>
+          <a:bodyPr wrap="none" rtlCol="0">
+            <a:spAutoFit/>
+          </a:bodyPr>
+          <a:lstStyle/>
+          <a:p>
+            <a:r>
+              <a:rPr lang="ja-JP" altLang="en-US" sz="1000" dirty="0" smtClean="0">
+                <a:latin typeface="メイリオ"/>
+                <a:ea typeface="メイリオ"/>
+                <a:cs typeface="メイリオ"/>
+              </a:rPr>
+              <a:t>図</a:t>
+            </a:r>
+            <a:r>
+              <a:rPr lang="en-US" altLang="ja-JP" sz="1000" dirty="0" smtClean="0">
+                <a:latin typeface="メイリオ"/>
+                <a:ea typeface="メイリオ"/>
+                <a:cs typeface="メイリオ"/>
+              </a:rPr>
+              <a:t>9:</a:t>
+            </a:r>
+            <a:r>
+              <a:rPr lang="ja-JP" altLang="en-US" sz="1000" dirty="0" smtClean="0">
+                <a:latin typeface="メイリオ"/>
+                <a:ea typeface="メイリオ"/>
+                <a:cs typeface="メイリオ"/>
+              </a:rPr>
+              <a:t> フォトンマッピング、平面光源</a:t>
+            </a:r>
+            <a:r>
+              <a:rPr lang="en-US" altLang="ja-JP" sz="1000" dirty="0" smtClean="0">
+                <a:latin typeface="メイリオ"/>
+                <a:ea typeface="メイリオ"/>
+                <a:cs typeface="メイリオ"/>
+              </a:rPr>
+              <a:t>(</a:t>
+            </a:r>
+            <a:r>
+              <a:rPr lang="ja-JP" altLang="en-US" sz="1000" dirty="0" smtClean="0">
+                <a:latin typeface="メイリオ"/>
+                <a:ea typeface="メイリオ"/>
+                <a:cs typeface="メイリオ"/>
+              </a:rPr>
+              <a:t>左</a:t>
+            </a:r>
+            <a:r>
+              <a:rPr lang="en-US" altLang="ja-JP" sz="1000" dirty="0" smtClean="0">
+                <a:latin typeface="メイリオ"/>
+                <a:ea typeface="メイリオ"/>
+                <a:cs typeface="メイリオ"/>
+              </a:rPr>
+              <a:t>)</a:t>
+            </a:r>
+            <a:r>
+              <a:rPr lang="ja-JP" altLang="en-US" sz="1000" dirty="0" smtClean="0">
+                <a:latin typeface="メイリオ"/>
+                <a:ea typeface="メイリオ"/>
+                <a:cs typeface="メイリオ"/>
+              </a:rPr>
+              <a:t>、点光源</a:t>
+            </a:r>
+            <a:r>
+              <a:rPr lang="en-US" altLang="ja-JP" sz="1000" dirty="0" smtClean="0">
+                <a:latin typeface="メイリオ"/>
+                <a:ea typeface="メイリオ"/>
+                <a:cs typeface="メイリオ"/>
+              </a:rPr>
+              <a:t>(</a:t>
+            </a:r>
+            <a:r>
+              <a:rPr lang="ja-JP" altLang="en-US" sz="1000" dirty="0" smtClean="0">
+                <a:latin typeface="メイリオ"/>
+                <a:ea typeface="メイリオ"/>
+                <a:cs typeface="メイリオ"/>
+              </a:rPr>
+              <a:t>中央</a:t>
+            </a:r>
+            <a:r>
+              <a:rPr lang="en-US" altLang="ja-JP" sz="1000" dirty="0" smtClean="0">
+                <a:latin typeface="メイリオ"/>
+                <a:ea typeface="メイリオ"/>
+                <a:cs typeface="メイリオ"/>
+              </a:rPr>
+              <a:t>)</a:t>
+            </a:r>
+            <a:r>
+              <a:rPr lang="ja-JP" altLang="en-US" sz="1000" dirty="0" smtClean="0">
+                <a:latin typeface="メイリオ"/>
+                <a:ea typeface="メイリオ"/>
+                <a:cs typeface="メイリオ"/>
+              </a:rPr>
+              <a:t>、環境光ありの古典・平面光源</a:t>
+            </a:r>
+            <a:r>
+              <a:rPr lang="en-US" altLang="ja-JP" sz="1000" dirty="0" smtClean="0">
+                <a:latin typeface="メイリオ"/>
+                <a:ea typeface="メイリオ"/>
+                <a:cs typeface="メイリオ"/>
+              </a:rPr>
+              <a:t>(</a:t>
+            </a:r>
+            <a:r>
+              <a:rPr lang="ja-JP" altLang="en-US" sz="1000" dirty="0" smtClean="0">
+                <a:latin typeface="メイリオ"/>
+                <a:ea typeface="メイリオ"/>
+                <a:cs typeface="メイリオ"/>
+              </a:rPr>
+              <a:t>左</a:t>
+            </a:r>
+            <a:r>
+              <a:rPr lang="en-US" altLang="en-US" sz="1000" dirty="0">
+                <a:latin typeface="メイリオ"/>
+                <a:ea typeface="メイリオ"/>
+                <a:cs typeface="メイリオ"/>
+              </a:rPr>
+              <a:t>)</a:t>
+            </a:r>
+            <a:endParaRPr kumimoji="1" lang="ja-JP" altLang="en-US" sz="1000" dirty="0">
+              <a:latin typeface="メイリオ"/>
+              <a:ea typeface="メイリオ"/>
+              <a:cs typeface="メイリオ"/>
+            </a:endParaRPr>
+          </a:p>
+        </p:txBody>
+      </p:sp>
+      <p:pic>
+        <p:nvPicPr>
+          <p:cNvPr id="2" name="図 1" descr="pt-ref200-0.2,20k.png"/>
+          <p:cNvPicPr>
+            <a:picLocks noChangeAspect="1"/>
+          </p:cNvPicPr>
+          <p:nvPr/>
+        </p:nvPicPr>
+        <p:blipFill>
+          <a:blip r:embed="rId2">
+            <a:extLst>
+              <a:ext uri="{28A0092B-C50C-407E-A947-70E740481C1C}">
+                <a14:useLocalDpi xmlns:a14="http://schemas.microsoft.com/office/drawing/2010/main" val="0"/>
+              </a:ext>
+            </a:extLst>
+          </a:blip>
+          <a:stretch>
+            <a:fillRect/>
+          </a:stretch>
+        </p:blipFill>
+        <p:spPr>
+          <a:xfrm>
+            <a:off x="2991770" y="357047"/>
+            <a:ext cx="2136405" cy="2136405"/>
+          </a:xfrm>
+          <a:prstGeom prst="rect">
+            <a:avLst/>
+          </a:prstGeom>
+        </p:spPr>
+      </p:pic>
+      <p:pic>
+        <p:nvPicPr>
+          <p:cNvPr id="3" name="図 2" descr="para-ref200-0.2,20k.png"/>
+          <p:cNvPicPr>
+            <a:picLocks noChangeAspect="1"/>
+          </p:cNvPicPr>
+          <p:nvPr/>
+        </p:nvPicPr>
+        <p:blipFill>
+          <a:blip r:embed="rId3">
+            <a:extLst>
+              <a:ext uri="{28A0092B-C50C-407E-A947-70E740481C1C}">
+                <a14:useLocalDpi xmlns:a14="http://schemas.microsoft.com/office/drawing/2010/main" val="0"/>
+              </a:ext>
+            </a:extLst>
+          </a:blip>
+          <a:stretch>
+            <a:fillRect/>
+          </a:stretch>
+        </p:blipFill>
+        <p:spPr>
+          <a:xfrm>
+            <a:off x="697832" y="360336"/>
+            <a:ext cx="2145831" cy="2145831"/>
+          </a:xfrm>
+          <a:prstGeom prst="rect">
+            <a:avLst/>
+          </a:prstGeom>
+        </p:spPr>
+      </p:pic>
+      <p:pic>
+        <p:nvPicPr>
+          <p:cNvPr id="7" name="図 6" descr="para-refonly200-0.2,20k-c.png"/>
+          <p:cNvPicPr>
+            <a:picLocks noChangeAspect="1"/>
+          </p:cNvPicPr>
+          <p:nvPr/>
+        </p:nvPicPr>
+        <p:blipFill>
+          <a:blip r:embed="rId4">
+            <a:extLst>
+              <a:ext uri="{28A0092B-C50C-407E-A947-70E740481C1C}">
+                <a14:useLocalDpi xmlns:a14="http://schemas.microsoft.com/office/drawing/2010/main" val="0"/>
+              </a:ext>
+            </a:extLst>
+          </a:blip>
+          <a:stretch>
+            <a:fillRect/>
+          </a:stretch>
+        </p:blipFill>
+        <p:spPr>
+          <a:xfrm>
+            <a:off x="5286968" y="357047"/>
+            <a:ext cx="2132196" cy="2132196"/>
+          </a:xfrm>
+          <a:prstGeom prst="rect">
+            <a:avLst/>
+          </a:prstGeom>
+        </p:spPr>
+      </p:pic>
+      <p:sp>
+        <p:nvSpPr>
+          <p:cNvPr id="8" name="テキスト ボックス 7"/>
+          <p:cNvSpPr txBox="1"/>
+          <p:nvPr/>
+        </p:nvSpPr>
+        <p:spPr>
+          <a:xfrm>
+            <a:off x="1000548" y="5654498"/>
+            <a:ext cx="6228989" cy="246221"/>
+          </a:xfrm>
+          <a:prstGeom prst="rect">
+            <a:avLst/>
+          </a:prstGeom>
+          <a:noFill/>
+        </p:spPr>
+        <p:txBody>
+          <a:bodyPr wrap="none" rtlCol="0">
+            <a:spAutoFit/>
+          </a:bodyPr>
+          <a:lstStyle/>
+          <a:p>
+            <a:r>
+              <a:rPr lang="ja-JP" altLang="en-US" sz="1000" dirty="0" smtClean="0">
+                <a:latin typeface="メイリオ"/>
+                <a:ea typeface="メイリオ"/>
+                <a:cs typeface="メイリオ"/>
+              </a:rPr>
+              <a:t>図</a:t>
+            </a:r>
+            <a:r>
+              <a:rPr lang="en-US" altLang="ja-JP" sz="1000" dirty="0" smtClean="0">
+                <a:latin typeface="メイリオ"/>
+                <a:ea typeface="メイリオ"/>
+                <a:cs typeface="メイリオ"/>
+              </a:rPr>
+              <a:t>11:</a:t>
+            </a:r>
+            <a:r>
+              <a:rPr lang="ja-JP" altLang="en-US" sz="1000" dirty="0" smtClean="0">
+                <a:latin typeface="メイリオ"/>
+                <a:ea typeface="メイリオ"/>
+                <a:cs typeface="メイリオ"/>
+              </a:rPr>
+              <a:t> フォトンマッピング、平行光源・</a:t>
+            </a:r>
+            <a:r>
+              <a:rPr lang="en-US" altLang="ja-JP" sz="1000" dirty="0" smtClean="0">
+                <a:latin typeface="メイリオ"/>
+                <a:ea typeface="メイリオ"/>
+                <a:cs typeface="メイリオ"/>
+              </a:rPr>
+              <a:t>20</a:t>
+            </a:r>
+            <a:r>
+              <a:rPr lang="ja-JP" altLang="en-US" sz="1000" dirty="0" smtClean="0">
+                <a:latin typeface="メイリオ"/>
+                <a:ea typeface="メイリオ"/>
+                <a:cs typeface="メイリオ"/>
+              </a:rPr>
+              <a:t>万個</a:t>
+            </a:r>
+            <a:r>
+              <a:rPr lang="en-US" altLang="ja-JP" sz="1000" dirty="0" smtClean="0">
+                <a:latin typeface="メイリオ"/>
+                <a:ea typeface="メイリオ"/>
+                <a:cs typeface="メイリオ"/>
+              </a:rPr>
+              <a:t>(</a:t>
+            </a:r>
+            <a:r>
+              <a:rPr lang="ja-JP" altLang="en-US" sz="1000" dirty="0" smtClean="0">
+                <a:latin typeface="メイリオ"/>
+                <a:ea typeface="メイリオ"/>
+                <a:cs typeface="メイリオ"/>
+              </a:rPr>
+              <a:t>左</a:t>
+            </a:r>
+            <a:r>
+              <a:rPr lang="en-US" altLang="ja-JP" sz="1000" dirty="0" smtClean="0">
+                <a:latin typeface="メイリオ"/>
+                <a:ea typeface="メイリオ"/>
+                <a:cs typeface="メイリオ"/>
+              </a:rPr>
+              <a:t>)</a:t>
+            </a:r>
+            <a:r>
+              <a:rPr lang="ja-JP" altLang="en-US" sz="1000" dirty="0" smtClean="0">
+                <a:latin typeface="メイリオ"/>
+                <a:ea typeface="メイリオ"/>
+                <a:cs typeface="メイリオ"/>
+              </a:rPr>
+              <a:t>、同</a:t>
+            </a:r>
+            <a:r>
+              <a:rPr lang="en-US" altLang="ja-JP" sz="1000" dirty="0" smtClean="0">
+                <a:latin typeface="メイリオ"/>
+                <a:ea typeface="メイリオ"/>
+                <a:cs typeface="メイリオ"/>
+              </a:rPr>
+              <a:t>30</a:t>
+            </a:r>
+            <a:r>
+              <a:rPr lang="ja-JP" altLang="en-US" sz="1000" dirty="0" smtClean="0">
+                <a:latin typeface="メイリオ"/>
+                <a:ea typeface="メイリオ"/>
+                <a:cs typeface="メイリオ"/>
+              </a:rPr>
+              <a:t>万個</a:t>
+            </a:r>
+            <a:r>
+              <a:rPr lang="en-US" altLang="ja-JP" sz="1000" dirty="0" smtClean="0">
+                <a:latin typeface="メイリオ"/>
+                <a:ea typeface="メイリオ"/>
+                <a:cs typeface="メイリオ"/>
+              </a:rPr>
+              <a:t>(</a:t>
+            </a:r>
+            <a:r>
+              <a:rPr lang="ja-JP" altLang="en-US" sz="1000" dirty="0" smtClean="0">
+                <a:latin typeface="メイリオ"/>
+                <a:ea typeface="メイリオ"/>
+                <a:cs typeface="メイリオ"/>
+              </a:rPr>
+              <a:t>中央</a:t>
+            </a:r>
+            <a:r>
+              <a:rPr lang="en-US" altLang="ja-JP" sz="1000" dirty="0" smtClean="0">
+                <a:latin typeface="メイリオ"/>
+                <a:ea typeface="メイリオ"/>
+                <a:cs typeface="メイリオ"/>
+              </a:rPr>
+              <a:t>)</a:t>
+            </a:r>
+            <a:r>
+              <a:rPr lang="ja-JP" altLang="en-US" sz="1000" dirty="0" smtClean="0">
+                <a:latin typeface="メイリオ"/>
+                <a:ea typeface="メイリオ"/>
+                <a:cs typeface="メイリオ"/>
+              </a:rPr>
+              <a:t>、環境光ありの古典・平行光源</a:t>
+            </a:r>
+            <a:r>
+              <a:rPr lang="en-US" altLang="ja-JP" sz="1000" dirty="0" smtClean="0">
+                <a:latin typeface="メイリオ"/>
+                <a:ea typeface="メイリオ"/>
+                <a:cs typeface="メイリオ"/>
+              </a:rPr>
+              <a:t>(</a:t>
+            </a:r>
+            <a:r>
+              <a:rPr lang="ja-JP" altLang="en-US" sz="1000" dirty="0" smtClean="0">
+                <a:latin typeface="メイリオ"/>
+                <a:ea typeface="メイリオ"/>
+                <a:cs typeface="メイリオ"/>
+              </a:rPr>
+              <a:t>左</a:t>
+            </a:r>
+            <a:r>
+              <a:rPr lang="en-US" altLang="en-US" sz="1000" dirty="0">
+                <a:latin typeface="メイリオ"/>
+                <a:ea typeface="メイリオ"/>
+                <a:cs typeface="メイリオ"/>
+              </a:rPr>
+              <a:t>)</a:t>
+            </a:r>
+            <a:endParaRPr kumimoji="1" lang="ja-JP" altLang="en-US" sz="1000" dirty="0">
+              <a:latin typeface="メイリオ"/>
+              <a:ea typeface="メイリオ"/>
+              <a:cs typeface="メイリオ"/>
+            </a:endParaRPr>
+          </a:p>
+        </p:txBody>
+      </p:sp>
+      <p:pic>
+        <p:nvPicPr>
+          <p:cNvPr id="9" name="図 8" descr="sun-ref200-0.2,20k.png"/>
+          <p:cNvPicPr>
+            <a:picLocks noChangeAspect="1"/>
+          </p:cNvPicPr>
+          <p:nvPr/>
+        </p:nvPicPr>
+        <p:blipFill>
+          <a:blip r:embed="rId5">
+            <a:extLst>
+              <a:ext uri="{28A0092B-C50C-407E-A947-70E740481C1C}">
+                <a14:useLocalDpi xmlns:a14="http://schemas.microsoft.com/office/drawing/2010/main" val="0"/>
+              </a:ext>
+            </a:extLst>
+          </a:blip>
+          <a:stretch>
+            <a:fillRect/>
+          </a:stretch>
+        </p:blipFill>
+        <p:spPr>
+          <a:xfrm>
+            <a:off x="666958" y="3372980"/>
+            <a:ext cx="2142067" cy="2142067"/>
+          </a:xfrm>
+          <a:prstGeom prst="rect">
+            <a:avLst/>
+          </a:prstGeom>
+        </p:spPr>
+      </p:pic>
+      <p:pic>
+        <p:nvPicPr>
+          <p:cNvPr id="10" name="図 9" descr="sun-ref200-0.2,30k.png"/>
+          <p:cNvPicPr>
+            <a:picLocks noChangeAspect="1"/>
+          </p:cNvPicPr>
+          <p:nvPr/>
+        </p:nvPicPr>
+        <p:blipFill>
+          <a:blip r:embed="rId6">
+            <a:extLst>
+              <a:ext uri="{28A0092B-C50C-407E-A947-70E740481C1C}">
+                <a14:useLocalDpi xmlns:a14="http://schemas.microsoft.com/office/drawing/2010/main" val="0"/>
+              </a:ext>
+            </a:extLst>
+          </a:blip>
+          <a:stretch>
+            <a:fillRect/>
+          </a:stretch>
+        </p:blipFill>
+        <p:spPr>
+          <a:xfrm>
+            <a:off x="2966407" y="3372980"/>
+            <a:ext cx="2161817" cy="2161817"/>
+          </a:xfrm>
+          <a:prstGeom prst="rect">
+            <a:avLst/>
+          </a:prstGeom>
+        </p:spPr>
+      </p:pic>
+      <p:pic>
+        <p:nvPicPr>
+          <p:cNvPr id="11" name="図 10" descr="sun-ref200-0.2,20k-c.png"/>
+          <p:cNvPicPr>
+            <a:picLocks noChangeAspect="1"/>
+          </p:cNvPicPr>
+          <p:nvPr/>
+        </p:nvPicPr>
+        <p:blipFill>
+          <a:blip r:embed="rId7">
+            <a:extLst>
+              <a:ext uri="{28A0092B-C50C-407E-A947-70E740481C1C}">
+                <a14:useLocalDpi xmlns:a14="http://schemas.microsoft.com/office/drawing/2010/main" val="0"/>
+              </a:ext>
+            </a:extLst>
+          </a:blip>
+          <a:stretch>
+            <a:fillRect/>
+          </a:stretch>
+        </p:blipFill>
+        <p:spPr>
+          <a:xfrm>
+            <a:off x="5258105" y="3372980"/>
+            <a:ext cx="2130693" cy="2130693"/>
+          </a:xfrm>
+          <a:prstGeom prst="rect">
+            <a:avLst/>
+          </a:prstGeom>
+        </p:spPr>
+      </p:pic>
+    </p:spTree>
+    <p:extLst>
+      <p:ext uri="{BB962C8B-B14F-4D97-AF65-F5344CB8AC3E}">
+        <p14:creationId xmlns:p14="http://schemas.microsoft.com/office/powerpoint/2010/main" val="2118553228"/>
       </p:ext>
     </p:extLst>
   </p:cSld>
